--- a/presentation/DDoSCoin.pptx
+++ b/presentation/DDoSCoin.pptx
@@ -5,10 +5,10 @@
     <p:sldMasterId id="2147483648" r:id="rId1"/>
   </p:sldMasterIdLst>
   <p:notesMasterIdLst>
-    <p:notesMasterId r:id="rId19"/>
+    <p:notesMasterId r:id="rId20"/>
   </p:notesMasterIdLst>
   <p:sldIdLst>
-    <p:sldId id="256" r:id="rId2"/>
+    <p:sldId id="277" r:id="rId2"/>
     <p:sldId id="261" r:id="rId3"/>
     <p:sldId id="257" r:id="rId4"/>
     <p:sldId id="258" r:id="rId5"/>
@@ -23,8 +23,9 @@
     <p:sldId id="269" r:id="rId14"/>
     <p:sldId id="274" r:id="rId15"/>
     <p:sldId id="268" r:id="rId16"/>
-    <p:sldId id="270" r:id="rId17"/>
-    <p:sldId id="272" r:id="rId18"/>
+    <p:sldId id="275" r:id="rId17"/>
+    <p:sldId id="270" r:id="rId18"/>
+    <p:sldId id="276" r:id="rId19"/>
   </p:sldIdLst>
   <p:sldSz cx="12192000" cy="6858000"/>
   <p:notesSz cx="6858000" cy="9144000"/>
@@ -520,7 +521,7 @@
           <a:bodyPr/>
           <a:lstStyle/>
           <a:p>
-            <a:endParaRPr lang="en-US" dirty="0"/>
+            <a:endParaRPr lang="en-US"/>
           </a:p>
         </p:txBody>
       </p:sp>
@@ -541,7 +542,7 @@
           <a:p>
             <a:fld id="{A606CBFA-088E-D14B-8B69-347D3259A44F}" type="slidenum">
               <a:rPr lang="en-US" smtClean="0"/>
-              <a:t>3</a:t>
+              <a:t>1</a:t>
             </a:fld>
             <a:endParaRPr lang="en-US"/>
           </a:p>
@@ -550,7 +551,91 @@
     </p:spTree>
     <p:extLst>
       <p:ext uri="{BB962C8B-B14F-4D97-AF65-F5344CB8AC3E}">
-        <p14:creationId xmlns:p14="http://schemas.microsoft.com/office/powerpoint/2010/main" val="1893580833"/>
+        <p14:creationId xmlns:p14="http://schemas.microsoft.com/office/powerpoint/2010/main" val="1782563966"/>
+      </p:ext>
+    </p:extLst>
+  </p:cSld>
+  <p:clrMapOvr>
+    <a:masterClrMapping/>
+  </p:clrMapOvr>
+</p:notes>
+</file>
+
+<file path=ppt/notesSlides/notesSlide10.xml><?xml version="1.0" encoding="utf-8"?>
+<p:notes xmlns:a="http://schemas.openxmlformats.org/drawingml/2006/main" xmlns:r="http://schemas.openxmlformats.org/officeDocument/2006/relationships" xmlns:p="http://schemas.openxmlformats.org/presentationml/2006/main">
+  <p:cSld>
+    <p:spTree>
+      <p:nvGrpSpPr>
+        <p:cNvPr id="1" name=""/>
+        <p:cNvGrpSpPr/>
+        <p:nvPr/>
+      </p:nvGrpSpPr>
+      <p:grpSpPr>
+        <a:xfrm>
+          <a:off x="0" y="0"/>
+          <a:ext cx="0" cy="0"/>
+          <a:chOff x="0" y="0"/>
+          <a:chExt cx="0" cy="0"/>
+        </a:xfrm>
+      </p:grpSpPr>
+      <p:sp>
+        <p:nvSpPr>
+          <p:cNvPr id="2" name="Slide Image Placeholder 1"/>
+          <p:cNvSpPr>
+            <a:spLocks noGrp="1" noRot="1" noChangeAspect="1"/>
+          </p:cNvSpPr>
+          <p:nvPr>
+            <p:ph type="sldImg"/>
+          </p:nvPr>
+        </p:nvSpPr>
+        <p:spPr/>
+      </p:sp>
+      <p:sp>
+        <p:nvSpPr>
+          <p:cNvPr id="3" name="Notes Placeholder 2"/>
+          <p:cNvSpPr>
+            <a:spLocks noGrp="1"/>
+          </p:cNvSpPr>
+          <p:nvPr>
+            <p:ph type="body" idx="1"/>
+          </p:nvPr>
+        </p:nvSpPr>
+        <p:spPr/>
+        <p:txBody>
+          <a:bodyPr/>
+          <a:lstStyle/>
+          <a:p>
+            <a:endParaRPr lang="en-US"/>
+          </a:p>
+        </p:txBody>
+      </p:sp>
+      <p:sp>
+        <p:nvSpPr>
+          <p:cNvPr id="4" name="Slide Number Placeholder 3"/>
+          <p:cNvSpPr>
+            <a:spLocks noGrp="1"/>
+          </p:cNvSpPr>
+          <p:nvPr>
+            <p:ph type="sldNum" sz="quarter" idx="10"/>
+          </p:nvPr>
+        </p:nvSpPr>
+        <p:spPr/>
+        <p:txBody>
+          <a:bodyPr/>
+          <a:lstStyle/>
+          <a:p>
+            <a:fld id="{A606CBFA-088E-D14B-8B69-347D3259A44F}" type="slidenum">
+              <a:rPr lang="en-US" smtClean="0"/>
+              <a:t>18</a:t>
+            </a:fld>
+            <a:endParaRPr lang="en-US"/>
+          </a:p>
+        </p:txBody>
+      </p:sp>
+    </p:spTree>
+    <p:extLst>
+      <p:ext uri="{BB962C8B-B14F-4D97-AF65-F5344CB8AC3E}">
+        <p14:creationId xmlns:p14="http://schemas.microsoft.com/office/powerpoint/2010/main" val="1457251989"/>
       </p:ext>
     </p:extLst>
   </p:cSld>
@@ -604,20 +689,6 @@
           <a:bodyPr/>
           <a:lstStyle/>
           <a:p>
-            <a:r>
-              <a:rPr lang="en-US" dirty="0" smtClean="0"/>
-              <a:t>Talk about</a:t>
-            </a:r>
-            <a:r>
-              <a:rPr lang="en-US" baseline="0" dirty="0" smtClean="0"/>
-              <a:t> each proof of work</a:t>
-            </a:r>
-          </a:p>
-          <a:p>
-            <a:r>
-              <a:rPr lang="en-US" baseline="0" dirty="0" smtClean="0"/>
-              <a:t>Discuss difficulty setting first here</a:t>
-            </a:r>
             <a:endParaRPr lang="en-US" dirty="0"/>
           </a:p>
         </p:txBody>
@@ -639,7 +710,7 @@
           <a:p>
             <a:fld id="{A606CBFA-088E-D14B-8B69-347D3259A44F}" type="slidenum">
               <a:rPr lang="en-US" smtClean="0"/>
-              <a:t>4</a:t>
+              <a:t>3</a:t>
             </a:fld>
             <a:endParaRPr lang="en-US"/>
           </a:p>
@@ -648,7 +719,7 @@
     </p:spTree>
     <p:extLst>
       <p:ext uri="{BB962C8B-B14F-4D97-AF65-F5344CB8AC3E}">
-        <p14:creationId xmlns:p14="http://schemas.microsoft.com/office/powerpoint/2010/main" val="552693693"/>
+        <p14:creationId xmlns:p14="http://schemas.microsoft.com/office/powerpoint/2010/main" val="1893580833"/>
       </p:ext>
     </p:extLst>
   </p:cSld>
@@ -702,6 +773,20 @@
           <a:bodyPr/>
           <a:lstStyle/>
           <a:p>
+            <a:r>
+              <a:rPr lang="en-US" dirty="0" smtClean="0"/>
+              <a:t>Talk about</a:t>
+            </a:r>
+            <a:r>
+              <a:rPr lang="en-US" baseline="0" dirty="0" smtClean="0"/>
+              <a:t> each proof of work</a:t>
+            </a:r>
+          </a:p>
+          <a:p>
+            <a:r>
+              <a:rPr lang="en-US" baseline="0" dirty="0" smtClean="0"/>
+              <a:t>Discuss difficulty setting first here</a:t>
+            </a:r>
             <a:endParaRPr lang="en-US" dirty="0"/>
           </a:p>
         </p:txBody>
@@ -723,7 +808,7 @@
           <a:p>
             <a:fld id="{A606CBFA-088E-D14B-8B69-347D3259A44F}" type="slidenum">
               <a:rPr lang="en-US" smtClean="0"/>
-              <a:t>5</a:t>
+              <a:t>4</a:t>
             </a:fld>
             <a:endParaRPr lang="en-US"/>
           </a:p>
@@ -732,7 +817,7 @@
     </p:spTree>
     <p:extLst>
       <p:ext uri="{BB962C8B-B14F-4D97-AF65-F5344CB8AC3E}">
-        <p14:creationId xmlns:p14="http://schemas.microsoft.com/office/powerpoint/2010/main" val="1441717478"/>
+        <p14:creationId xmlns:p14="http://schemas.microsoft.com/office/powerpoint/2010/main" val="552693693"/>
       </p:ext>
     </p:extLst>
   </p:cSld>
@@ -786,33 +871,6 @@
           <a:bodyPr/>
           <a:lstStyle/>
           <a:p>
-            <a:r>
-              <a:rPr lang="en-US" dirty="0" smtClean="0"/>
-              <a:t>Discuss EVERY LINE</a:t>
-            </a:r>
-          </a:p>
-          <a:p>
-            <a:r>
-              <a:rPr lang="en-US" dirty="0" smtClean="0"/>
-              <a:t>Drag</a:t>
-            </a:r>
-            <a:r>
-              <a:rPr lang="en-US" baseline="0" dirty="0" smtClean="0"/>
-              <a:t> out what is in the </a:t>
-            </a:r>
-            <a:r>
-              <a:rPr lang="en-US" baseline="0" dirty="0" err="1" smtClean="0"/>
-              <a:t>client_random</a:t>
-            </a:r>
-            <a:endParaRPr lang="en-US" baseline="0" dirty="0" smtClean="0"/>
-          </a:p>
-          <a:p>
-            <a:r>
-              <a:rPr lang="en-US" baseline="0" dirty="0" smtClean="0"/>
-              <a:t>Commitment to features</a:t>
-            </a:r>
-          </a:p>
-          <a:p>
             <a:endParaRPr lang="en-US" dirty="0"/>
           </a:p>
         </p:txBody>
@@ -834,7 +892,7 @@
           <a:p>
             <a:fld id="{A606CBFA-088E-D14B-8B69-347D3259A44F}" type="slidenum">
               <a:rPr lang="en-US" smtClean="0"/>
-              <a:t>7</a:t>
+              <a:t>5</a:t>
             </a:fld>
             <a:endParaRPr lang="en-US"/>
           </a:p>
@@ -843,7 +901,7 @@
     </p:spTree>
     <p:extLst>
       <p:ext uri="{BB962C8B-B14F-4D97-AF65-F5344CB8AC3E}">
-        <p14:creationId xmlns:p14="http://schemas.microsoft.com/office/powerpoint/2010/main" val="1785166612"/>
+        <p14:creationId xmlns:p14="http://schemas.microsoft.com/office/powerpoint/2010/main" val="1441717478"/>
       </p:ext>
     </p:extLst>
   </p:cSld>
@@ -899,73 +957,47 @@
           <a:p>
             <a:r>
               <a:rPr lang="en-US" dirty="0" smtClean="0"/>
-              <a:t>Say how we are able to provide all</a:t>
+              <a:t>Make</a:t>
             </a:r>
             <a:r>
               <a:rPr lang="en-US" baseline="0" dirty="0" smtClean="0"/>
-              <a:t> of this as the miner, and what it proves to the other miners</a:t>
+              <a:t> clear this is in normal a TLS Handshake!!!!</a:t>
             </a:r>
           </a:p>
           <a:p>
             <a:endParaRPr lang="en-US" baseline="0" dirty="0" smtClean="0"/>
           </a:p>
           <a:p>
-            <a:pPr marL="0" marR="0" indent="0" algn="l" defTabSz="914400" rtl="0" eaLnBrk="1" fontAlgn="auto" latinLnBrk="0" hangingPunct="1">
-              <a:lnSpc>
-                <a:spcPct val="100000"/>
-              </a:lnSpc>
-              <a:spcBef>
-                <a:spcPts val="0"/>
-              </a:spcBef>
-              <a:spcAft>
-                <a:spcPts val="0"/>
-              </a:spcAft>
-              <a:buClrTx/>
-              <a:buSzTx/>
-              <a:buFontTx/>
-              <a:buNone/>
-              <a:tabLst/>
-              <a:defRPr/>
-            </a:pPr>
-            <a:r>
-              <a:rPr lang="en-US" sz="1200" kern="1200" dirty="0" smtClean="0">
-                <a:solidFill>
-                  <a:schemeClr val="tx1"/>
-                </a:solidFill>
-                <a:effectLst/>
-                <a:latin typeface="+mn-lt"/>
-                <a:ea typeface="+mn-ea"/>
-                <a:cs typeface="+mn-cs"/>
-              </a:rPr>
-              <a:t>server key exchange parameters, signature, and the block’s nonce (</a:t>
-            </a:r>
-            <a:r>
-              <a:rPr lang="en-US" sz="1200" i="1" kern="1200" dirty="0" smtClean="0">
-                <a:solidFill>
-                  <a:schemeClr val="tx1"/>
-                </a:solidFill>
-                <a:effectLst/>
-                <a:latin typeface="+mn-lt"/>
-                <a:ea typeface="+mn-ea"/>
-                <a:cs typeface="+mn-cs"/>
-              </a:rPr>
-              <a:t>N</a:t>
-            </a:r>
-            <a:r>
-              <a:rPr lang="en-US" sz="1200" kern="1200" dirty="0" smtClean="0">
-                <a:solidFill>
-                  <a:schemeClr val="tx1"/>
-                </a:solidFill>
-                <a:effectLst/>
-                <a:latin typeface="+mn-lt"/>
-                <a:ea typeface="+mn-ea"/>
-                <a:cs typeface="+mn-cs"/>
-              </a:rPr>
-              <a:t>) </a:t>
-            </a:r>
             <a:endParaRPr lang="en-US" dirty="0" smtClean="0"/>
           </a:p>
           <a:p>
+            <a:r>
+              <a:rPr lang="en-US" dirty="0" smtClean="0"/>
+              <a:t>Discuss EVERY LINE</a:t>
+            </a:r>
+          </a:p>
+          <a:p>
+            <a:r>
+              <a:rPr lang="en-US" dirty="0" smtClean="0"/>
+              <a:t>Drag</a:t>
+            </a:r>
+            <a:r>
+              <a:rPr lang="en-US" baseline="0" dirty="0" smtClean="0"/>
+              <a:t> out what is in the </a:t>
+            </a:r>
+            <a:r>
+              <a:rPr lang="en-US" baseline="0" dirty="0" err="1" smtClean="0"/>
+              <a:t>client_random</a:t>
+            </a:r>
+            <a:endParaRPr lang="en-US" baseline="0" dirty="0" smtClean="0"/>
+          </a:p>
+          <a:p>
+            <a:r>
+              <a:rPr lang="en-US" baseline="0" dirty="0" smtClean="0"/>
+              <a:t>Commitment to features</a:t>
+            </a:r>
+          </a:p>
+          <a:p>
             <a:endParaRPr lang="en-US" dirty="0"/>
           </a:p>
         </p:txBody>
@@ -987,7 +1019,7 @@
           <a:p>
             <a:fld id="{A606CBFA-088E-D14B-8B69-347D3259A44F}" type="slidenum">
               <a:rPr lang="en-US" smtClean="0"/>
-              <a:t>9</a:t>
+              <a:t>7</a:t>
             </a:fld>
             <a:endParaRPr lang="en-US"/>
           </a:p>
@@ -996,7 +1028,7 @@
     </p:spTree>
     <p:extLst>
       <p:ext uri="{BB962C8B-B14F-4D97-AF65-F5344CB8AC3E}">
-        <p14:creationId xmlns:p14="http://schemas.microsoft.com/office/powerpoint/2010/main" val="965513330"/>
+        <p14:creationId xmlns:p14="http://schemas.microsoft.com/office/powerpoint/2010/main" val="1785166612"/>
       </p:ext>
     </p:extLst>
   </p:cSld>
@@ -1052,30 +1084,73 @@
           <a:p>
             <a:r>
               <a:rPr lang="en-US" dirty="0" smtClean="0"/>
-              <a:t>First two: explain why it does</a:t>
+              <a:t>Say how we are able to provide all</a:t>
             </a:r>
             <a:r>
               <a:rPr lang="en-US" baseline="0" dirty="0" smtClean="0"/>
-              <a:t> not work at all</a:t>
+              <a:t> of this as the miner, and what it proves to the other miners</a:t>
             </a:r>
           </a:p>
           <a:p>
             <a:endParaRPr lang="en-US" baseline="0" dirty="0" smtClean="0"/>
           </a:p>
           <a:p>
-            <a:r>
-              <a:rPr lang="en-US" baseline="0" dirty="0" smtClean="0"/>
-              <a:t>We learn we need a small number, but resiliency dictates dynamism</a:t>
-            </a:r>
-          </a:p>
-          <a:p>
-            <a:endParaRPr lang="en-US" baseline="0" dirty="0" smtClean="0"/>
-          </a:p>
-          <a:p>
-            <a:r>
-              <a:rPr lang="en-US" baseline="0" dirty="0" smtClean="0"/>
-              <a:t>Say the people who can cause a victim site based on the other two</a:t>
-            </a:r>
+            <a:pPr marL="0" marR="0" indent="0" algn="l" defTabSz="914400" rtl="0" eaLnBrk="1" fontAlgn="auto" latinLnBrk="0" hangingPunct="1">
+              <a:lnSpc>
+                <a:spcPct val="100000"/>
+              </a:lnSpc>
+              <a:spcBef>
+                <a:spcPts val="0"/>
+              </a:spcBef>
+              <a:spcAft>
+                <a:spcPts val="0"/>
+              </a:spcAft>
+              <a:buClrTx/>
+              <a:buSzTx/>
+              <a:buFontTx/>
+              <a:buNone/>
+              <a:tabLst/>
+              <a:defRPr/>
+            </a:pPr>
+            <a:r>
+              <a:rPr lang="en-US" sz="1200" kern="1200" dirty="0" smtClean="0">
+                <a:solidFill>
+                  <a:schemeClr val="tx1"/>
+                </a:solidFill>
+                <a:effectLst/>
+                <a:latin typeface="+mn-lt"/>
+                <a:ea typeface="+mn-ea"/>
+                <a:cs typeface="+mn-cs"/>
+              </a:rPr>
+              <a:t>server key exchange parameters, signature, and the block’s nonce (</a:t>
+            </a:r>
+            <a:r>
+              <a:rPr lang="en-US" sz="1200" i="1" kern="1200" dirty="0" smtClean="0">
+                <a:solidFill>
+                  <a:schemeClr val="tx1"/>
+                </a:solidFill>
+                <a:effectLst/>
+                <a:latin typeface="+mn-lt"/>
+                <a:ea typeface="+mn-ea"/>
+                <a:cs typeface="+mn-cs"/>
+              </a:rPr>
+              <a:t>N</a:t>
+            </a:r>
+            <a:r>
+              <a:rPr lang="en-US" sz="1200" kern="1200" dirty="0" smtClean="0">
+                <a:solidFill>
+                  <a:schemeClr val="tx1"/>
+                </a:solidFill>
+                <a:effectLst/>
+                <a:latin typeface="+mn-lt"/>
+                <a:ea typeface="+mn-ea"/>
+                <a:cs typeface="+mn-cs"/>
+              </a:rPr>
+              <a:t>) </a:t>
+            </a:r>
+            <a:endParaRPr lang="en-US" dirty="0" smtClean="0"/>
+          </a:p>
+          <a:p>
             <a:endParaRPr lang="en-US" dirty="0"/>
           </a:p>
         </p:txBody>
@@ -1097,7 +1172,7 @@
           <a:p>
             <a:fld id="{A606CBFA-088E-D14B-8B69-347D3259A44F}" type="slidenum">
               <a:rPr lang="en-US" smtClean="0"/>
-              <a:t>10</a:t>
+              <a:t>9</a:t>
             </a:fld>
             <a:endParaRPr lang="en-US"/>
           </a:p>
@@ -1106,7 +1181,7 @@
     </p:spTree>
     <p:extLst>
       <p:ext uri="{BB962C8B-B14F-4D97-AF65-F5344CB8AC3E}">
-        <p14:creationId xmlns:p14="http://schemas.microsoft.com/office/powerpoint/2010/main" val="269992349"/>
+        <p14:creationId xmlns:p14="http://schemas.microsoft.com/office/powerpoint/2010/main" val="965513330"/>
       </p:ext>
     </p:extLst>
   </p:cSld>
@@ -1162,11 +1237,29 @@
           <a:p>
             <a:r>
               <a:rPr lang="en-US" dirty="0" smtClean="0"/>
-              <a:t>No reward</a:t>
+              <a:t>First two: explain why it does</a:t>
             </a:r>
             <a:r>
               <a:rPr lang="en-US" baseline="0" dirty="0" smtClean="0"/>
-              <a:t> for proof of stake </a:t>
+              <a:t> not work at all</a:t>
+            </a:r>
+          </a:p>
+          <a:p>
+            <a:endParaRPr lang="en-US" baseline="0" dirty="0" smtClean="0"/>
+          </a:p>
+          <a:p>
+            <a:r>
+              <a:rPr lang="en-US" baseline="0" dirty="0" smtClean="0"/>
+              <a:t>We learn we need a small number, but resiliency dictates dynamism</a:t>
+            </a:r>
+          </a:p>
+          <a:p>
+            <a:endParaRPr lang="en-US" baseline="0" dirty="0" smtClean="0"/>
+          </a:p>
+          <a:p>
+            <a:r>
+              <a:rPr lang="en-US" baseline="0" dirty="0" smtClean="0"/>
+              <a:t>Say the people who can cause a victim site based on the other two</a:t>
             </a:r>
             <a:endParaRPr lang="en-US" dirty="0"/>
           </a:p>
@@ -1189,7 +1282,7 @@
           <a:p>
             <a:fld id="{A606CBFA-088E-D14B-8B69-347D3259A44F}" type="slidenum">
               <a:rPr lang="en-US" smtClean="0"/>
-              <a:t>11</a:t>
+              <a:t>10</a:t>
             </a:fld>
             <a:endParaRPr lang="en-US"/>
           </a:p>
@@ -1198,7 +1291,7 @@
     </p:spTree>
     <p:extLst>
       <p:ext uri="{BB962C8B-B14F-4D97-AF65-F5344CB8AC3E}">
-        <p14:creationId xmlns:p14="http://schemas.microsoft.com/office/powerpoint/2010/main" val="913818510"/>
+        <p14:creationId xmlns:p14="http://schemas.microsoft.com/office/powerpoint/2010/main" val="269992349"/>
       </p:ext>
     </p:extLst>
   </p:cSld>
@@ -1252,6 +1345,14 @@
           <a:bodyPr/>
           <a:lstStyle/>
           <a:p>
+            <a:r>
+              <a:rPr lang="en-US" dirty="0" smtClean="0"/>
+              <a:t>No reward</a:t>
+            </a:r>
+            <a:r>
+              <a:rPr lang="en-US" baseline="0" dirty="0" smtClean="0"/>
+              <a:t> for proof of stake </a:t>
+            </a:r>
             <a:endParaRPr lang="en-US" dirty="0"/>
           </a:p>
         </p:txBody>
@@ -1273,7 +1374,7 @@
           <a:p>
             <a:fld id="{A606CBFA-088E-D14B-8B69-347D3259A44F}" type="slidenum">
               <a:rPr lang="en-US" smtClean="0"/>
-              <a:t>17</a:t>
+              <a:t>11</a:t>
             </a:fld>
             <a:endParaRPr lang="en-US"/>
           </a:p>
@@ -1282,7 +1383,130 @@
     </p:spTree>
     <p:extLst>
       <p:ext uri="{BB962C8B-B14F-4D97-AF65-F5344CB8AC3E}">
-        <p14:creationId xmlns:p14="http://schemas.microsoft.com/office/powerpoint/2010/main" val="434850281"/>
+        <p14:creationId xmlns:p14="http://schemas.microsoft.com/office/powerpoint/2010/main" val="913818510"/>
+      </p:ext>
+    </p:extLst>
+  </p:cSld>
+  <p:clrMapOvr>
+    <a:masterClrMapping/>
+  </p:clrMapOvr>
+</p:notes>
+</file>
+
+<file path=ppt/notesSlides/notesSlide9.xml><?xml version="1.0" encoding="utf-8"?>
+<p:notes xmlns:a="http://schemas.openxmlformats.org/drawingml/2006/main" xmlns:r="http://schemas.openxmlformats.org/officeDocument/2006/relationships" xmlns:p="http://schemas.openxmlformats.org/presentationml/2006/main">
+  <p:cSld>
+    <p:spTree>
+      <p:nvGrpSpPr>
+        <p:cNvPr id="1" name=""/>
+        <p:cNvGrpSpPr/>
+        <p:nvPr/>
+      </p:nvGrpSpPr>
+      <p:grpSpPr>
+        <a:xfrm>
+          <a:off x="0" y="0"/>
+          <a:ext cx="0" cy="0"/>
+          <a:chOff x="0" y="0"/>
+          <a:chExt cx="0" cy="0"/>
+        </a:xfrm>
+      </p:grpSpPr>
+      <p:sp>
+        <p:nvSpPr>
+          <p:cNvPr id="2" name="Slide Image Placeholder 1"/>
+          <p:cNvSpPr>
+            <a:spLocks noGrp="1" noRot="1" noChangeAspect="1"/>
+          </p:cNvSpPr>
+          <p:nvPr>
+            <p:ph type="sldImg"/>
+          </p:nvPr>
+        </p:nvSpPr>
+        <p:spPr/>
+      </p:sp>
+      <p:sp>
+        <p:nvSpPr>
+          <p:cNvPr id="3" name="Notes Placeholder 2"/>
+          <p:cNvSpPr>
+            <a:spLocks noGrp="1"/>
+          </p:cNvSpPr>
+          <p:nvPr>
+            <p:ph type="body" idx="1"/>
+          </p:nvPr>
+        </p:nvSpPr>
+        <p:spPr/>
+        <p:txBody>
+          <a:bodyPr/>
+          <a:lstStyle/>
+          <a:p>
+            <a:r>
+              <a:rPr lang="en-US" dirty="0" smtClean="0"/>
+              <a:t>Miner attacking our server</a:t>
+            </a:r>
+          </a:p>
+          <a:p>
+            <a:r>
+              <a:rPr lang="en-US" dirty="0" smtClean="0"/>
+              <a:t>Quad-core server running </a:t>
+            </a:r>
+            <a:r>
+              <a:rPr lang="en-US" dirty="0" err="1" smtClean="0"/>
+              <a:t>nginx</a:t>
+            </a:r>
+            <a:endParaRPr lang="en-US" dirty="0" smtClean="0"/>
+          </a:p>
+          <a:p>
+            <a:r>
+              <a:rPr lang="en-US" dirty="0" smtClean="0"/>
+              <a:t>Gigabit Ethernet</a:t>
+            </a:r>
+          </a:p>
+          <a:p>
+            <a:r>
+              <a:rPr lang="tr-TR" dirty="0" smtClean="0"/>
+              <a:t>3000 TLS </a:t>
+            </a:r>
+            <a:r>
+              <a:rPr lang="en-US" dirty="0" smtClean="0"/>
+              <a:t>Connections per second</a:t>
+            </a:r>
+          </a:p>
+          <a:p>
+            <a:r>
+              <a:rPr lang="en-US" dirty="0" smtClean="0"/>
+              <a:t>6x response time increase</a:t>
+            </a:r>
+          </a:p>
+          <a:p>
+            <a:endParaRPr lang="en-US" dirty="0"/>
+          </a:p>
+        </p:txBody>
+      </p:sp>
+      <p:sp>
+        <p:nvSpPr>
+          <p:cNvPr id="4" name="Slide Number Placeholder 3"/>
+          <p:cNvSpPr>
+            <a:spLocks noGrp="1"/>
+          </p:cNvSpPr>
+          <p:nvPr>
+            <p:ph type="sldNum" sz="quarter" idx="10"/>
+          </p:nvPr>
+        </p:nvSpPr>
+        <p:spPr/>
+        <p:txBody>
+          <a:bodyPr/>
+          <a:lstStyle/>
+          <a:p>
+            <a:fld id="{A606CBFA-088E-D14B-8B69-347D3259A44F}" type="slidenum">
+              <a:rPr lang="en-US" smtClean="0"/>
+              <a:t>13</a:t>
+            </a:fld>
+            <a:endParaRPr lang="en-US"/>
+          </a:p>
+        </p:txBody>
+      </p:sp>
+    </p:spTree>
+    <p:extLst>
+      <p:ext uri="{BB962C8B-B14F-4D97-AF65-F5344CB8AC3E}">
+        <p14:creationId xmlns:p14="http://schemas.microsoft.com/office/powerpoint/2010/main" val="39039221"/>
       </p:ext>
     </p:extLst>
   </p:cSld>
@@ -1421,9 +1645,9 @@
           <a:bodyPr/>
           <a:lstStyle/>
           <a:p>
-            <a:fld id="{D9EA51E2-5435-9242-9181-60E922E839A3}" type="datetimeFigureOut">
-              <a:rPr lang="en-US" smtClean="0"/>
-              <a:t>7/16/16</a:t>
+            <a:fld id="{732676CE-5617-E445-B369-FFF23505C939}" type="datetime1">
+              <a:rPr lang="en-US" smtClean="0"/>
+              <a:t>7/19/16</a:t>
             </a:fld>
             <a:endParaRPr lang="en-US"/>
           </a:p>
@@ -1591,9 +1815,9 @@
           <a:bodyPr/>
           <a:lstStyle/>
           <a:p>
-            <a:fld id="{D9EA51E2-5435-9242-9181-60E922E839A3}" type="datetimeFigureOut">
-              <a:rPr lang="en-US" smtClean="0"/>
-              <a:t>7/16/16</a:t>
+            <a:fld id="{EF16CD09-4EC6-AF4C-B6AE-49417ED404CE}" type="datetime1">
+              <a:rPr lang="en-US" smtClean="0"/>
+              <a:t>7/19/16</a:t>
             </a:fld>
             <a:endParaRPr lang="en-US"/>
           </a:p>
@@ -1771,9 +1995,9 @@
           <a:bodyPr/>
           <a:lstStyle/>
           <a:p>
-            <a:fld id="{D9EA51E2-5435-9242-9181-60E922E839A3}" type="datetimeFigureOut">
-              <a:rPr lang="en-US" smtClean="0"/>
-              <a:t>7/16/16</a:t>
+            <a:fld id="{8C2EF671-3A6D-FD4E-9D04-779EC7A31340}" type="datetime1">
+              <a:rPr lang="en-US" smtClean="0"/>
+              <a:t>7/19/16</a:t>
             </a:fld>
             <a:endParaRPr lang="en-US"/>
           </a:p>
@@ -1941,9 +2165,9 @@
           <a:bodyPr/>
           <a:lstStyle/>
           <a:p>
-            <a:fld id="{D9EA51E2-5435-9242-9181-60E922E839A3}" type="datetimeFigureOut">
-              <a:rPr lang="en-US" smtClean="0"/>
-              <a:t>7/16/16</a:t>
+            <a:fld id="{8CFCD5D5-19FC-A64F-8A7F-FCBD8BE27807}" type="datetime1">
+              <a:rPr lang="en-US" smtClean="0"/>
+              <a:t>7/19/16</a:t>
             </a:fld>
             <a:endParaRPr lang="en-US"/>
           </a:p>
@@ -2187,9 +2411,9 @@
           <a:bodyPr/>
           <a:lstStyle/>
           <a:p>
-            <a:fld id="{D9EA51E2-5435-9242-9181-60E922E839A3}" type="datetimeFigureOut">
-              <a:rPr lang="en-US" smtClean="0"/>
-              <a:t>7/16/16</a:t>
+            <a:fld id="{5EC29CC5-B218-5D4C-8A63-42CE2E9D27C9}" type="datetime1">
+              <a:rPr lang="en-US" smtClean="0"/>
+              <a:t>7/19/16</a:t>
             </a:fld>
             <a:endParaRPr lang="en-US"/>
           </a:p>
@@ -2419,9 +2643,9 @@
           <a:bodyPr/>
           <a:lstStyle/>
           <a:p>
-            <a:fld id="{D9EA51E2-5435-9242-9181-60E922E839A3}" type="datetimeFigureOut">
-              <a:rPr lang="en-US" smtClean="0"/>
-              <a:t>7/16/16</a:t>
+            <a:fld id="{64148D4B-E9A7-4348-B81D-CF8CA6EE6634}" type="datetime1">
+              <a:rPr lang="en-US" smtClean="0"/>
+              <a:t>7/19/16</a:t>
             </a:fld>
             <a:endParaRPr lang="en-US"/>
           </a:p>
@@ -2786,9 +3010,9 @@
           <a:bodyPr/>
           <a:lstStyle/>
           <a:p>
-            <a:fld id="{D9EA51E2-5435-9242-9181-60E922E839A3}" type="datetimeFigureOut">
-              <a:rPr lang="en-US" smtClean="0"/>
-              <a:t>7/16/16</a:t>
+            <a:fld id="{1E86A385-1EBC-3945-B3D0-B75C2F9193CA}" type="datetime1">
+              <a:rPr lang="en-US" smtClean="0"/>
+              <a:t>7/19/16</a:t>
             </a:fld>
             <a:endParaRPr lang="en-US"/>
           </a:p>
@@ -2904,9 +3128,9 @@
           <a:bodyPr/>
           <a:lstStyle/>
           <a:p>
-            <a:fld id="{D9EA51E2-5435-9242-9181-60E922E839A3}" type="datetimeFigureOut">
-              <a:rPr lang="en-US" smtClean="0"/>
-              <a:t>7/16/16</a:t>
+            <a:fld id="{9A9AC606-AA40-7A4A-A9B7-1C8CDE894609}" type="datetime1">
+              <a:rPr lang="en-US" smtClean="0"/>
+              <a:t>7/19/16</a:t>
             </a:fld>
             <a:endParaRPr lang="en-US"/>
           </a:p>
@@ -2999,9 +3223,9 @@
           <a:bodyPr/>
           <a:lstStyle/>
           <a:p>
-            <a:fld id="{D9EA51E2-5435-9242-9181-60E922E839A3}" type="datetimeFigureOut">
-              <a:rPr lang="en-US" smtClean="0"/>
-              <a:t>7/16/16</a:t>
+            <a:fld id="{93E6BE46-D322-2040-9204-875AEE2EB4FF}" type="datetime1">
+              <a:rPr lang="en-US" smtClean="0"/>
+              <a:t>7/19/16</a:t>
             </a:fld>
             <a:endParaRPr lang="en-US"/>
           </a:p>
@@ -3276,9 +3500,9 @@
           <a:bodyPr/>
           <a:lstStyle/>
           <a:p>
-            <a:fld id="{D9EA51E2-5435-9242-9181-60E922E839A3}" type="datetimeFigureOut">
-              <a:rPr lang="en-US" smtClean="0"/>
-              <a:t>7/16/16</a:t>
+            <a:fld id="{508E2A82-0395-7A42-9E6F-6BDE5A1505A2}" type="datetime1">
+              <a:rPr lang="en-US" smtClean="0"/>
+              <a:t>7/19/16</a:t>
             </a:fld>
             <a:endParaRPr lang="en-US"/>
           </a:p>
@@ -3529,9 +3753,9 @@
           <a:bodyPr/>
           <a:lstStyle/>
           <a:p>
-            <a:fld id="{D9EA51E2-5435-9242-9181-60E922E839A3}" type="datetimeFigureOut">
-              <a:rPr lang="en-US" smtClean="0"/>
-              <a:t>7/16/16</a:t>
+            <a:fld id="{BE76D2A4-BB56-C849-B575-3549344F3817}" type="datetime1">
+              <a:rPr lang="en-US" smtClean="0"/>
+              <a:t>7/19/16</a:t>
             </a:fld>
             <a:endParaRPr lang="en-US"/>
           </a:p>
@@ -3742,9 +3966,9 @@
             </a:lvl1pPr>
           </a:lstStyle>
           <a:p>
-            <a:fld id="{D9EA51E2-5435-9242-9181-60E922E839A3}" type="datetimeFigureOut">
-              <a:rPr lang="en-US" smtClean="0"/>
-              <a:t>7/16/16</a:t>
+            <a:fld id="{C9261D75-58F4-0848-8663-9DBBFAE7804E}" type="datetime1">
+              <a:rPr lang="en-US" smtClean="0"/>
+              <a:t>7/19/16</a:t>
             </a:fld>
             <a:endParaRPr lang="en-US"/>
           </a:p>
@@ -3849,6 +4073,7 @@
     <p:sldLayoutId id="2147483658" r:id="rId10"/>
     <p:sldLayoutId id="2147483659" r:id="rId11"/>
   </p:sldLayoutIdLst>
+  <p:hf hdr="0" ftr="0" dt="0"/>
   <p:txStyles>
     <p:titleStyle>
       <a:lvl1pPr algn="l" defTabSz="914400" rtl="0" eaLnBrk="1" latinLnBrk="0" hangingPunct="1">
@@ -4232,7 +4457,17 @@
               <a:rPr lang="en-US" dirty="0" smtClean="0"/>
               <a:t>University of Colorado, Boulder</a:t>
             </a:r>
-            <a:endParaRPr lang="en-US" dirty="0"/>
+          </a:p>
+          <a:p>
+            <a:r>
+              <a:rPr lang="en-US" i="1" dirty="0" err="1"/>
+              <a:t>e</a:t>
+            </a:r>
+            <a:r>
+              <a:rPr lang="en-US" i="1" dirty="0" err="1" smtClean="0"/>
+              <a:t>wust@colorado.edu</a:t>
+            </a:r>
+            <a:endParaRPr lang="en-US" i="1" dirty="0"/>
           </a:p>
         </p:txBody>
       </p:sp>
@@ -4437,14 +4672,97 @@
               <a:rPr lang="en-US" b="1" dirty="0" smtClean="0"/>
               <a:t>University of Michigan</a:t>
             </a:r>
-            <a:endParaRPr lang="en-US" b="1" dirty="0"/>
-          </a:p>
-        </p:txBody>
-      </p:sp>
+          </a:p>
+          <a:p>
+            <a:r>
+              <a:rPr lang="en-US" b="1" i="1" dirty="0" err="1" smtClean="0"/>
+              <a:t>benvds@umich.edu</a:t>
+            </a:r>
+            <a:endParaRPr lang="en-US" b="1" i="1" dirty="0"/>
+          </a:p>
+        </p:txBody>
+      </p:sp>
+      <p:sp>
+        <p:nvSpPr>
+          <p:cNvPr id="5" name="Slide Number Placeholder 4"/>
+          <p:cNvSpPr>
+            <a:spLocks noGrp="1"/>
+          </p:cNvSpPr>
+          <p:nvPr>
+            <p:ph type="sldNum" sz="quarter" idx="12"/>
+          </p:nvPr>
+        </p:nvSpPr>
+        <p:spPr/>
+        <p:txBody>
+          <a:bodyPr/>
+          <a:lstStyle/>
+          <a:p>
+            <a:fld id="{9C2C2163-EE3B-6D4D-A313-F6946E2C16A1}" type="slidenum">
+              <a:rPr lang="en-US" smtClean="0"/>
+              <a:t>1</a:t>
+            </a:fld>
+            <a:endParaRPr lang="en-US"/>
+          </a:p>
+        </p:txBody>
+      </p:sp>
+      <p:pic>
+        <p:nvPicPr>
+          <p:cNvPr id="6" name="Picture 5"/>
+          <p:cNvPicPr>
+            <a:picLocks noChangeAspect="1"/>
+          </p:cNvPicPr>
+          <p:nvPr/>
+        </p:nvPicPr>
+        <p:blipFill>
+          <a:blip r:embed="rId3"/>
+          <a:stretch>
+            <a:fillRect/>
+          </a:stretch>
+        </p:blipFill>
+        <p:spPr>
+          <a:xfrm>
+            <a:off x="2356330" y="5884980"/>
+            <a:ext cx="2903220" cy="630936"/>
+          </a:xfrm>
+          <a:prstGeom prst="rect">
+            <a:avLst/>
+          </a:prstGeom>
+        </p:spPr>
+      </p:pic>
+      <p:pic>
+        <p:nvPicPr>
+          <p:cNvPr id="7" name="Picture 6"/>
+          <p:cNvPicPr>
+            <a:picLocks noChangeAspect="1"/>
+          </p:cNvPicPr>
+          <p:nvPr/>
+        </p:nvPicPr>
+        <p:blipFill>
+          <a:blip r:embed="rId4">
+            <a:extLst>
+              <a:ext uri="{28A0092B-C50C-407E-A947-70E740481C1C}">
+                <a14:useLocalDpi xmlns:a14="http://schemas.microsoft.com/office/drawing/2010/main" val="0"/>
+              </a:ext>
+            </a:extLst>
+          </a:blip>
+          <a:stretch>
+            <a:fillRect/>
+          </a:stretch>
+        </p:blipFill>
+        <p:spPr>
+          <a:xfrm>
+            <a:off x="7847817" y="5636819"/>
+            <a:ext cx="1064243" cy="1127257"/>
+          </a:xfrm>
+          <a:prstGeom prst="rect">
+            <a:avLst/>
+          </a:prstGeom>
+        </p:spPr>
+      </p:pic>
     </p:spTree>
     <p:extLst>
       <p:ext uri="{BB962C8B-B14F-4D97-AF65-F5344CB8AC3E}">
-        <p14:creationId xmlns:p14="http://schemas.microsoft.com/office/powerpoint/2010/main" val="163026462"/>
+        <p14:creationId xmlns:p14="http://schemas.microsoft.com/office/powerpoint/2010/main" val="885446347"/>
       </p:ext>
     </p:extLst>
   </p:cSld>
@@ -4549,6 +4867,29 @@
           </a:p>
           <a:p>
             <a:endParaRPr lang="en-US" dirty="0"/>
+          </a:p>
+        </p:txBody>
+      </p:sp>
+      <p:sp>
+        <p:nvSpPr>
+          <p:cNvPr id="4" name="Slide Number Placeholder 3"/>
+          <p:cNvSpPr>
+            <a:spLocks noGrp="1"/>
+          </p:cNvSpPr>
+          <p:nvPr>
+            <p:ph type="sldNum" sz="quarter" idx="12"/>
+          </p:nvPr>
+        </p:nvSpPr>
+        <p:spPr/>
+        <p:txBody>
+          <a:bodyPr/>
+          <a:lstStyle/>
+          <a:p>
+            <a:fld id="{9C2C2163-EE3B-6D4D-A313-F6946E2C16A1}" type="slidenum">
+              <a:rPr lang="en-US" smtClean="0"/>
+              <a:t>10</a:t>
+            </a:fld>
+            <a:endParaRPr lang="en-US"/>
           </a:p>
         </p:txBody>
       </p:sp>
@@ -5076,6 +5417,29 @@
           </a:p>
         </p:txBody>
       </p:sp>
+      <p:sp>
+        <p:nvSpPr>
+          <p:cNvPr id="12" name="Slide Number Placeholder 11"/>
+          <p:cNvSpPr>
+            <a:spLocks noGrp="1"/>
+          </p:cNvSpPr>
+          <p:nvPr>
+            <p:ph type="sldNum" sz="quarter" idx="12"/>
+          </p:nvPr>
+        </p:nvSpPr>
+        <p:spPr/>
+        <p:txBody>
+          <a:bodyPr/>
+          <a:lstStyle/>
+          <a:p>
+            <a:fld id="{9C2C2163-EE3B-6D4D-A313-F6946E2C16A1}" type="slidenum">
+              <a:rPr lang="en-US" smtClean="0"/>
+              <a:t>11</a:t>
+            </a:fld>
+            <a:endParaRPr lang="en-US"/>
+          </a:p>
+        </p:txBody>
+      </p:sp>
     </p:spTree>
     <p:custDataLst>
       <p:tags r:id="rId1"/>
@@ -5131,7 +5495,7 @@
                                           </p:stCondLst>
                                         </p:cTn>
                                         <p:tgtEl>
-                                          <p:spTgt spid="10"/>
+                                          <p:spTgt spid="11"/>
                                         </p:tgtEl>
                                         <p:attrNameLst>
                                           <p:attrName>style.visibility</p:attrName>
@@ -5176,34 +5540,7 @@
                                           </p:stCondLst>
                                         </p:cTn>
                                         <p:tgtEl>
-                                          <p:spTgt spid="7"/>
-                                        </p:tgtEl>
-                                        <p:attrNameLst>
-                                          <p:attrName>style.visibility</p:attrName>
-                                        </p:attrNameLst>
-                                      </p:cBhvr>
-                                      <p:to>
-                                        <p:strVal val="visible"/>
-                                      </p:to>
-                                    </p:set>
-                                  </p:childTnLst>
-                                </p:cTn>
-                              </p:par>
-                              <p:par>
-                                <p:cTn id="11" presetID="1" presetClass="entr" presetSubtype="0" fill="hold" grpId="0" nodeType="withEffect">
-                                  <p:stCondLst>
-                                    <p:cond delay="0"/>
-                                  </p:stCondLst>
-                                  <p:childTnLst>
-                                    <p:set>
-                                      <p:cBhvr>
-                                        <p:cTn id="12" dur="1" fill="hold">
-                                          <p:stCondLst>
-                                            <p:cond delay="0"/>
-                                          </p:stCondLst>
-                                        </p:cTn>
-                                        <p:tgtEl>
-                                          <p:spTgt spid="8"/>
+                                          <p:spTgt spid="9"/>
                                         </p:tgtEl>
                                         <p:attrNameLst>
                                           <p:attrName>style.visibility</p:attrName>
@@ -5223,32 +5560,32 @@
                     </p:cTn>
                   </p:par>
                   <p:par>
-                    <p:cTn id="13" fill="hold">
+                    <p:cTn id="11" fill="hold">
                       <p:stCondLst>
                         <p:cond delay="indefinite"/>
                       </p:stCondLst>
                       <p:childTnLst>
                         <p:par>
-                          <p:cTn id="14" fill="hold">
+                          <p:cTn id="12" fill="hold">
                             <p:stCondLst>
                               <p:cond delay="0"/>
                             </p:stCondLst>
                             <p:childTnLst>
                               <p:par>
-                                <p:cTn id="15" presetID="1" presetClass="exit" presetSubtype="0" fill="hold" grpId="1" nodeType="clickEffect">
+                                <p:cTn id="13" presetID="1" presetClass="exit" presetSubtype="0" fill="hold" grpId="1" nodeType="clickEffect">
                                   <p:stCondLst>
                                     <p:cond delay="0"/>
                                   </p:stCondLst>
                                   <p:childTnLst>
                                     <p:set>
                                       <p:cBhvr>
-                                        <p:cTn id="16" dur="1" fill="hold">
+                                        <p:cTn id="14" dur="1" fill="hold">
                                           <p:stCondLst>
                                             <p:cond delay="0"/>
                                           </p:stCondLst>
                                         </p:cTn>
                                         <p:tgtEl>
-                                          <p:spTgt spid="8"/>
+                                          <p:spTgt spid="9"/>
                                         </p:tgtEl>
                                         <p:attrNameLst>
                                           <p:attrName>style.visibility</p:attrName>
@@ -5261,8 +5598,26 @@
                                   </p:childTnLst>
                                 </p:cTn>
                               </p:par>
+                            </p:childTnLst>
+                          </p:cTn>
+                        </p:par>
+                      </p:childTnLst>
+                    </p:cTn>
+                  </p:par>
+                  <p:par>
+                    <p:cTn id="15" fill="hold">
+                      <p:stCondLst>
+                        <p:cond delay="indefinite"/>
+                      </p:stCondLst>
+                      <p:childTnLst>
+                        <p:par>
+                          <p:cTn id="16" fill="hold">
+                            <p:stCondLst>
+                              <p:cond delay="0"/>
+                            </p:stCondLst>
+                            <p:childTnLst>
                               <p:par>
-                                <p:cTn id="17" presetID="1" presetClass="exit" presetSubtype="0" fill="hold" grpId="1" nodeType="withEffect">
+                                <p:cTn id="17" presetID="1" presetClass="exit" presetSubtype="0" fill="hold" grpId="1" nodeType="clickEffect">
                                   <p:stCondLst>
                                     <p:cond delay="0"/>
                                   </p:stCondLst>
@@ -5275,7 +5630,7 @@
                                           </p:stCondLst>
                                         </p:cTn>
                                         <p:tgtEl>
-                                          <p:spTgt spid="7"/>
+                                          <p:spTgt spid="11"/>
                                         </p:tgtEl>
                                         <p:attrNameLst>
                                           <p:attrName>style.visibility</p:attrName>
@@ -5307,7 +5662,7 @@
                             </p:stCondLst>
                             <p:childTnLst>
                               <p:par>
-                                <p:cTn id="21" presetID="1" presetClass="exit" presetSubtype="0" fill="hold" grpId="1" nodeType="clickEffect">
+                                <p:cTn id="21" presetID="1" presetClass="entr" presetSubtype="0" fill="hold" grpId="0" nodeType="clickEffect">
                                   <p:stCondLst>
                                     <p:cond delay="0"/>
                                   </p:stCondLst>
@@ -5327,7 +5682,7 @@
                                         </p:attrNameLst>
                                       </p:cBhvr>
                                       <p:to>
-                                        <p:strVal val="hidden"/>
+                                        <p:strVal val="visible"/>
                                       </p:to>
                                     </p:set>
                                   </p:childTnLst>
@@ -5365,7 +5720,34 @@
                                           </p:stCondLst>
                                         </p:cTn>
                                         <p:tgtEl>
-                                          <p:spTgt spid="11"/>
+                                          <p:spTgt spid="7"/>
+                                        </p:tgtEl>
+                                        <p:attrNameLst>
+                                          <p:attrName>style.visibility</p:attrName>
+                                        </p:attrNameLst>
+                                      </p:cBhvr>
+                                      <p:to>
+                                        <p:strVal val="visible"/>
+                                      </p:to>
+                                    </p:set>
+                                  </p:childTnLst>
+                                </p:cTn>
+                              </p:par>
+                              <p:par>
+                                <p:cTn id="27" presetID="1" presetClass="entr" presetSubtype="0" fill="hold" grpId="0" nodeType="withEffect">
+                                  <p:stCondLst>
+                                    <p:cond delay="0"/>
+                                  </p:stCondLst>
+                                  <p:childTnLst>
+                                    <p:set>
+                                      <p:cBhvr>
+                                        <p:cTn id="28" dur="1" fill="hold">
+                                          <p:stCondLst>
+                                            <p:cond delay="0"/>
+                                          </p:stCondLst>
+                                        </p:cTn>
+                                        <p:tgtEl>
+                                          <p:spTgt spid="8"/>
                                         </p:tgtEl>
                                         <p:attrNameLst>
                                           <p:attrName>style.visibility</p:attrName>
@@ -5385,64 +5767,46 @@
                     </p:cTn>
                   </p:par>
                   <p:par>
-                    <p:cTn id="27" fill="hold">
+                    <p:cTn id="29" fill="hold">
                       <p:stCondLst>
                         <p:cond delay="indefinite"/>
                       </p:stCondLst>
                       <p:childTnLst>
                         <p:par>
-                          <p:cTn id="28" fill="hold">
+                          <p:cTn id="30" fill="hold">
                             <p:stCondLst>
                               <p:cond delay="0"/>
                             </p:stCondLst>
                             <p:childTnLst>
                               <p:par>
-                                <p:cTn id="29" presetID="1" presetClass="entr" presetSubtype="0" fill="hold" grpId="0" nodeType="clickEffect">
+                                <p:cTn id="31" presetID="1" presetClass="exit" presetSubtype="0" fill="hold" grpId="1" nodeType="clickEffect">
                                   <p:stCondLst>
                                     <p:cond delay="0"/>
                                   </p:stCondLst>
                                   <p:childTnLst>
                                     <p:set>
                                       <p:cBhvr>
-                                        <p:cTn id="30" dur="1" fill="hold">
+                                        <p:cTn id="32" dur="1" fill="hold">
                                           <p:stCondLst>
                                             <p:cond delay="0"/>
                                           </p:stCondLst>
                                         </p:cTn>
                                         <p:tgtEl>
-                                          <p:spTgt spid="9"/>
+                                          <p:spTgt spid="8"/>
                                         </p:tgtEl>
                                         <p:attrNameLst>
                                           <p:attrName>style.visibility</p:attrName>
                                         </p:attrNameLst>
                                       </p:cBhvr>
                                       <p:to>
-                                        <p:strVal val="visible"/>
+                                        <p:strVal val="hidden"/>
                                       </p:to>
                                     </p:set>
                                   </p:childTnLst>
                                 </p:cTn>
                               </p:par>
-                            </p:childTnLst>
-                          </p:cTn>
-                        </p:par>
-                      </p:childTnLst>
-                    </p:cTn>
-                  </p:par>
-                  <p:par>
-                    <p:cTn id="31" fill="hold">
-                      <p:stCondLst>
-                        <p:cond delay="indefinite"/>
-                      </p:stCondLst>
-                      <p:childTnLst>
-                        <p:par>
-                          <p:cTn id="32" fill="hold">
-                            <p:stCondLst>
-                              <p:cond delay="0"/>
-                            </p:stCondLst>
-                            <p:childTnLst>
                               <p:par>
-                                <p:cTn id="33" presetID="1" presetClass="exit" presetSubtype="0" fill="hold" grpId="1" nodeType="clickEffect">
+                                <p:cTn id="33" presetID="1" presetClass="exit" presetSubtype="0" fill="hold" grpId="1" nodeType="withEffect">
                                   <p:stCondLst>
                                     <p:cond delay="0"/>
                                   </p:stCondLst>
@@ -5455,7 +5819,7 @@
                                           </p:stCondLst>
                                         </p:cTn>
                                         <p:tgtEl>
-                                          <p:spTgt spid="9"/>
+                                          <p:spTgt spid="7"/>
                                         </p:tgtEl>
                                         <p:attrNameLst>
                                           <p:attrName>style.visibility</p:attrName>
@@ -5500,7 +5864,7 @@
                                           </p:stCondLst>
                                         </p:cTn>
                                         <p:tgtEl>
-                                          <p:spTgt spid="11"/>
+                                          <p:spTgt spid="10"/>
                                         </p:tgtEl>
                                         <p:attrNameLst>
                                           <p:attrName>style.visibility</p:attrName>
@@ -5653,6 +6017,29 @@
           </a:p>
         </p:txBody>
       </p:sp>
+      <p:sp>
+        <p:nvSpPr>
+          <p:cNvPr id="4" name="Slide Number Placeholder 3"/>
+          <p:cNvSpPr>
+            <a:spLocks noGrp="1"/>
+          </p:cNvSpPr>
+          <p:nvPr>
+            <p:ph type="sldNum" sz="quarter" idx="12"/>
+          </p:nvPr>
+        </p:nvSpPr>
+        <p:spPr/>
+        <p:txBody>
+          <a:bodyPr/>
+          <a:lstStyle/>
+          <a:p>
+            <a:fld id="{9C2C2163-EE3B-6D4D-A313-F6946E2C16A1}" type="slidenum">
+              <a:rPr lang="en-US" smtClean="0"/>
+              <a:t>12</a:t>
+            </a:fld>
+            <a:endParaRPr lang="en-US"/>
+          </a:p>
+        </p:txBody>
+      </p:sp>
     </p:spTree>
     <p:extLst>
       <p:ext uri="{BB962C8B-B14F-4D97-AF65-F5344CB8AC3E}">
@@ -5715,7 +6102,7 @@
           <a:p>
             <a:r>
               <a:rPr lang="en-US" dirty="0" smtClean="0"/>
-              <a:t>Implementation</a:t>
+              <a:t>Proof-of-Work Implementation</a:t>
             </a:r>
             <a:endParaRPr lang="en-US" dirty="0"/>
           </a:p>
@@ -5741,45 +6128,6 @@
           <a:bodyPr/>
           <a:lstStyle/>
           <a:p>
-            <a:r>
-              <a:rPr lang="en-US" dirty="0" smtClean="0"/>
-              <a:t>Miner attacking our server</a:t>
-            </a:r>
-          </a:p>
-          <a:p>
-            <a:r>
-              <a:rPr lang="en-US" dirty="0" smtClean="0"/>
-              <a:t>Quad-core server running </a:t>
-            </a:r>
-            <a:r>
-              <a:rPr lang="en-US" dirty="0" err="1" smtClean="0"/>
-              <a:t>nginx</a:t>
-            </a:r>
-            <a:endParaRPr lang="en-US" dirty="0" smtClean="0"/>
-          </a:p>
-          <a:p>
-            <a:r>
-              <a:rPr lang="en-US" dirty="0" smtClean="0"/>
-              <a:t>Gigabit Ethernet</a:t>
-            </a:r>
-          </a:p>
-          <a:p>
-            <a:r>
-              <a:rPr lang="tr-TR" dirty="0"/>
-              <a:t>3000 TLS </a:t>
-            </a:r>
-            <a:r>
-              <a:rPr lang="en-US" dirty="0" smtClean="0"/>
-              <a:t>Connections per second</a:t>
-            </a:r>
-          </a:p>
-          <a:p>
-            <a:r>
-              <a:rPr lang="en-US" dirty="0" smtClean="0"/>
-              <a:t>6x response time increase</a:t>
-            </a:r>
-          </a:p>
-          <a:p>
             <a:pPr marL="0" indent="0">
               <a:buNone/>
             </a:pPr>
@@ -5801,7 +6149,7 @@
           </p:nvPr>
         </p:nvPicPr>
         <p:blipFill>
-          <a:blip r:embed="rId2">
+          <a:blip r:embed="rId3">
             <a:extLst>
               <a:ext uri="{28A0092B-C50C-407E-A947-70E740481C1C}">
                 <a14:useLocalDpi xmlns:a14="http://schemas.microsoft.com/office/drawing/2010/main" val="0"/>
@@ -5814,11 +6162,34 @@
         </p:blipFill>
         <p:spPr>
           <a:xfrm>
-            <a:off x="6477000" y="2629694"/>
-            <a:ext cx="4572000" cy="2743200"/>
+            <a:off x="1801783" y="1704940"/>
+            <a:ext cx="8588433" cy="5153060"/>
           </a:xfrm>
         </p:spPr>
       </p:pic>
+      <p:sp>
+        <p:nvSpPr>
+          <p:cNvPr id="6" name="Slide Number Placeholder 5"/>
+          <p:cNvSpPr>
+            <a:spLocks noGrp="1"/>
+          </p:cNvSpPr>
+          <p:nvPr>
+            <p:ph type="sldNum" sz="quarter" idx="12"/>
+          </p:nvPr>
+        </p:nvSpPr>
+        <p:spPr/>
+        <p:txBody>
+          <a:bodyPr/>
+          <a:lstStyle/>
+          <a:p>
+            <a:fld id="{9C2C2163-EE3B-6D4D-A313-F6946E2C16A1}" type="slidenum">
+              <a:rPr lang="en-US" smtClean="0"/>
+              <a:t>13</a:t>
+            </a:fld>
+            <a:endParaRPr lang="en-US"/>
+          </a:p>
+        </p:txBody>
+      </p:sp>
     </p:spTree>
     <p:extLst>
       <p:ext uri="{BB962C8B-B14F-4D97-AF65-F5344CB8AC3E}">
@@ -5926,6 +6297,29 @@
           </a:p>
         </p:txBody>
       </p:sp>
+      <p:sp>
+        <p:nvSpPr>
+          <p:cNvPr id="4" name="Slide Number Placeholder 3"/>
+          <p:cNvSpPr>
+            <a:spLocks noGrp="1"/>
+          </p:cNvSpPr>
+          <p:nvPr>
+            <p:ph type="sldNum" sz="quarter" idx="12"/>
+          </p:nvPr>
+        </p:nvSpPr>
+        <p:spPr/>
+        <p:txBody>
+          <a:bodyPr/>
+          <a:lstStyle/>
+          <a:p>
+            <a:fld id="{9C2C2163-EE3B-6D4D-A313-F6946E2C16A1}" type="slidenum">
+              <a:rPr lang="en-US" smtClean="0"/>
+              <a:t>14</a:t>
+            </a:fld>
+            <a:endParaRPr lang="en-US"/>
+          </a:p>
+        </p:txBody>
+      </p:sp>
     </p:spTree>
     <p:extLst>
       <p:ext uri="{BB962C8B-B14F-4D97-AF65-F5344CB8AC3E}">
@@ -6033,34 +6427,7 @@
           <a:p>
             <a:r>
               <a:rPr lang="en-US" dirty="0" smtClean="0"/>
-              <a:t>TLS 1.2+ </a:t>
-            </a:r>
-          </a:p>
-          <a:p>
-            <a:r>
-              <a:rPr lang="en-US" dirty="0" smtClean="0"/>
-              <a:t>Defenses</a:t>
-            </a:r>
-          </a:p>
-          <a:p>
-            <a:pPr lvl="1"/>
-            <a:r>
-              <a:rPr lang="en-US" dirty="0" smtClean="0"/>
-              <a:t>Version or cipher suite changes</a:t>
-            </a:r>
-          </a:p>
-          <a:p>
-            <a:pPr lvl="1"/>
-            <a:r>
-              <a:rPr lang="en-US" dirty="0" smtClean="0"/>
-              <a:t>Claiming rewards</a:t>
-            </a:r>
-          </a:p>
-          <a:p>
-            <a:pPr lvl="1"/>
-            <a:r>
-              <a:rPr lang="en-US" dirty="0" smtClean="0"/>
-              <a:t>Legal action</a:t>
+              <a:t>TLS 1.2, 1.3 </a:t>
             </a:r>
           </a:p>
           <a:p>
@@ -6073,6 +6440,29 @@
               <a:t> smart contract PAY_TO_DDOS</a:t>
             </a:r>
             <a:endParaRPr lang="en-US" dirty="0"/>
+          </a:p>
+        </p:txBody>
+      </p:sp>
+      <p:sp>
+        <p:nvSpPr>
+          <p:cNvPr id="4" name="Slide Number Placeholder 3"/>
+          <p:cNvSpPr>
+            <a:spLocks noGrp="1"/>
+          </p:cNvSpPr>
+          <p:nvPr>
+            <p:ph type="sldNum" sz="quarter" idx="12"/>
+          </p:nvPr>
+        </p:nvSpPr>
+        <p:spPr/>
+        <p:txBody>
+          <a:bodyPr/>
+          <a:lstStyle/>
+          <a:p>
+            <a:fld id="{9C2C2163-EE3B-6D4D-A313-F6946E2C16A1}" type="slidenum">
+              <a:rPr lang="en-US" smtClean="0"/>
+              <a:t>15</a:t>
+            </a:fld>
+            <a:endParaRPr lang="en-US"/>
           </a:p>
         </p:txBody>
       </p:sp>
@@ -6138,6 +6528,126 @@
           <a:p>
             <a:r>
               <a:rPr lang="en-US" dirty="0" smtClean="0"/>
+              <a:t>Defenses</a:t>
+            </a:r>
+            <a:endParaRPr lang="en-US" dirty="0"/>
+          </a:p>
+        </p:txBody>
+      </p:sp>
+      <p:sp>
+        <p:nvSpPr>
+          <p:cNvPr id="3" name="Content Placeholder 2"/>
+          <p:cNvSpPr>
+            <a:spLocks noGrp="1"/>
+          </p:cNvSpPr>
+          <p:nvPr>
+            <p:ph idx="1"/>
+          </p:nvPr>
+        </p:nvSpPr>
+        <p:spPr/>
+        <p:txBody>
+          <a:bodyPr/>
+          <a:lstStyle/>
+          <a:p>
+            <a:r>
+              <a:rPr lang="en-US" dirty="0" smtClean="0"/>
+              <a:t>Version or cipher suite changes</a:t>
+            </a:r>
+          </a:p>
+          <a:p>
+            <a:r>
+              <a:rPr lang="en-US" dirty="0" smtClean="0"/>
+              <a:t>Claiming rewards</a:t>
+            </a:r>
+          </a:p>
+          <a:p>
+            <a:r>
+              <a:rPr lang="en-US" dirty="0" smtClean="0"/>
+              <a:t>Legal action</a:t>
+            </a:r>
+          </a:p>
+          <a:p>
+            <a:endParaRPr lang="en-US" dirty="0"/>
+          </a:p>
+        </p:txBody>
+      </p:sp>
+      <p:sp>
+        <p:nvSpPr>
+          <p:cNvPr id="4" name="Slide Number Placeholder 3"/>
+          <p:cNvSpPr>
+            <a:spLocks noGrp="1"/>
+          </p:cNvSpPr>
+          <p:nvPr>
+            <p:ph type="sldNum" sz="quarter" idx="12"/>
+          </p:nvPr>
+        </p:nvSpPr>
+        <p:spPr/>
+        <p:txBody>
+          <a:bodyPr/>
+          <a:lstStyle/>
+          <a:p>
+            <a:fld id="{9C2C2163-EE3B-6D4D-A313-F6946E2C16A1}" type="slidenum">
+              <a:rPr lang="en-US" smtClean="0"/>
+              <a:t>16</a:t>
+            </a:fld>
+            <a:endParaRPr lang="en-US"/>
+          </a:p>
+        </p:txBody>
+      </p:sp>
+    </p:spTree>
+    <p:extLst>
+      <p:ext uri="{BB962C8B-B14F-4D97-AF65-F5344CB8AC3E}">
+        <p14:creationId xmlns:p14="http://schemas.microsoft.com/office/powerpoint/2010/main" val="867785764"/>
+      </p:ext>
+    </p:extLst>
+  </p:cSld>
+  <p:clrMapOvr>
+    <a:masterClrMapping/>
+  </p:clrMapOvr>
+  <p:timing>
+    <p:tnLst>
+      <p:par>
+        <p:cTn id="1" dur="indefinite" restart="never" nodeType="tmRoot"/>
+      </p:par>
+    </p:tnLst>
+  </p:timing>
+</p:sld>
+</file>
+
+<file path=ppt/slides/slide17.xml><?xml version="1.0" encoding="utf-8"?>
+<p:sld xmlns:a="http://schemas.openxmlformats.org/drawingml/2006/main" xmlns:r="http://schemas.openxmlformats.org/officeDocument/2006/relationships" xmlns:p="http://schemas.openxmlformats.org/presentationml/2006/main">
+  <p:cSld>
+    <p:spTree>
+      <p:nvGrpSpPr>
+        <p:cNvPr id="1" name=""/>
+        <p:cNvGrpSpPr/>
+        <p:nvPr/>
+      </p:nvGrpSpPr>
+      <p:grpSpPr>
+        <a:xfrm>
+          <a:off x="0" y="0"/>
+          <a:ext cx="0" cy="0"/>
+          <a:chOff x="0" y="0"/>
+          <a:chExt cx="0" cy="0"/>
+        </a:xfrm>
+      </p:grpSpPr>
+      <p:sp>
+        <p:nvSpPr>
+          <p:cNvPr id="2" name="Title 1"/>
+          <p:cNvSpPr>
+            <a:spLocks noGrp="1"/>
+          </p:cNvSpPr>
+          <p:nvPr>
+            <p:ph type="title"/>
+          </p:nvPr>
+        </p:nvSpPr>
+        <p:spPr/>
+        <p:txBody>
+          <a:bodyPr/>
+          <a:lstStyle/>
+          <a:p>
+            <a:r>
+              <a:rPr lang="en-US" dirty="0" smtClean="0"/>
               <a:t>Ethics</a:t>
             </a:r>
             <a:endParaRPr lang="en-US" dirty="0"/>
@@ -6178,6 +6688,29 @@
           </a:p>
           <a:p>
             <a:endParaRPr lang="en-US" dirty="0"/>
+          </a:p>
+        </p:txBody>
+      </p:sp>
+      <p:sp>
+        <p:nvSpPr>
+          <p:cNvPr id="4" name="Slide Number Placeholder 3"/>
+          <p:cNvSpPr>
+            <a:spLocks noGrp="1"/>
+          </p:cNvSpPr>
+          <p:nvPr>
+            <p:ph type="sldNum" sz="quarter" idx="12"/>
+          </p:nvPr>
+        </p:nvSpPr>
+        <p:spPr/>
+        <p:txBody>
+          <a:bodyPr/>
+          <a:lstStyle/>
+          <a:p>
+            <a:fld id="{9C2C2163-EE3B-6D4D-A313-F6946E2C16A1}" type="slidenum">
+              <a:rPr lang="en-US" smtClean="0"/>
+              <a:t>17</a:t>
+            </a:fld>
+            <a:endParaRPr lang="en-US"/>
           </a:p>
         </p:txBody>
       </p:sp>
@@ -6209,7 +6742,7 @@
 </p:sld>
 </file>
 
-<file path=ppt/slides/slide17.xml><?xml version="1.0" encoding="utf-8"?>
+<file path=ppt/slides/slide18.xml><?xml version="1.0" encoding="utf-8"?>
 <p:sld xmlns:a="http://schemas.openxmlformats.org/drawingml/2006/main" xmlns:r="http://schemas.openxmlformats.org/officeDocument/2006/relationships" xmlns:p="http://schemas.openxmlformats.org/presentationml/2006/main">
   <p:cSld>
     <p:spTree>
@@ -6309,7 +6842,17 @@
               <a:rPr lang="en-US" dirty="0" smtClean="0"/>
               <a:t>University of Colorado, Boulder</a:t>
             </a:r>
-            <a:endParaRPr lang="en-US" dirty="0"/>
+          </a:p>
+          <a:p>
+            <a:r>
+              <a:rPr lang="en-US" i="1" dirty="0" err="1"/>
+              <a:t>e</a:t>
+            </a:r>
+            <a:r>
+              <a:rPr lang="en-US" i="1" dirty="0" err="1" smtClean="0"/>
+              <a:t>wust@colorado.edu</a:t>
+            </a:r>
+            <a:endParaRPr lang="en-US" i="1" dirty="0"/>
           </a:p>
         </p:txBody>
       </p:sp>
@@ -6514,14 +7057,97 @@
               <a:rPr lang="en-US" b="1" dirty="0" smtClean="0"/>
               <a:t>University of Michigan</a:t>
             </a:r>
-            <a:endParaRPr lang="en-US" b="1" dirty="0"/>
-          </a:p>
-        </p:txBody>
-      </p:sp>
+          </a:p>
+          <a:p>
+            <a:r>
+              <a:rPr lang="en-US" b="1" i="1" dirty="0" err="1" smtClean="0"/>
+              <a:t>benvds@umich.edu</a:t>
+            </a:r>
+            <a:endParaRPr lang="en-US" b="1" i="1" dirty="0"/>
+          </a:p>
+        </p:txBody>
+      </p:sp>
+      <p:sp>
+        <p:nvSpPr>
+          <p:cNvPr id="5" name="Slide Number Placeholder 4"/>
+          <p:cNvSpPr>
+            <a:spLocks noGrp="1"/>
+          </p:cNvSpPr>
+          <p:nvPr>
+            <p:ph type="sldNum" sz="quarter" idx="12"/>
+          </p:nvPr>
+        </p:nvSpPr>
+        <p:spPr/>
+        <p:txBody>
+          <a:bodyPr/>
+          <a:lstStyle/>
+          <a:p>
+            <a:fld id="{9C2C2163-EE3B-6D4D-A313-F6946E2C16A1}" type="slidenum">
+              <a:rPr lang="en-US" smtClean="0"/>
+              <a:t>18</a:t>
+            </a:fld>
+            <a:endParaRPr lang="en-US"/>
+          </a:p>
+        </p:txBody>
+      </p:sp>
+      <p:pic>
+        <p:nvPicPr>
+          <p:cNvPr id="6" name="Picture 5"/>
+          <p:cNvPicPr>
+            <a:picLocks noChangeAspect="1"/>
+          </p:cNvPicPr>
+          <p:nvPr/>
+        </p:nvPicPr>
+        <p:blipFill>
+          <a:blip r:embed="rId3"/>
+          <a:stretch>
+            <a:fillRect/>
+          </a:stretch>
+        </p:blipFill>
+        <p:spPr>
+          <a:xfrm>
+            <a:off x="2356330" y="5884980"/>
+            <a:ext cx="2903220" cy="630936"/>
+          </a:xfrm>
+          <a:prstGeom prst="rect">
+            <a:avLst/>
+          </a:prstGeom>
+        </p:spPr>
+      </p:pic>
+      <p:pic>
+        <p:nvPicPr>
+          <p:cNvPr id="7" name="Picture 6"/>
+          <p:cNvPicPr>
+            <a:picLocks noChangeAspect="1"/>
+          </p:cNvPicPr>
+          <p:nvPr/>
+        </p:nvPicPr>
+        <p:blipFill>
+          <a:blip r:embed="rId4">
+            <a:extLst>
+              <a:ext uri="{28A0092B-C50C-407E-A947-70E740481C1C}">
+                <a14:useLocalDpi xmlns:a14="http://schemas.microsoft.com/office/drawing/2010/main" val="0"/>
+              </a:ext>
+            </a:extLst>
+          </a:blip>
+          <a:stretch>
+            <a:fillRect/>
+          </a:stretch>
+        </p:blipFill>
+        <p:spPr>
+          <a:xfrm>
+            <a:off x="7847817" y="5636819"/>
+            <a:ext cx="1064243" cy="1127257"/>
+          </a:xfrm>
+          <a:prstGeom prst="rect">
+            <a:avLst/>
+          </a:prstGeom>
+        </p:spPr>
+      </p:pic>
     </p:spTree>
     <p:extLst>
       <p:ext uri="{BB962C8B-B14F-4D97-AF65-F5344CB8AC3E}">
-        <p14:creationId xmlns:p14="http://schemas.microsoft.com/office/powerpoint/2010/main" val="1035363572"/>
+        <p14:creationId xmlns:p14="http://schemas.microsoft.com/office/powerpoint/2010/main" val="1927928275"/>
       </p:ext>
     </p:extLst>
   </p:cSld>
@@ -6530,10 +7156,10 @@
   </p:clrMapOvr>
   <mc:AlternateContent xmlns:mc="http://schemas.openxmlformats.org/markup-compatibility/2006">
     <mc:Choice xmlns:p14="http://schemas.microsoft.com/office/powerpoint/2010/main" Requires="p14">
-      <p:transition spd="slow" p14:dur="2000" advTm="4574"/>
+      <p:transition spd="slow" p14:dur="2000" advTm="11224"/>
     </mc:Choice>
     <mc:Fallback>
-      <p:transition spd="slow" advTm="4574"/>
+      <p:transition spd="slow" advTm="11224"/>
     </mc:Fallback>
   </mc:AlternateContent>
   <p:timing>
@@ -6622,6 +7248,29 @@
               <a:t>Discussion</a:t>
             </a:r>
             <a:endParaRPr lang="en-US" dirty="0"/>
+          </a:p>
+        </p:txBody>
+      </p:sp>
+      <p:sp>
+        <p:nvSpPr>
+          <p:cNvPr id="4" name="Slide Number Placeholder 3"/>
+          <p:cNvSpPr>
+            <a:spLocks noGrp="1"/>
+          </p:cNvSpPr>
+          <p:nvPr>
+            <p:ph type="sldNum" sz="quarter" idx="12"/>
+          </p:nvPr>
+        </p:nvSpPr>
+        <p:spPr/>
+        <p:txBody>
+          <a:bodyPr/>
+          <a:lstStyle/>
+          <a:p>
+            <a:fld id="{9C2C2163-EE3B-6D4D-A313-F6946E2C16A1}" type="slidenum">
+              <a:rPr lang="en-US" smtClean="0"/>
+              <a:t>2</a:t>
+            </a:fld>
+            <a:endParaRPr lang="en-US"/>
           </a:p>
         </p:txBody>
       </p:sp>
@@ -6700,7 +7349,7 @@
             <a:spLocks noGrp="1"/>
           </p:cNvSpPr>
           <p:nvPr>
-            <p:ph idx="1"/>
+            <p:ph sz="half" idx="1"/>
           </p:nvPr>
         </p:nvSpPr>
         <p:spPr/>
@@ -6729,6 +7378,92 @@
             <a:r>
               <a:rPr lang="en-US" dirty="0" smtClean="0"/>
               <a:t>Mining rewards </a:t>
+            </a:r>
+            <a:endParaRPr lang="en-US" dirty="0"/>
+          </a:p>
+        </p:txBody>
+      </p:sp>
+      <p:pic>
+        <p:nvPicPr>
+          <p:cNvPr id="7" name="Content Placeholder 6"/>
+          <p:cNvPicPr>
+            <a:picLocks noGrp="1" noChangeAspect="1"/>
+          </p:cNvPicPr>
+          <p:nvPr>
+            <p:ph sz="half" idx="2"/>
+          </p:nvPr>
+        </p:nvPicPr>
+        <p:blipFill>
+          <a:blip r:embed="rId3">
+            <a:extLst>
+              <a:ext uri="{28A0092B-C50C-407E-A947-70E740481C1C}">
+                <a14:useLocalDpi xmlns:a14="http://schemas.microsoft.com/office/drawing/2010/main" val="0"/>
+              </a:ext>
+            </a:extLst>
+          </a:blip>
+          <a:stretch>
+            <a:fillRect/>
+          </a:stretch>
+        </p:blipFill>
+        <p:spPr>
+          <a:xfrm>
+            <a:off x="5074951" y="2310937"/>
+            <a:ext cx="6912002" cy="3168001"/>
+          </a:xfrm>
+        </p:spPr>
+      </p:pic>
+      <p:sp>
+        <p:nvSpPr>
+          <p:cNvPr id="4" name="Slide Number Placeholder 3"/>
+          <p:cNvSpPr>
+            <a:spLocks noGrp="1"/>
+          </p:cNvSpPr>
+          <p:nvPr>
+            <p:ph type="sldNum" sz="quarter" idx="12"/>
+          </p:nvPr>
+        </p:nvSpPr>
+        <p:spPr/>
+        <p:txBody>
+          <a:bodyPr/>
+          <a:lstStyle/>
+          <a:p>
+            <a:fld id="{9C2C2163-EE3B-6D4D-A313-F6946E2C16A1}" type="slidenum">
+              <a:rPr lang="en-US" smtClean="0"/>
+              <a:t>3</a:t>
+            </a:fld>
+            <a:endParaRPr lang="en-US"/>
+          </a:p>
+        </p:txBody>
+      </p:sp>
+      <p:sp>
+        <p:nvSpPr>
+          <p:cNvPr id="8" name="TextBox 7"/>
+          <p:cNvSpPr txBox="1"/>
+          <p:nvPr/>
+        </p:nvSpPr>
+        <p:spPr>
+          <a:xfrm>
+            <a:off x="10256551" y="5478938"/>
+            <a:ext cx="4239491" cy="369332"/>
+          </a:xfrm>
+          <a:prstGeom prst="rect">
+            <a:avLst/>
+          </a:prstGeom>
+          <a:noFill/>
+        </p:spPr>
+        <p:txBody>
+          <a:bodyPr wrap="square" rtlCol="0">
+            <a:spAutoFit/>
+          </a:bodyPr>
+          <a:lstStyle/>
+          <a:p>
+            <a:r>
+              <a:rPr lang="en-US" dirty="0" smtClean="0"/>
+              <a:t>Source: </a:t>
+            </a:r>
+            <a:r>
+              <a:rPr lang="en-US" dirty="0" err="1" smtClean="0"/>
+              <a:t>bitcoin.org</a:t>
             </a:r>
             <a:endParaRPr lang="en-US" dirty="0"/>
           </a:p>
@@ -6825,13 +7560,6 @@
           <a:p>
             <a:r>
               <a:rPr lang="en-US" dirty="0" err="1" smtClean="0"/>
-              <a:t>Litecoin</a:t>
-            </a:r>
-            <a:endParaRPr lang="en-US" dirty="0" smtClean="0"/>
-          </a:p>
-          <a:p>
-            <a:r>
-              <a:rPr lang="en-US" dirty="0" err="1" smtClean="0"/>
               <a:t>Permacoin</a:t>
             </a:r>
             <a:endParaRPr lang="en-US" dirty="0" smtClean="0"/>
@@ -6854,6 +7582,93 @@
             <a:r>
               <a:rPr lang="en-US" dirty="0" err="1" smtClean="0"/>
               <a:t>DDoSCoin</a:t>
+            </a:r>
+            <a:endParaRPr lang="en-US" dirty="0"/>
+          </a:p>
+        </p:txBody>
+      </p:sp>
+      <p:sp>
+        <p:nvSpPr>
+          <p:cNvPr id="4" name="Slide Number Placeholder 3"/>
+          <p:cNvSpPr>
+            <a:spLocks noGrp="1"/>
+          </p:cNvSpPr>
+          <p:nvPr>
+            <p:ph type="sldNum" sz="quarter" idx="12"/>
+          </p:nvPr>
+        </p:nvSpPr>
+        <p:spPr/>
+        <p:txBody>
+          <a:bodyPr/>
+          <a:lstStyle/>
+          <a:p>
+            <a:fld id="{9C2C2163-EE3B-6D4D-A313-F6946E2C16A1}" type="slidenum">
+              <a:rPr lang="en-US" smtClean="0"/>
+              <a:t>4</a:t>
+            </a:fld>
+            <a:endParaRPr lang="en-US"/>
+          </a:p>
+        </p:txBody>
+      </p:sp>
+      <p:pic>
+        <p:nvPicPr>
+          <p:cNvPr id="5" name="Picture 4"/>
+          <p:cNvPicPr>
+            <a:picLocks noChangeAspect="1"/>
+          </p:cNvPicPr>
+          <p:nvPr/>
+        </p:nvPicPr>
+        <p:blipFill>
+          <a:blip r:embed="rId3">
+            <a:extLst>
+              <a:ext uri="{28A0092B-C50C-407E-A947-70E740481C1C}">
+                <a14:useLocalDpi xmlns:a14="http://schemas.microsoft.com/office/drawing/2010/main" val="0"/>
+              </a:ext>
+            </a:extLst>
+          </a:blip>
+          <a:stretch>
+            <a:fillRect/>
+          </a:stretch>
+        </p:blipFill>
+        <p:spPr>
+          <a:xfrm>
+            <a:off x="3420226" y="2296621"/>
+            <a:ext cx="8622145" cy="2019300"/>
+          </a:xfrm>
+          <a:prstGeom prst="rect">
+            <a:avLst/>
+          </a:prstGeom>
+        </p:spPr>
+      </p:pic>
+      <p:sp>
+        <p:nvSpPr>
+          <p:cNvPr id="6" name="TextBox 5"/>
+          <p:cNvSpPr txBox="1"/>
+          <p:nvPr/>
+        </p:nvSpPr>
+        <p:spPr>
+          <a:xfrm>
+            <a:off x="10235277" y="4315921"/>
+            <a:ext cx="4239491" cy="369332"/>
+          </a:xfrm>
+          <a:prstGeom prst="rect">
+            <a:avLst/>
+          </a:prstGeom>
+          <a:noFill/>
+        </p:spPr>
+        <p:txBody>
+          <a:bodyPr wrap="square" rtlCol="0">
+            <a:spAutoFit/>
+          </a:bodyPr>
+          <a:lstStyle/>
+          <a:p>
+            <a:r>
+              <a:rPr lang="en-US" dirty="0" smtClean="0"/>
+              <a:t>Source: </a:t>
+            </a:r>
+            <a:r>
+              <a:rPr lang="en-US" dirty="0" err="1" smtClean="0"/>
+              <a:t>bitcoin.org</a:t>
             </a:r>
             <a:endParaRPr lang="en-US" dirty="0"/>
           </a:p>
@@ -6969,6 +7784,29 @@
           </a:p>
         </p:txBody>
       </p:sp>
+      <p:sp>
+        <p:nvSpPr>
+          <p:cNvPr id="4" name="Slide Number Placeholder 3"/>
+          <p:cNvSpPr>
+            <a:spLocks noGrp="1"/>
+          </p:cNvSpPr>
+          <p:nvPr>
+            <p:ph type="sldNum" sz="quarter" idx="12"/>
+          </p:nvPr>
+        </p:nvSpPr>
+        <p:spPr/>
+        <p:txBody>
+          <a:bodyPr/>
+          <a:lstStyle/>
+          <a:p>
+            <a:fld id="{9C2C2163-EE3B-6D4D-A313-F6946E2C16A1}" type="slidenum">
+              <a:rPr lang="en-US" smtClean="0"/>
+              <a:t>5</a:t>
+            </a:fld>
+            <a:endParaRPr lang="en-US"/>
+          </a:p>
+        </p:txBody>
+      </p:sp>
     </p:spTree>
     <p:extLst>
       <p:ext uri="{BB962C8B-B14F-4D97-AF65-F5344CB8AC3E}">
@@ -7076,6 +7914,29 @@
           </a:p>
         </p:txBody>
       </p:sp>
+      <p:sp>
+        <p:nvSpPr>
+          <p:cNvPr id="4" name="Slide Number Placeholder 3"/>
+          <p:cNvSpPr>
+            <a:spLocks noGrp="1"/>
+          </p:cNvSpPr>
+          <p:nvPr>
+            <p:ph type="sldNum" sz="quarter" idx="12"/>
+          </p:nvPr>
+        </p:nvSpPr>
+        <p:spPr/>
+        <p:txBody>
+          <a:bodyPr/>
+          <a:lstStyle/>
+          <a:p>
+            <a:fld id="{9C2C2163-EE3B-6D4D-A313-F6946E2C16A1}" type="slidenum">
+              <a:rPr lang="en-US" smtClean="0"/>
+              <a:t>6</a:t>
+            </a:fld>
+            <a:endParaRPr lang="en-US"/>
+          </a:p>
+        </p:txBody>
+      </p:sp>
     </p:spTree>
     <p:extLst>
       <p:ext uri="{BB962C8B-B14F-4D97-AF65-F5344CB8AC3E}">
@@ -7177,6 +8038,221 @@
           </a:xfrm>
         </p:spPr>
       </p:pic>
+      <p:sp>
+        <p:nvSpPr>
+          <p:cNvPr id="6" name="Slide Number Placeholder 5"/>
+          <p:cNvSpPr>
+            <a:spLocks noGrp="1"/>
+          </p:cNvSpPr>
+          <p:nvPr>
+            <p:ph type="sldNum" sz="quarter" idx="12"/>
+          </p:nvPr>
+        </p:nvSpPr>
+        <p:spPr/>
+        <p:txBody>
+          <a:bodyPr/>
+          <a:lstStyle/>
+          <a:p>
+            <a:fld id="{9C2C2163-EE3B-6D4D-A313-F6946E2C16A1}" type="slidenum">
+              <a:rPr lang="en-US" smtClean="0"/>
+              <a:t>7</a:t>
+            </a:fld>
+            <a:endParaRPr lang="en-US"/>
+          </a:p>
+        </p:txBody>
+      </p:sp>
+      <p:sp>
+        <p:nvSpPr>
+          <p:cNvPr id="7" name="Rectangle 6"/>
+          <p:cNvSpPr/>
+          <p:nvPr/>
+        </p:nvSpPr>
+        <p:spPr>
+          <a:xfrm>
+            <a:off x="1629296" y="4555067"/>
+            <a:ext cx="8209648" cy="914708"/>
+          </a:xfrm>
+          <a:prstGeom prst="rect">
+            <a:avLst/>
+          </a:prstGeom>
+          <a:solidFill>
+            <a:schemeClr val="bg1"/>
+          </a:solidFill>
+          <a:ln>
+            <a:solidFill>
+              <a:schemeClr val="bg1"/>
+            </a:solidFill>
+          </a:ln>
+        </p:spPr>
+        <p:style>
+          <a:lnRef idx="2">
+            <a:schemeClr val="accent1">
+              <a:shade val="50000"/>
+            </a:schemeClr>
+          </a:lnRef>
+          <a:fillRef idx="1">
+            <a:schemeClr val="accent1"/>
+          </a:fillRef>
+          <a:effectRef idx="0">
+            <a:schemeClr val="accent1"/>
+          </a:effectRef>
+          <a:fontRef idx="minor">
+            <a:schemeClr val="lt1"/>
+          </a:fontRef>
+        </p:style>
+        <p:txBody>
+          <a:bodyPr rtlCol="0" anchor="ctr"/>
+          <a:lstStyle/>
+          <a:p>
+            <a:pPr algn="ctr"/>
+            <a:endParaRPr lang="en-US"/>
+          </a:p>
+        </p:txBody>
+      </p:sp>
+      <p:sp>
+        <p:nvSpPr>
+          <p:cNvPr id="8" name="Rectangle 7"/>
+          <p:cNvSpPr/>
+          <p:nvPr/>
+        </p:nvSpPr>
+        <p:spPr>
+          <a:xfrm>
+            <a:off x="1629296" y="4114800"/>
+            <a:ext cx="8209648" cy="1326287"/>
+          </a:xfrm>
+          <a:prstGeom prst="rect">
+            <a:avLst/>
+          </a:prstGeom>
+          <a:solidFill>
+            <a:schemeClr val="bg1"/>
+          </a:solidFill>
+          <a:ln>
+            <a:solidFill>
+              <a:schemeClr val="bg1"/>
+            </a:solidFill>
+          </a:ln>
+        </p:spPr>
+        <p:style>
+          <a:lnRef idx="2">
+            <a:schemeClr val="accent1">
+              <a:shade val="50000"/>
+            </a:schemeClr>
+          </a:lnRef>
+          <a:fillRef idx="1">
+            <a:schemeClr val="accent1"/>
+          </a:fillRef>
+          <a:effectRef idx="0">
+            <a:schemeClr val="accent1"/>
+          </a:effectRef>
+          <a:fontRef idx="minor">
+            <a:schemeClr val="lt1"/>
+          </a:fontRef>
+        </p:style>
+        <p:txBody>
+          <a:bodyPr rtlCol="0" anchor="ctr"/>
+          <a:lstStyle/>
+          <a:p>
+            <a:pPr algn="ctr"/>
+            <a:endParaRPr lang="en-US"/>
+          </a:p>
+        </p:txBody>
+      </p:sp>
+      <p:sp>
+        <p:nvSpPr>
+          <p:cNvPr id="9" name="Rectangle 8"/>
+          <p:cNvSpPr/>
+          <p:nvPr/>
+        </p:nvSpPr>
+        <p:spPr>
+          <a:xfrm>
+            <a:off x="1638933" y="3488268"/>
+            <a:ext cx="8209648" cy="1981508"/>
+          </a:xfrm>
+          <a:prstGeom prst="rect">
+            <a:avLst/>
+          </a:prstGeom>
+          <a:solidFill>
+            <a:schemeClr val="bg1"/>
+          </a:solidFill>
+          <a:ln>
+            <a:solidFill>
+              <a:schemeClr val="bg1"/>
+            </a:solidFill>
+          </a:ln>
+        </p:spPr>
+        <p:style>
+          <a:lnRef idx="2">
+            <a:schemeClr val="accent1">
+              <a:shade val="50000"/>
+            </a:schemeClr>
+          </a:lnRef>
+          <a:fillRef idx="1">
+            <a:schemeClr val="accent1"/>
+          </a:fillRef>
+          <a:effectRef idx="0">
+            <a:schemeClr val="accent1"/>
+          </a:effectRef>
+          <a:fontRef idx="minor">
+            <a:schemeClr val="lt1"/>
+          </a:fontRef>
+        </p:style>
+        <p:txBody>
+          <a:bodyPr rtlCol="0" anchor="ctr"/>
+          <a:lstStyle/>
+          <a:p>
+            <a:pPr algn="ctr"/>
+            <a:endParaRPr lang="en-US"/>
+          </a:p>
+        </p:txBody>
+      </p:sp>
+      <p:sp>
+        <p:nvSpPr>
+          <p:cNvPr id="10" name="Rectangle 9"/>
+          <p:cNvSpPr/>
+          <p:nvPr/>
+        </p:nvSpPr>
+        <p:spPr>
+          <a:xfrm>
+            <a:off x="1638933" y="2607733"/>
+            <a:ext cx="8209648" cy="2785905"/>
+          </a:xfrm>
+          <a:prstGeom prst="rect">
+            <a:avLst/>
+          </a:prstGeom>
+          <a:solidFill>
+            <a:schemeClr val="bg1"/>
+          </a:solidFill>
+          <a:ln>
+            <a:solidFill>
+              <a:schemeClr val="bg1"/>
+            </a:solidFill>
+          </a:ln>
+        </p:spPr>
+        <p:style>
+          <a:lnRef idx="2">
+            <a:schemeClr val="accent1">
+              <a:shade val="50000"/>
+            </a:schemeClr>
+          </a:lnRef>
+          <a:fillRef idx="1">
+            <a:schemeClr val="accent1"/>
+          </a:fillRef>
+          <a:effectRef idx="0">
+            <a:schemeClr val="accent1"/>
+          </a:effectRef>
+          <a:fontRef idx="minor">
+            <a:schemeClr val="lt1"/>
+          </a:fontRef>
+        </p:style>
+        <p:txBody>
+          <a:bodyPr rtlCol="0" anchor="ctr"/>
+          <a:lstStyle/>
+          <a:p>
+            <a:pPr algn="ctr"/>
+            <a:endParaRPr lang="en-US"/>
+          </a:p>
+        </p:txBody>
+      </p:sp>
     </p:spTree>
     <p:extLst>
       <p:ext uri="{BB962C8B-B14F-4D97-AF65-F5344CB8AC3E}">
@@ -7198,9 +8274,218 @@
   <p:timing>
     <p:tnLst>
       <p:par>
-        <p:cTn id="1" dur="indefinite" restart="never" nodeType="tmRoot"/>
+        <p:cTn id="1" dur="indefinite" restart="never" nodeType="tmRoot">
+          <p:childTnLst>
+            <p:seq concurrent="1" nextAc="seek">
+              <p:cTn id="2" dur="indefinite" nodeType="mainSeq">
+                <p:childTnLst>
+                  <p:par>
+                    <p:cTn id="3" fill="hold">
+                      <p:stCondLst>
+                        <p:cond delay="indefinite"/>
+                      </p:stCondLst>
+                      <p:childTnLst>
+                        <p:par>
+                          <p:cTn id="4" fill="hold">
+                            <p:stCondLst>
+                              <p:cond delay="0"/>
+                            </p:stCondLst>
+                            <p:childTnLst>
+                              <p:par>
+                                <p:cTn id="5" presetID="1" presetClass="exit" presetSubtype="0" fill="hold" grpId="0" nodeType="clickEffect">
+                                  <p:stCondLst>
+                                    <p:cond delay="0"/>
+                                  </p:stCondLst>
+                                  <p:childTnLst>
+                                    <p:set>
+                                      <p:cBhvr>
+                                        <p:cTn id="6" dur="1" fill="hold">
+                                          <p:stCondLst>
+                                            <p:cond delay="0"/>
+                                          </p:stCondLst>
+                                        </p:cTn>
+                                        <p:tgtEl>
+                                          <p:spTgt spid="10"/>
+                                        </p:tgtEl>
+                                        <p:attrNameLst>
+                                          <p:attrName>style.visibility</p:attrName>
+                                        </p:attrNameLst>
+                                      </p:cBhvr>
+                                      <p:to>
+                                        <p:strVal val="hidden"/>
+                                      </p:to>
+                                    </p:set>
+                                  </p:childTnLst>
+                                </p:cTn>
+                              </p:par>
+                            </p:childTnLst>
+                          </p:cTn>
+                        </p:par>
+                      </p:childTnLst>
+                    </p:cTn>
+                  </p:par>
+                  <p:par>
+                    <p:cTn id="7" fill="hold">
+                      <p:stCondLst>
+                        <p:cond delay="indefinite"/>
+                      </p:stCondLst>
+                      <p:childTnLst>
+                        <p:par>
+                          <p:cTn id="8" fill="hold">
+                            <p:stCondLst>
+                              <p:cond delay="0"/>
+                            </p:stCondLst>
+                            <p:childTnLst>
+                              <p:par>
+                                <p:cTn id="9" presetID="1" presetClass="exit" presetSubtype="0" fill="hold" grpId="0" nodeType="clickEffect">
+                                  <p:stCondLst>
+                                    <p:cond delay="0"/>
+                                  </p:stCondLst>
+                                  <p:childTnLst>
+                                    <p:set>
+                                      <p:cBhvr>
+                                        <p:cTn id="10" dur="1" fill="hold">
+                                          <p:stCondLst>
+                                            <p:cond delay="0"/>
+                                          </p:stCondLst>
+                                        </p:cTn>
+                                        <p:tgtEl>
+                                          <p:spTgt spid="9"/>
+                                        </p:tgtEl>
+                                        <p:attrNameLst>
+                                          <p:attrName>style.visibility</p:attrName>
+                                        </p:attrNameLst>
+                                      </p:cBhvr>
+                                      <p:to>
+                                        <p:strVal val="hidden"/>
+                                      </p:to>
+                                    </p:set>
+                                  </p:childTnLst>
+                                </p:cTn>
+                              </p:par>
+                            </p:childTnLst>
+                          </p:cTn>
+                        </p:par>
+                      </p:childTnLst>
+                    </p:cTn>
+                  </p:par>
+                  <p:par>
+                    <p:cTn id="11" fill="hold">
+                      <p:stCondLst>
+                        <p:cond delay="indefinite"/>
+                      </p:stCondLst>
+                      <p:childTnLst>
+                        <p:par>
+                          <p:cTn id="12" fill="hold">
+                            <p:stCondLst>
+                              <p:cond delay="0"/>
+                            </p:stCondLst>
+                            <p:childTnLst>
+                              <p:par>
+                                <p:cTn id="13" presetID="1" presetClass="exit" presetSubtype="0" fill="hold" grpId="0" nodeType="clickEffect">
+                                  <p:stCondLst>
+                                    <p:cond delay="0"/>
+                                  </p:stCondLst>
+                                  <p:childTnLst>
+                                    <p:set>
+                                      <p:cBhvr>
+                                        <p:cTn id="14" dur="1" fill="hold">
+                                          <p:stCondLst>
+                                            <p:cond delay="0"/>
+                                          </p:stCondLst>
+                                        </p:cTn>
+                                        <p:tgtEl>
+                                          <p:spTgt spid="8"/>
+                                        </p:tgtEl>
+                                        <p:attrNameLst>
+                                          <p:attrName>style.visibility</p:attrName>
+                                        </p:attrNameLst>
+                                      </p:cBhvr>
+                                      <p:to>
+                                        <p:strVal val="hidden"/>
+                                      </p:to>
+                                    </p:set>
+                                  </p:childTnLst>
+                                </p:cTn>
+                              </p:par>
+                            </p:childTnLst>
+                          </p:cTn>
+                        </p:par>
+                      </p:childTnLst>
+                    </p:cTn>
+                  </p:par>
+                  <p:par>
+                    <p:cTn id="15" fill="hold">
+                      <p:stCondLst>
+                        <p:cond delay="indefinite"/>
+                      </p:stCondLst>
+                      <p:childTnLst>
+                        <p:par>
+                          <p:cTn id="16" fill="hold">
+                            <p:stCondLst>
+                              <p:cond delay="0"/>
+                            </p:stCondLst>
+                            <p:childTnLst>
+                              <p:par>
+                                <p:cTn id="17" presetID="1" presetClass="exit" presetSubtype="0" fill="hold" grpId="0" nodeType="clickEffect">
+                                  <p:stCondLst>
+                                    <p:cond delay="0"/>
+                                  </p:stCondLst>
+                                  <p:childTnLst>
+                                    <p:set>
+                                      <p:cBhvr>
+                                        <p:cTn id="18" dur="1" fill="hold">
+                                          <p:stCondLst>
+                                            <p:cond delay="0"/>
+                                          </p:stCondLst>
+                                        </p:cTn>
+                                        <p:tgtEl>
+                                          <p:spTgt spid="7"/>
+                                        </p:tgtEl>
+                                        <p:attrNameLst>
+                                          <p:attrName>style.visibility</p:attrName>
+                                        </p:attrNameLst>
+                                      </p:cBhvr>
+                                      <p:to>
+                                        <p:strVal val="hidden"/>
+                                      </p:to>
+                                    </p:set>
+                                  </p:childTnLst>
+                                </p:cTn>
+                              </p:par>
+                            </p:childTnLst>
+                          </p:cTn>
+                        </p:par>
+                      </p:childTnLst>
+                    </p:cTn>
+                  </p:par>
+                </p:childTnLst>
+              </p:cTn>
+              <p:prevCondLst>
+                <p:cond evt="onPrev" delay="0">
+                  <p:tgtEl>
+                    <p:sldTgt/>
+                  </p:tgtEl>
+                </p:cond>
+              </p:prevCondLst>
+              <p:nextCondLst>
+                <p:cond evt="onNext" delay="0">
+                  <p:tgtEl>
+                    <p:sldTgt/>
+                  </p:tgtEl>
+                </p:cond>
+              </p:nextCondLst>
+            </p:seq>
+          </p:childTnLst>
+        </p:cTn>
       </p:par>
     </p:tnLst>
+    <p:bldLst>
+      <p:bldP spid="7" grpId="0" animBg="1"/>
+      <p:bldP spid="8" grpId="0" animBg="1"/>
+      <p:bldP spid="9" grpId="0" animBg="1"/>
+      <p:bldP spid="10" grpId="0" animBg="1"/>
+    </p:bldLst>
   </p:timing>
 </p:sld>
 </file>
@@ -7300,6 +8585,29 @@
           </a:p>
           <a:p>
             <a:endParaRPr lang="en-US" dirty="0"/>
+          </a:p>
+        </p:txBody>
+      </p:sp>
+      <p:sp>
+        <p:nvSpPr>
+          <p:cNvPr id="4" name="Slide Number Placeholder 3"/>
+          <p:cNvSpPr>
+            <a:spLocks noGrp="1"/>
+          </p:cNvSpPr>
+          <p:nvPr>
+            <p:ph type="sldNum" sz="quarter" idx="12"/>
+          </p:nvPr>
+        </p:nvSpPr>
+        <p:spPr/>
+        <p:txBody>
+          <a:bodyPr/>
+          <a:lstStyle/>
+          <a:p>
+            <a:fld id="{9C2C2163-EE3B-6D4D-A313-F6946E2C16A1}" type="slidenum">
+              <a:rPr lang="en-US" smtClean="0"/>
+              <a:t>8</a:t>
+            </a:fld>
+            <a:endParaRPr lang="en-US"/>
           </a:p>
         </p:txBody>
       </p:sp>
@@ -7410,12 +8718,6 @@
           <a:p>
             <a:r>
               <a:rPr lang="en-US" dirty="0" smtClean="0"/>
-              <a:t>Certificate </a:t>
-            </a:r>
-          </a:p>
-          <a:p>
-            <a:r>
-              <a:rPr lang="en-US" dirty="0" smtClean="0"/>
               <a:t>Signature</a:t>
             </a:r>
           </a:p>
@@ -7457,6 +8759,29 @@
           </a:xfrm>
         </p:spPr>
       </p:pic>
+      <p:sp>
+        <p:nvSpPr>
+          <p:cNvPr id="6" name="Slide Number Placeholder 5"/>
+          <p:cNvSpPr>
+            <a:spLocks noGrp="1"/>
+          </p:cNvSpPr>
+          <p:nvPr>
+            <p:ph type="sldNum" sz="quarter" idx="12"/>
+          </p:nvPr>
+        </p:nvSpPr>
+        <p:spPr/>
+        <p:txBody>
+          <a:bodyPr/>
+          <a:lstStyle/>
+          <a:p>
+            <a:fld id="{9C2C2163-EE3B-6D4D-A313-F6946E2C16A1}" type="slidenum">
+              <a:rPr lang="en-US" smtClean="0"/>
+              <a:t>9</a:t>
+            </a:fld>
+            <a:endParaRPr lang="en-US"/>
+          </a:p>
+        </p:txBody>
+      </p:sp>
     </p:spTree>
     <p:extLst>
       <p:ext uri="{BB962C8B-B14F-4D97-AF65-F5344CB8AC3E}">

--- a/presentation/DDoSCoin.pptx
+++ b/presentation/DDoSCoin.pptx
@@ -995,6 +995,15 @@
             <a:r>
               <a:rPr lang="en-US" baseline="0" dirty="0" smtClean="0"/>
               <a:t>Commitment to features</a:t>
+            </a:r>
+          </a:p>
+          <a:p>
+            <a:endParaRPr lang="en-US" baseline="0" dirty="0" smtClean="0"/>
+          </a:p>
+          <a:p>
+            <a:r>
+              <a:rPr lang="en-US" baseline="0" dirty="0" smtClean="0"/>
+              <a:t>We can prove that the server saw this nonce!</a:t>
             </a:r>
           </a:p>
           <a:p>
@@ -4455,7 +4464,7 @@
           <a:p>
             <a:r>
               <a:rPr lang="en-US" dirty="0" smtClean="0"/>
-              <a:t>University of Colorado, Boulder</a:t>
+              <a:t>University of Colorado Boulder</a:t>
             </a:r>
           </a:p>
           <a:p>
@@ -6840,7 +6849,7 @@
           <a:p>
             <a:r>
               <a:rPr lang="en-US" dirty="0" smtClean="0"/>
-              <a:t>University of Colorado, Boulder</a:t>
+              <a:t>University of Colorado Boulder</a:t>
             </a:r>
           </a:p>
           <a:p>

--- a/presentation/DDoSCoin.pptx
+++ b/presentation/DDoSCoin.pptx
@@ -5,7 +5,7 @@
     <p:sldMasterId id="2147483648" r:id="rId1"/>
   </p:sldMasterIdLst>
   <p:notesMasterIdLst>
-    <p:notesMasterId r:id="rId20"/>
+    <p:notesMasterId r:id="rId21"/>
   </p:notesMasterIdLst>
   <p:sldIdLst>
     <p:sldId id="277" r:id="rId2"/>
@@ -19,13 +19,14 @@
     <p:sldId id="263" r:id="rId10"/>
     <p:sldId id="264" r:id="rId11"/>
     <p:sldId id="266" r:id="rId12"/>
-    <p:sldId id="265" r:id="rId13"/>
-    <p:sldId id="269" r:id="rId14"/>
-    <p:sldId id="274" r:id="rId15"/>
-    <p:sldId id="268" r:id="rId16"/>
-    <p:sldId id="275" r:id="rId17"/>
-    <p:sldId id="270" r:id="rId18"/>
-    <p:sldId id="276" r:id="rId19"/>
+    <p:sldId id="278" r:id="rId13"/>
+    <p:sldId id="265" r:id="rId14"/>
+    <p:sldId id="269" r:id="rId15"/>
+    <p:sldId id="274" r:id="rId16"/>
+    <p:sldId id="268" r:id="rId17"/>
+    <p:sldId id="275" r:id="rId18"/>
+    <p:sldId id="270" r:id="rId19"/>
+    <p:sldId id="276" r:id="rId20"/>
   </p:sldIdLst>
   <p:sldSz cx="12192000" cy="6858000"/>
   <p:notesSz cx="6858000" cy="9144000"/>
@@ -124,6 +125,11 @@
       </a:defRPr>
     </a:lvl9pPr>
   </p:defaultTextStyle>
+  <p:extLst>
+    <p:ext uri="{EFAFB233-063F-42B5-8137-9DF3F51BA10A}">
+      <p15:sldGuideLst xmlns:p15="http://schemas.microsoft.com/office/powerpoint/2012/main"/>
+    </p:ext>
+  </p:extLst>
 </p:presentation>
 </file>
 
@@ -209,7 +215,7 @@
           <a:p>
             <a:fld id="{F9B7CD50-858C-8C48-A6FC-64864525D826}" type="datetimeFigureOut">
               <a:rPr lang="en-US" smtClean="0"/>
-              <a:t>7/16/16</a:t>
+              <a:t>7/21/16</a:t>
             </a:fld>
             <a:endParaRPr lang="en-US"/>
           </a:p>
@@ -605,10 +611,133 @@
           <a:bodyPr/>
           <a:lstStyle/>
           <a:p>
+            <a:r>
+              <a:rPr lang="en-US" dirty="0" smtClean="0"/>
+              <a:t>Miner attacking our server</a:t>
+            </a:r>
+          </a:p>
+          <a:p>
+            <a:r>
+              <a:rPr lang="en-US" dirty="0" smtClean="0"/>
+              <a:t>Quad-core server running </a:t>
+            </a:r>
+            <a:r>
+              <a:rPr lang="en-US" dirty="0" err="1" smtClean="0"/>
+              <a:t>nginx</a:t>
+            </a:r>
+            <a:endParaRPr lang="en-US" dirty="0" smtClean="0"/>
+          </a:p>
+          <a:p>
+            <a:r>
+              <a:rPr lang="en-US" dirty="0" smtClean="0"/>
+              <a:t>Gigabit Ethernet</a:t>
+            </a:r>
+          </a:p>
+          <a:p>
+            <a:r>
+              <a:rPr lang="tr-TR" dirty="0" smtClean="0"/>
+              <a:t>3000 TLS </a:t>
+            </a:r>
+            <a:r>
+              <a:rPr lang="en-US" dirty="0" smtClean="0"/>
+              <a:t>Connections per second</a:t>
+            </a:r>
+          </a:p>
+          <a:p>
+            <a:r>
+              <a:rPr lang="en-US" dirty="0" smtClean="0"/>
+              <a:t>6x response time increase</a:t>
+            </a:r>
+          </a:p>
+          <a:p>
+            <a:endParaRPr lang="en-US" dirty="0"/>
+          </a:p>
+        </p:txBody>
+      </p:sp>
+      <p:sp>
+        <p:nvSpPr>
+          <p:cNvPr id="4" name="Slide Number Placeholder 3"/>
+          <p:cNvSpPr>
+            <a:spLocks noGrp="1"/>
+          </p:cNvSpPr>
+          <p:nvPr>
+            <p:ph type="sldNum" sz="quarter" idx="10"/>
+          </p:nvPr>
+        </p:nvSpPr>
+        <p:spPr/>
+        <p:txBody>
+          <a:bodyPr/>
+          <a:lstStyle/>
+          <a:p>
+            <a:fld id="{A606CBFA-088E-D14B-8B69-347D3259A44F}" type="slidenum">
+              <a:rPr lang="en-US" smtClean="0"/>
+              <a:t>14</a:t>
+            </a:fld>
             <a:endParaRPr lang="en-US"/>
           </a:p>
         </p:txBody>
       </p:sp>
+    </p:spTree>
+    <p:extLst>
+      <p:ext uri="{BB962C8B-B14F-4D97-AF65-F5344CB8AC3E}">
+        <p14:creationId xmlns:p14="http://schemas.microsoft.com/office/powerpoint/2010/main" val="39039221"/>
+      </p:ext>
+    </p:extLst>
+  </p:cSld>
+  <p:clrMapOvr>
+    <a:masterClrMapping/>
+  </p:clrMapOvr>
+</p:notes>
+</file>
+
+<file path=ppt/notesSlides/notesSlide11.xml><?xml version="1.0" encoding="utf-8"?>
+<p:notes xmlns:a="http://schemas.openxmlformats.org/drawingml/2006/main" xmlns:r="http://schemas.openxmlformats.org/officeDocument/2006/relationships" xmlns:p="http://schemas.openxmlformats.org/presentationml/2006/main">
+  <p:cSld>
+    <p:spTree>
+      <p:nvGrpSpPr>
+        <p:cNvPr id="1" name=""/>
+        <p:cNvGrpSpPr/>
+        <p:nvPr/>
+      </p:nvGrpSpPr>
+      <p:grpSpPr>
+        <a:xfrm>
+          <a:off x="0" y="0"/>
+          <a:ext cx="0" cy="0"/>
+          <a:chOff x="0" y="0"/>
+          <a:chExt cx="0" cy="0"/>
+        </a:xfrm>
+      </p:grpSpPr>
+      <p:sp>
+        <p:nvSpPr>
+          <p:cNvPr id="2" name="Slide Image Placeholder 1"/>
+          <p:cNvSpPr>
+            <a:spLocks noGrp="1" noRot="1" noChangeAspect="1"/>
+          </p:cNvSpPr>
+          <p:nvPr>
+            <p:ph type="sldImg"/>
+          </p:nvPr>
+        </p:nvSpPr>
+        <p:spPr/>
+      </p:sp>
+      <p:sp>
+        <p:nvSpPr>
+          <p:cNvPr id="3" name="Notes Placeholder 2"/>
+          <p:cNvSpPr>
+            <a:spLocks noGrp="1"/>
+          </p:cNvSpPr>
+          <p:nvPr>
+            <p:ph type="body" idx="1"/>
+          </p:nvPr>
+        </p:nvSpPr>
+        <p:spPr/>
+        <p:txBody>
+          <a:bodyPr/>
+          <a:lstStyle/>
+          <a:p>
+            <a:endParaRPr lang="en-US"/>
+          </a:p>
+        </p:txBody>
+      </p:sp>
       <p:sp>
         <p:nvSpPr>
           <p:cNvPr id="4" name="Slide Number Placeholder 3"/>
@@ -626,7 +755,7 @@
           <a:p>
             <a:fld id="{A606CBFA-088E-D14B-8B69-347D3259A44F}" type="slidenum">
               <a:rPr lang="en-US" smtClean="0"/>
-              <a:t>18</a:t>
+              <a:t>19</a:t>
             </a:fld>
             <a:endParaRPr lang="en-US"/>
           </a:p>
@@ -1448,43 +1577,12 @@
           <a:p>
             <a:r>
               <a:rPr lang="en-US" dirty="0" smtClean="0"/>
-              <a:t>Miner attacking our server</a:t>
-            </a:r>
-          </a:p>
-          <a:p>
-            <a:r>
-              <a:rPr lang="en-US" dirty="0" smtClean="0"/>
-              <a:t>Quad-core server running </a:t>
-            </a:r>
-            <a:r>
-              <a:rPr lang="en-US" dirty="0" err="1" smtClean="0"/>
-              <a:t>nginx</a:t>
-            </a:r>
-            <a:endParaRPr lang="en-US" dirty="0" smtClean="0"/>
-          </a:p>
-          <a:p>
-            <a:r>
-              <a:rPr lang="en-US" dirty="0" smtClean="0"/>
-              <a:t>Gigabit Ethernet</a:t>
-            </a:r>
-          </a:p>
-          <a:p>
-            <a:r>
-              <a:rPr lang="tr-TR" dirty="0" smtClean="0"/>
-              <a:t>3000 TLS </a:t>
-            </a:r>
-            <a:r>
-              <a:rPr lang="en-US" dirty="0" smtClean="0"/>
-              <a:t>Connections per second</a:t>
-            </a:r>
-          </a:p>
-          <a:p>
-            <a:r>
-              <a:rPr lang="en-US" dirty="0" smtClean="0"/>
-              <a:t>6x response time increase</a:t>
-            </a:r>
-          </a:p>
-          <a:p>
+              <a:t>No reward</a:t>
+            </a:r>
+            <a:r>
+              <a:rPr lang="en-US" baseline="0" dirty="0" smtClean="0"/>
+              <a:t> for proof of stake </a:t>
+            </a:r>
             <a:endParaRPr lang="en-US" dirty="0"/>
           </a:p>
         </p:txBody>
@@ -1506,7 +1604,7 @@
           <a:p>
             <a:fld id="{A606CBFA-088E-D14B-8B69-347D3259A44F}" type="slidenum">
               <a:rPr lang="en-US" smtClean="0"/>
-              <a:t>13</a:t>
+              <a:t>12</a:t>
             </a:fld>
             <a:endParaRPr lang="en-US"/>
           </a:p>
@@ -1515,7 +1613,7 @@
     </p:spTree>
     <p:extLst>
       <p:ext uri="{BB962C8B-B14F-4D97-AF65-F5344CB8AC3E}">
-        <p14:creationId xmlns:p14="http://schemas.microsoft.com/office/powerpoint/2010/main" val="39039221"/>
+        <p14:creationId xmlns:p14="http://schemas.microsoft.com/office/powerpoint/2010/main" val="947223530"/>
       </p:ext>
     </p:extLst>
   </p:cSld>
@@ -1656,7 +1754,7 @@
           <a:p>
             <a:fld id="{732676CE-5617-E445-B369-FFF23505C939}" type="datetime1">
               <a:rPr lang="en-US" smtClean="0"/>
-              <a:t>7/19/16</a:t>
+              <a:t>7/21/16</a:t>
             </a:fld>
             <a:endParaRPr lang="en-US"/>
           </a:p>
@@ -1826,7 +1924,7 @@
           <a:p>
             <a:fld id="{EF16CD09-4EC6-AF4C-B6AE-49417ED404CE}" type="datetime1">
               <a:rPr lang="en-US" smtClean="0"/>
-              <a:t>7/19/16</a:t>
+              <a:t>7/21/16</a:t>
             </a:fld>
             <a:endParaRPr lang="en-US"/>
           </a:p>
@@ -2006,7 +2104,7 @@
           <a:p>
             <a:fld id="{8C2EF671-3A6D-FD4E-9D04-779EC7A31340}" type="datetime1">
               <a:rPr lang="en-US" smtClean="0"/>
-              <a:t>7/19/16</a:t>
+              <a:t>7/21/16</a:t>
             </a:fld>
             <a:endParaRPr lang="en-US"/>
           </a:p>
@@ -2176,7 +2274,7 @@
           <a:p>
             <a:fld id="{8CFCD5D5-19FC-A64F-8A7F-FCBD8BE27807}" type="datetime1">
               <a:rPr lang="en-US" smtClean="0"/>
-              <a:t>7/19/16</a:t>
+              <a:t>7/21/16</a:t>
             </a:fld>
             <a:endParaRPr lang="en-US"/>
           </a:p>
@@ -2422,7 +2520,7 @@
           <a:p>
             <a:fld id="{5EC29CC5-B218-5D4C-8A63-42CE2E9D27C9}" type="datetime1">
               <a:rPr lang="en-US" smtClean="0"/>
-              <a:t>7/19/16</a:t>
+              <a:t>7/21/16</a:t>
             </a:fld>
             <a:endParaRPr lang="en-US"/>
           </a:p>
@@ -2654,7 +2752,7 @@
           <a:p>
             <a:fld id="{64148D4B-E9A7-4348-B81D-CF8CA6EE6634}" type="datetime1">
               <a:rPr lang="en-US" smtClean="0"/>
-              <a:t>7/19/16</a:t>
+              <a:t>7/21/16</a:t>
             </a:fld>
             <a:endParaRPr lang="en-US"/>
           </a:p>
@@ -3021,7 +3119,7 @@
           <a:p>
             <a:fld id="{1E86A385-1EBC-3945-B3D0-B75C2F9193CA}" type="datetime1">
               <a:rPr lang="en-US" smtClean="0"/>
-              <a:t>7/19/16</a:t>
+              <a:t>7/21/16</a:t>
             </a:fld>
             <a:endParaRPr lang="en-US"/>
           </a:p>
@@ -3139,7 +3237,7 @@
           <a:p>
             <a:fld id="{9A9AC606-AA40-7A4A-A9B7-1C8CDE894609}" type="datetime1">
               <a:rPr lang="en-US" smtClean="0"/>
-              <a:t>7/19/16</a:t>
+              <a:t>7/21/16</a:t>
             </a:fld>
             <a:endParaRPr lang="en-US"/>
           </a:p>
@@ -3234,7 +3332,7 @@
           <a:p>
             <a:fld id="{93E6BE46-D322-2040-9204-875AEE2EB4FF}" type="datetime1">
               <a:rPr lang="en-US" smtClean="0"/>
-              <a:t>7/19/16</a:t>
+              <a:t>7/21/16</a:t>
             </a:fld>
             <a:endParaRPr lang="en-US"/>
           </a:p>
@@ -3511,7 +3609,7 @@
           <a:p>
             <a:fld id="{508E2A82-0395-7A42-9E6F-6BDE5A1505A2}" type="datetime1">
               <a:rPr lang="en-US" smtClean="0"/>
-              <a:t>7/19/16</a:t>
+              <a:t>7/21/16</a:t>
             </a:fld>
             <a:endParaRPr lang="en-US"/>
           </a:p>
@@ -3764,7 +3862,7 @@
           <a:p>
             <a:fld id="{BE76D2A4-BB56-C849-B575-3549344F3817}" type="datetime1">
               <a:rPr lang="en-US" smtClean="0"/>
-              <a:t>7/19/16</a:t>
+              <a:t>7/21/16</a:t>
             </a:fld>
             <a:endParaRPr lang="en-US"/>
           </a:p>
@@ -3977,7 +4075,7 @@
           <a:p>
             <a:fld id="{C9261D75-58F4-0848-8663-9DBBFAE7804E}" type="datetime1">
               <a:rPr lang="en-US" smtClean="0"/>
-              <a:t>7/19/16</a:t>
+              <a:t>7/21/16</a:t>
             </a:fld>
             <a:endParaRPr lang="en-US"/>
           </a:p>
@@ -4778,11 +4876,11 @@
   <p:clrMapOvr>
     <a:masterClrMapping/>
   </p:clrMapOvr>
-  <mc:AlternateContent xmlns:mc="http://schemas.openxmlformats.org/markup-compatibility/2006">
-    <mc:Choice xmlns:p14="http://schemas.microsoft.com/office/powerpoint/2010/main" Requires="p14">
+  <mc:AlternateContent xmlns:mc="http://schemas.openxmlformats.org/markup-compatibility/2006" xmlns:p14="http://schemas.microsoft.com/office/powerpoint/2010/main">
+    <mc:Choice Requires="p14">
       <p:transition spd="slow" p14:dur="2000" advTm="11224"/>
     </mc:Choice>
-    <mc:Fallback>
+    <mc:Fallback xmlns="">
       <p:transition spd="slow" advTm="11224"/>
     </mc:Fallback>
   </mc:AlternateContent>
@@ -4915,11 +5013,11 @@
   <p:clrMapOvr>
     <a:masterClrMapping/>
   </p:clrMapOvr>
-  <mc:AlternateContent xmlns:mc="http://schemas.openxmlformats.org/markup-compatibility/2006">
-    <mc:Choice xmlns:p14="http://schemas.microsoft.com/office/powerpoint/2010/main" Requires="p14">
+  <mc:AlternateContent xmlns:mc="http://schemas.openxmlformats.org/markup-compatibility/2006" xmlns:p14="http://schemas.microsoft.com/office/powerpoint/2010/main">
+    <mc:Choice Requires="p14">
       <p:transition spd="slow" p14:dur="2000" advTm="99281"/>
     </mc:Choice>
-    <mc:Fallback>
+    <mc:Fallback xmlns="">
       <p:transition spd="slow" advTm="99281"/>
     </mc:Fallback>
   </mc:AlternateContent>
@@ -5156,7 +5254,7 @@
 </file>
 
 <file path=ppt/slides/slide11.xml><?xml version="1.0" encoding="utf-8"?>
-<p:sld xmlns:a="http://schemas.openxmlformats.org/drawingml/2006/main" xmlns:r="http://schemas.openxmlformats.org/officeDocument/2006/relationships" xmlns:p="http://schemas.openxmlformats.org/presentationml/2006/main">
+<p:sld xmlns:a="http://schemas.openxmlformats.org/drawingml/2006/main" xmlns:r="http://schemas.openxmlformats.org/officeDocument/2006/relationships" xmlns:p="http://schemas.openxmlformats.org/presentationml/2006/main" show="0">
   <p:cSld>
     <p:spTree>
       <p:nvGrpSpPr>
@@ -5963,7 +6061,7 @@
           <a:p>
             <a:r>
               <a:rPr lang="en-US" dirty="0" smtClean="0"/>
-              <a:t>Target Difficulty </a:t>
+              <a:t>Victim Selection</a:t>
             </a:r>
             <a:endParaRPr lang="en-US" dirty="0"/>
           </a:p>
@@ -5971,64 +6069,210 @@
       </p:sp>
       <p:sp>
         <p:nvSpPr>
-          <p:cNvPr id="3" name="Content Placeholder 2"/>
-          <p:cNvSpPr>
-            <a:spLocks noGrp="1"/>
-          </p:cNvSpPr>
-          <p:nvPr>
-            <p:ph idx="1"/>
-          </p:nvPr>
-        </p:nvSpPr>
-        <p:spPr/>
-        <p:txBody>
-          <a:bodyPr/>
-          <a:lstStyle/>
-          <a:p>
-            <a:r>
-              <a:rPr lang="en-US" dirty="0" smtClean="0"/>
-              <a:t>Global difficulty parameter</a:t>
-            </a:r>
-          </a:p>
-          <a:p>
-            <a:pPr lvl="1"/>
-            <a:r>
-              <a:rPr lang="en-US" dirty="0" smtClean="0"/>
-              <a:t>Adjust the rate at which transactions are processed</a:t>
-            </a:r>
-          </a:p>
-          <a:p>
-            <a:r>
-              <a:rPr lang="en-US" dirty="0" smtClean="0"/>
-              <a:t>Per-domain difficulty parameter</a:t>
-            </a:r>
-          </a:p>
-          <a:p>
-            <a:pPr lvl="1"/>
-            <a:r>
-              <a:rPr lang="en-US" dirty="0" smtClean="0"/>
-              <a:t>Allow all targets to be viable</a:t>
-            </a:r>
-          </a:p>
-          <a:p>
-            <a:r>
-              <a:rPr lang="en-US" dirty="0" smtClean="0"/>
-              <a:t>Constant time intervals</a:t>
-            </a:r>
-          </a:p>
-          <a:p>
-            <a:r>
-              <a:rPr lang="en-US" dirty="0" smtClean="0"/>
-              <a:t>Initial difficulty set by user</a:t>
-            </a:r>
-          </a:p>
-          <a:p>
-            <a:endParaRPr lang="en-US" dirty="0"/>
-          </a:p>
-        </p:txBody>
-      </p:sp>
-      <p:sp>
-        <p:nvSpPr>
-          <p:cNvPr id="4" name="Slide Number Placeholder 3"/>
+          <p:cNvPr id="7" name="Right Arrow 6"/>
+          <p:cNvSpPr/>
+          <p:nvPr/>
+        </p:nvSpPr>
+        <p:spPr>
+          <a:xfrm>
+            <a:off x="2670383" y="5084573"/>
+            <a:ext cx="678873" cy="512618"/>
+          </a:xfrm>
+          <a:prstGeom prst="rightArrow">
+            <a:avLst/>
+          </a:prstGeom>
+          <a:solidFill>
+            <a:srgbClr val="FF0000"/>
+          </a:solidFill>
+          <a:ln>
+            <a:solidFill>
+              <a:srgbClr val="FF0000"/>
+            </a:solidFill>
+          </a:ln>
+        </p:spPr>
+        <p:style>
+          <a:lnRef idx="2">
+            <a:schemeClr val="accent1">
+              <a:shade val="50000"/>
+            </a:schemeClr>
+          </a:lnRef>
+          <a:fillRef idx="1">
+            <a:schemeClr val="accent1"/>
+          </a:fillRef>
+          <a:effectRef idx="0">
+            <a:schemeClr val="accent1"/>
+          </a:effectRef>
+          <a:fontRef idx="minor">
+            <a:schemeClr val="lt1"/>
+          </a:fontRef>
+        </p:style>
+        <p:txBody>
+          <a:bodyPr rtlCol="0" anchor="ctr"/>
+          <a:lstStyle/>
+          <a:p>
+            <a:pPr algn="ctr"/>
+            <a:endParaRPr lang="en-US"/>
+          </a:p>
+        </p:txBody>
+      </p:sp>
+      <p:sp>
+        <p:nvSpPr>
+          <p:cNvPr id="8" name="Right Arrow 7"/>
+          <p:cNvSpPr/>
+          <p:nvPr/>
+        </p:nvSpPr>
+        <p:spPr>
+          <a:xfrm>
+            <a:off x="5735782" y="4731327"/>
+            <a:ext cx="699653" cy="512618"/>
+          </a:xfrm>
+          <a:prstGeom prst="rightArrow">
+            <a:avLst/>
+          </a:prstGeom>
+          <a:solidFill>
+            <a:srgbClr val="FF0000"/>
+          </a:solidFill>
+          <a:ln>
+            <a:solidFill>
+              <a:srgbClr val="FF0000"/>
+            </a:solidFill>
+          </a:ln>
+        </p:spPr>
+        <p:style>
+          <a:lnRef idx="2">
+            <a:schemeClr val="accent1">
+              <a:shade val="50000"/>
+            </a:schemeClr>
+          </a:lnRef>
+          <a:fillRef idx="1">
+            <a:schemeClr val="accent1"/>
+          </a:fillRef>
+          <a:effectRef idx="0">
+            <a:schemeClr val="accent1"/>
+          </a:effectRef>
+          <a:fontRef idx="minor">
+            <a:schemeClr val="lt1"/>
+          </a:fontRef>
+        </p:style>
+        <p:txBody>
+          <a:bodyPr rtlCol="0" anchor="ctr"/>
+          <a:lstStyle/>
+          <a:p>
+            <a:pPr algn="ctr"/>
+            <a:endParaRPr lang="en-US"/>
+          </a:p>
+        </p:txBody>
+      </p:sp>
+      <p:sp>
+        <p:nvSpPr>
+          <p:cNvPr id="9" name="Right Arrow 8"/>
+          <p:cNvSpPr/>
+          <p:nvPr/>
+        </p:nvSpPr>
+        <p:spPr>
+          <a:xfrm flipH="1">
+            <a:off x="8770662" y="4029178"/>
+            <a:ext cx="698331" cy="512618"/>
+          </a:xfrm>
+          <a:prstGeom prst="rightArrow">
+            <a:avLst/>
+          </a:prstGeom>
+          <a:solidFill>
+            <a:srgbClr val="FF0000"/>
+          </a:solidFill>
+          <a:ln>
+            <a:solidFill>
+              <a:srgbClr val="FF0000"/>
+            </a:solidFill>
+          </a:ln>
+        </p:spPr>
+        <p:style>
+          <a:lnRef idx="2">
+            <a:schemeClr val="accent1">
+              <a:shade val="50000"/>
+            </a:schemeClr>
+          </a:lnRef>
+          <a:fillRef idx="1">
+            <a:schemeClr val="accent1"/>
+          </a:fillRef>
+          <a:effectRef idx="0">
+            <a:schemeClr val="accent1"/>
+          </a:effectRef>
+          <a:fontRef idx="minor">
+            <a:schemeClr val="lt1"/>
+          </a:fontRef>
+        </p:style>
+        <p:txBody>
+          <a:bodyPr rtlCol="0" anchor="ctr"/>
+          <a:lstStyle/>
+          <a:p>
+            <a:pPr algn="ctr"/>
+            <a:endParaRPr lang="en-US"/>
+          </a:p>
+        </p:txBody>
+      </p:sp>
+      <p:sp>
+        <p:nvSpPr>
+          <p:cNvPr id="10" name="TextBox 9"/>
+          <p:cNvSpPr txBox="1"/>
+          <p:nvPr/>
+        </p:nvSpPr>
+        <p:spPr>
+          <a:xfrm>
+            <a:off x="7854049" y="1432316"/>
+            <a:ext cx="2327563" cy="523220"/>
+          </a:xfrm>
+          <a:prstGeom prst="rect">
+            <a:avLst/>
+          </a:prstGeom>
+          <a:noFill/>
+        </p:spPr>
+        <p:txBody>
+          <a:bodyPr wrap="square" rtlCol="0">
+            <a:spAutoFit/>
+          </a:bodyPr>
+          <a:lstStyle/>
+          <a:p>
+            <a:r>
+              <a:rPr lang="en-US" sz="2800" dirty="0" smtClean="0"/>
+              <a:t>PAY_TO_DDOS</a:t>
+            </a:r>
+            <a:endParaRPr lang="en-US" sz="2800" dirty="0"/>
+          </a:p>
+        </p:txBody>
+      </p:sp>
+      <p:sp>
+        <p:nvSpPr>
+          <p:cNvPr id="11" name="TextBox 10"/>
+          <p:cNvSpPr txBox="1"/>
+          <p:nvPr/>
+        </p:nvSpPr>
+        <p:spPr>
+          <a:xfrm>
+            <a:off x="7854049" y="1432316"/>
+            <a:ext cx="3728352" cy="523220"/>
+          </a:xfrm>
+          <a:prstGeom prst="rect">
+            <a:avLst/>
+          </a:prstGeom>
+          <a:noFill/>
+        </p:spPr>
+        <p:txBody>
+          <a:bodyPr wrap="square" rtlCol="0">
+            <a:spAutoFit/>
+          </a:bodyPr>
+          <a:lstStyle/>
+          <a:p>
+            <a:r>
+              <a:rPr lang="en-US" sz="2800" dirty="0" smtClean="0"/>
+              <a:t>Proof-of-Stake Block</a:t>
+            </a:r>
+          </a:p>
+        </p:txBody>
+      </p:sp>
+      <p:sp>
+        <p:nvSpPr>
+          <p:cNvPr id="12" name="Slide Number Placeholder 11"/>
           <p:cNvSpPr>
             <a:spLocks noGrp="1"/>
           </p:cNvSpPr>
@@ -6049,10 +6293,1095 @@
           </a:p>
         </p:txBody>
       </p:sp>
+      <p:pic>
+        <p:nvPicPr>
+          <p:cNvPr id="13" name="Picture 3" descr="C:\Documents and Settings\Eric\Local Settings\Temporary Internet Files\Content.IE5\J3WCMIIA\Pick_shovel[1].jpg"/>
+          <p:cNvPicPr>
+            <a:picLocks noChangeAspect="1" noChangeArrowheads="1"/>
+          </p:cNvPicPr>
+          <p:nvPr/>
+        </p:nvPicPr>
+        <p:blipFill>
+          <a:blip r:embed="rId4" cstate="print">
+            <a:extLst>
+              <a:ext uri="{28A0092B-C50C-407E-A947-70E740481C1C}">
+                <a14:useLocalDpi xmlns:a14="http://schemas.microsoft.com/office/drawing/2010/main" val="0"/>
+              </a:ext>
+            </a:extLst>
+          </a:blip>
+          <a:srcRect/>
+          <a:stretch>
+            <a:fillRect/>
+          </a:stretch>
+        </p:blipFill>
+        <p:spPr bwMode="auto">
+          <a:xfrm>
+            <a:off x="3404378" y="2435574"/>
+            <a:ext cx="694944" cy="685800"/>
+          </a:xfrm>
+          <a:prstGeom prst="rect">
+            <a:avLst/>
+          </a:prstGeom>
+          <a:noFill/>
+          <a:extLst>
+            <a:ext uri="{909E8E84-426E-40DD-AFC4-6F175D3DCCD1}">
+              <a14:hiddenFill xmlns:a14="http://schemas.microsoft.com/office/drawing/2010/main">
+                <a:solidFill>
+                  <a:srgbClr val="FFFFFF"/>
+                </a:solidFill>
+              </a14:hiddenFill>
+            </a:ext>
+          </a:extLst>
+        </p:spPr>
+      </p:pic>
+      <p:sp>
+        <p:nvSpPr>
+          <p:cNvPr id="14" name="TextBox 13"/>
+          <p:cNvSpPr txBox="1"/>
+          <p:nvPr/>
+        </p:nvSpPr>
+        <p:spPr>
+          <a:xfrm>
+            <a:off x="3375785" y="3045174"/>
+            <a:ext cx="752129" cy="369332"/>
+          </a:xfrm>
+          <a:prstGeom prst="rect">
+            <a:avLst/>
+          </a:prstGeom>
+          <a:noFill/>
+        </p:spPr>
+        <p:txBody>
+          <a:bodyPr wrap="none" rtlCol="0">
+            <a:spAutoFit/>
+          </a:bodyPr>
+          <a:lstStyle/>
+          <a:p>
+            <a:r>
+              <a:rPr lang="en-US" dirty="0" smtClean="0"/>
+              <a:t>Miner</a:t>
+            </a:r>
+            <a:endParaRPr lang="en-US" dirty="0"/>
+          </a:p>
+        </p:txBody>
+      </p:sp>
+      <p:pic>
+        <p:nvPicPr>
+          <p:cNvPr id="15" name="Picture 5" descr="C:\Documents and Settings\Eric\Local Settings\Temporary Internet Files\Content.IE5\BHIGFSU1\ajith-stacked-servers[1].png"/>
+          <p:cNvPicPr>
+            <a:picLocks noChangeAspect="1" noChangeArrowheads="1"/>
+          </p:cNvPicPr>
+          <p:nvPr/>
+        </p:nvPicPr>
+        <p:blipFill>
+          <a:blip r:embed="rId5" cstate="print">
+            <a:extLst>
+              <a:ext uri="{28A0092B-C50C-407E-A947-70E740481C1C}">
+                <a14:useLocalDpi xmlns:a14="http://schemas.microsoft.com/office/drawing/2010/main" val="0"/>
+              </a:ext>
+            </a:extLst>
+          </a:blip>
+          <a:srcRect/>
+          <a:stretch>
+            <a:fillRect/>
+          </a:stretch>
+        </p:blipFill>
+        <p:spPr bwMode="auto">
+          <a:xfrm>
+            <a:off x="5537978" y="2415204"/>
+            <a:ext cx="762402" cy="646136"/>
+          </a:xfrm>
+          <a:prstGeom prst="rect">
+            <a:avLst/>
+          </a:prstGeom>
+          <a:noFill/>
+          <a:extLst>
+            <a:ext uri="{909E8E84-426E-40DD-AFC4-6F175D3DCCD1}">
+              <a14:hiddenFill xmlns:a14="http://schemas.microsoft.com/office/drawing/2010/main">
+                <a:solidFill>
+                  <a:srgbClr val="FFFFFF"/>
+                </a:solidFill>
+              </a14:hiddenFill>
+            </a:ext>
+          </a:extLst>
+        </p:spPr>
+      </p:pic>
+      <p:sp>
+        <p:nvSpPr>
+          <p:cNvPr id="16" name="TextBox 15"/>
+          <p:cNvSpPr txBox="1"/>
+          <p:nvPr/>
+        </p:nvSpPr>
+        <p:spPr>
+          <a:xfrm>
+            <a:off x="5312442" y="3044230"/>
+            <a:ext cx="1213474" cy="369332"/>
+          </a:xfrm>
+          <a:prstGeom prst="rect">
+            <a:avLst/>
+          </a:prstGeom>
+          <a:noFill/>
+        </p:spPr>
+        <p:txBody>
+          <a:bodyPr wrap="none" rtlCol="0">
+            <a:spAutoFit/>
+          </a:bodyPr>
+          <a:lstStyle/>
+          <a:p>
+            <a:r>
+              <a:rPr lang="en-US" dirty="0"/>
+              <a:t>v</a:t>
+            </a:r>
+            <a:r>
+              <a:rPr lang="en-US" dirty="0" smtClean="0"/>
+              <a:t>ictim.com</a:t>
+            </a:r>
+            <a:endParaRPr lang="en-US" dirty="0"/>
+          </a:p>
+        </p:txBody>
+      </p:sp>
+      <p:cxnSp>
+        <p:nvCxnSpPr>
+          <p:cNvPr id="17" name="Straight Arrow Connector 16"/>
+          <p:cNvCxnSpPr/>
+          <p:nvPr/>
+        </p:nvCxnSpPr>
+        <p:spPr>
+          <a:xfrm>
+            <a:off x="4242578" y="2435574"/>
+            <a:ext cx="1098456" cy="0"/>
+          </a:xfrm>
+          <a:prstGeom prst="straightConnector1">
+            <a:avLst/>
+          </a:prstGeom>
+          <a:ln w="28575">
+            <a:tailEnd type="triangle" w="lg" len="lg"/>
+          </a:ln>
+        </p:spPr>
+        <p:style>
+          <a:lnRef idx="1">
+            <a:schemeClr val="accent1"/>
+          </a:lnRef>
+          <a:fillRef idx="0">
+            <a:schemeClr val="accent1"/>
+          </a:fillRef>
+          <a:effectRef idx="0">
+            <a:schemeClr val="accent1"/>
+          </a:effectRef>
+          <a:fontRef idx="minor">
+            <a:schemeClr val="tx1"/>
+          </a:fontRef>
+        </p:style>
+      </p:cxnSp>
+      <p:cxnSp>
+        <p:nvCxnSpPr>
+          <p:cNvPr id="18" name="Straight Arrow Connector 17"/>
+          <p:cNvCxnSpPr/>
+          <p:nvPr/>
+        </p:nvCxnSpPr>
+        <p:spPr>
+          <a:xfrm>
+            <a:off x="4242578" y="2692888"/>
+            <a:ext cx="1097735" cy="0"/>
+          </a:xfrm>
+          <a:prstGeom prst="straightConnector1">
+            <a:avLst/>
+          </a:prstGeom>
+          <a:ln w="28575">
+            <a:tailEnd type="triangle" w="lg" len="lg"/>
+          </a:ln>
+        </p:spPr>
+        <p:style>
+          <a:lnRef idx="1">
+            <a:schemeClr val="accent1"/>
+          </a:lnRef>
+          <a:fillRef idx="0">
+            <a:schemeClr val="accent1"/>
+          </a:fillRef>
+          <a:effectRef idx="0">
+            <a:schemeClr val="accent1"/>
+          </a:effectRef>
+          <a:fontRef idx="minor">
+            <a:schemeClr val="tx1"/>
+          </a:fontRef>
+        </p:style>
+      </p:cxnSp>
+      <p:cxnSp>
+        <p:nvCxnSpPr>
+          <p:cNvPr id="19" name="Straight Arrow Connector 18"/>
+          <p:cNvCxnSpPr/>
+          <p:nvPr/>
+        </p:nvCxnSpPr>
+        <p:spPr>
+          <a:xfrm>
+            <a:off x="4242578" y="2961973"/>
+            <a:ext cx="1102939" cy="0"/>
+          </a:xfrm>
+          <a:prstGeom prst="straightConnector1">
+            <a:avLst/>
+          </a:prstGeom>
+          <a:ln w="28575">
+            <a:tailEnd type="triangle" w="lg" len="lg"/>
+          </a:ln>
+        </p:spPr>
+        <p:style>
+          <a:lnRef idx="1">
+            <a:schemeClr val="accent1"/>
+          </a:lnRef>
+          <a:fillRef idx="0">
+            <a:schemeClr val="accent1"/>
+          </a:fillRef>
+          <a:effectRef idx="0">
+            <a:schemeClr val="accent1"/>
+          </a:effectRef>
+          <a:fontRef idx="minor">
+            <a:schemeClr val="tx1"/>
+          </a:fontRef>
+        </p:style>
+      </p:cxnSp>
+      <p:sp>
+        <p:nvSpPr>
+          <p:cNvPr id="20" name="TextBox 19"/>
+          <p:cNvSpPr txBox="1"/>
+          <p:nvPr/>
+        </p:nvSpPr>
+        <p:spPr>
+          <a:xfrm>
+            <a:off x="4547378" y="2630737"/>
+            <a:ext cx="343364" cy="369332"/>
+          </a:xfrm>
+          <a:prstGeom prst="rect">
+            <a:avLst/>
+          </a:prstGeom>
+          <a:noFill/>
+        </p:spPr>
+        <p:txBody>
+          <a:bodyPr wrap="none" rtlCol="0">
+            <a:spAutoFit/>
+          </a:bodyPr>
+          <a:lstStyle/>
+          <a:p>
+            <a:r>
+              <a:rPr lang="en-US" dirty="0" smtClean="0"/>
+              <a:t>…</a:t>
+            </a:r>
+            <a:endParaRPr lang="en-US" dirty="0"/>
+          </a:p>
+        </p:txBody>
+      </p:sp>
+      <p:cxnSp>
+        <p:nvCxnSpPr>
+          <p:cNvPr id="21" name="Straight Arrow Connector 20"/>
+          <p:cNvCxnSpPr/>
+          <p:nvPr/>
+        </p:nvCxnSpPr>
+        <p:spPr>
+          <a:xfrm flipH="1">
+            <a:off x="4127193" y="2528583"/>
+            <a:ext cx="1105985" cy="0"/>
+          </a:xfrm>
+          <a:prstGeom prst="straightConnector1">
+            <a:avLst/>
+          </a:prstGeom>
+          <a:ln w="28575">
+            <a:solidFill>
+              <a:schemeClr val="accent2"/>
+            </a:solidFill>
+            <a:tailEnd type="triangle" w="lg" len="lg"/>
+          </a:ln>
+        </p:spPr>
+        <p:style>
+          <a:lnRef idx="1">
+            <a:schemeClr val="accent1"/>
+          </a:lnRef>
+          <a:fillRef idx="0">
+            <a:schemeClr val="accent1"/>
+          </a:fillRef>
+          <a:effectRef idx="0">
+            <a:schemeClr val="accent1"/>
+          </a:effectRef>
+          <a:fontRef idx="minor">
+            <a:schemeClr val="tx1"/>
+          </a:fontRef>
+        </p:style>
+      </p:cxnSp>
+      <p:cxnSp>
+        <p:nvCxnSpPr>
+          <p:cNvPr id="22" name="Straight Arrow Connector 21"/>
+          <p:cNvCxnSpPr/>
+          <p:nvPr/>
+        </p:nvCxnSpPr>
+        <p:spPr>
+          <a:xfrm flipH="1">
+            <a:off x="4128008" y="2783374"/>
+            <a:ext cx="1105170" cy="0"/>
+          </a:xfrm>
+          <a:prstGeom prst="straightConnector1">
+            <a:avLst/>
+          </a:prstGeom>
+          <a:ln w="28575">
+            <a:solidFill>
+              <a:schemeClr val="accent2"/>
+            </a:solidFill>
+            <a:tailEnd type="triangle" w="lg" len="lg"/>
+          </a:ln>
+        </p:spPr>
+        <p:style>
+          <a:lnRef idx="1">
+            <a:schemeClr val="accent1"/>
+          </a:lnRef>
+          <a:fillRef idx="0">
+            <a:schemeClr val="accent1"/>
+          </a:fillRef>
+          <a:effectRef idx="0">
+            <a:schemeClr val="accent1"/>
+          </a:effectRef>
+          <a:fontRef idx="minor">
+            <a:schemeClr val="tx1"/>
+          </a:fontRef>
+        </p:style>
+      </p:cxnSp>
+      <p:cxnSp>
+        <p:nvCxnSpPr>
+          <p:cNvPr id="23" name="Straight Arrow Connector 22"/>
+          <p:cNvCxnSpPr/>
+          <p:nvPr/>
+        </p:nvCxnSpPr>
+        <p:spPr>
+          <a:xfrm flipH="1">
+            <a:off x="4125103" y="3050078"/>
+            <a:ext cx="1108075" cy="0"/>
+          </a:xfrm>
+          <a:prstGeom prst="straightConnector1">
+            <a:avLst/>
+          </a:prstGeom>
+          <a:ln w="28575">
+            <a:solidFill>
+              <a:schemeClr val="accent6"/>
+            </a:solidFill>
+            <a:tailEnd type="triangle" w="lg" len="lg"/>
+          </a:ln>
+        </p:spPr>
+        <p:style>
+          <a:lnRef idx="1">
+            <a:schemeClr val="accent1"/>
+          </a:lnRef>
+          <a:fillRef idx="0">
+            <a:schemeClr val="accent1"/>
+          </a:fillRef>
+          <a:effectRef idx="0">
+            <a:schemeClr val="accent1"/>
+          </a:effectRef>
+          <a:fontRef idx="minor">
+            <a:schemeClr val="tx1"/>
+          </a:fontRef>
+        </p:style>
+      </p:cxnSp>
+      <p:sp>
+        <p:nvSpPr>
+          <p:cNvPr id="24" name="Rectangle 23"/>
+          <p:cNvSpPr/>
+          <p:nvPr/>
+        </p:nvSpPr>
+        <p:spPr>
+          <a:xfrm>
+            <a:off x="3406162" y="3725418"/>
+            <a:ext cx="2262158" cy="1120139"/>
+          </a:xfrm>
+          <a:prstGeom prst="rect">
+            <a:avLst/>
+          </a:prstGeom>
+          <a:solidFill>
+            <a:schemeClr val="bg1">
+              <a:lumMod val="95000"/>
+            </a:schemeClr>
+          </a:solidFill>
+          <a:ln w="12700" cmpd="sng">
+            <a:solidFill>
+              <a:schemeClr val="tx1"/>
+            </a:solidFill>
+          </a:ln>
+        </p:spPr>
+        <p:style>
+          <a:lnRef idx="2">
+            <a:schemeClr val="accent1">
+              <a:shade val="50000"/>
+            </a:schemeClr>
+          </a:lnRef>
+          <a:fillRef idx="1">
+            <a:schemeClr val="accent1"/>
+          </a:fillRef>
+          <a:effectRef idx="0">
+            <a:schemeClr val="accent1"/>
+          </a:effectRef>
+          <a:fontRef idx="minor">
+            <a:schemeClr val="lt1"/>
+          </a:fontRef>
+        </p:style>
+        <p:txBody>
+          <a:bodyPr rtlCol="0" anchor="ctr"/>
+          <a:lstStyle/>
+          <a:p>
+            <a:endParaRPr lang="en-US" sz="2400" dirty="0" smtClean="0"/>
+          </a:p>
+          <a:p>
+            <a:endParaRPr lang="en-US" sz="2400" dirty="0" smtClean="0"/>
+          </a:p>
+          <a:p>
+            <a:endParaRPr lang="en-US" sz="2400" dirty="0"/>
+          </a:p>
+        </p:txBody>
+      </p:sp>
+      <p:sp>
+        <p:nvSpPr>
+          <p:cNvPr id="25" name="TextBox 24"/>
+          <p:cNvSpPr txBox="1"/>
+          <p:nvPr/>
+        </p:nvSpPr>
+        <p:spPr>
+          <a:xfrm>
+            <a:off x="3406161" y="3725417"/>
+            <a:ext cx="2272802" cy="1169551"/>
+          </a:xfrm>
+          <a:prstGeom prst="rect">
+            <a:avLst/>
+          </a:prstGeom>
+          <a:noFill/>
+        </p:spPr>
+        <p:txBody>
+          <a:bodyPr wrap="none" rtlCol="0">
+            <a:spAutoFit/>
+          </a:bodyPr>
+          <a:lstStyle/>
+          <a:p>
+            <a:r>
+              <a:rPr lang="en-US" sz="1400" b="1" dirty="0" err="1" smtClean="0"/>
+              <a:t>Prev</a:t>
+            </a:r>
+            <a:r>
+              <a:rPr lang="en-US" sz="1400" b="1" dirty="0" smtClean="0"/>
+              <a:t> block hash:    </a:t>
+            </a:r>
+            <a:r>
+              <a:rPr lang="en-US" sz="1400" b="1" dirty="0" smtClean="0">
+                <a:solidFill>
+                  <a:schemeClr val="accent1"/>
+                </a:solidFill>
+              </a:rPr>
+              <a:t>2f7c63…</a:t>
+            </a:r>
+            <a:endParaRPr lang="en-US" sz="1400" b="1" dirty="0">
+              <a:solidFill>
+                <a:schemeClr val="accent1"/>
+              </a:solidFill>
+            </a:endParaRPr>
+          </a:p>
+          <a:p>
+            <a:r>
+              <a:rPr lang="en-US" sz="1400" b="1" dirty="0" err="1" smtClean="0"/>
+              <a:t>Tx</a:t>
+            </a:r>
+            <a:r>
+              <a:rPr lang="en-US" sz="1400" b="1" dirty="0" smtClean="0"/>
+              <a:t> </a:t>
+            </a:r>
+            <a:r>
+              <a:rPr lang="en-US" sz="1400" b="1" dirty="0" err="1" smtClean="0"/>
+              <a:t>Merkle</a:t>
+            </a:r>
+            <a:r>
+              <a:rPr lang="en-US" sz="1400" b="1" dirty="0" smtClean="0"/>
+              <a:t> root:      </a:t>
+            </a:r>
+            <a:r>
+              <a:rPr lang="en-US" sz="1400" b="1" dirty="0" smtClean="0">
+                <a:solidFill>
+                  <a:schemeClr val="accent1"/>
+                </a:solidFill>
+              </a:rPr>
+              <a:t>9c8f15…</a:t>
+            </a:r>
+          </a:p>
+          <a:p>
+            <a:r>
+              <a:rPr lang="en-US" sz="1400" b="1" dirty="0" smtClean="0"/>
+              <a:t>Nonce:</a:t>
+            </a:r>
+            <a:r>
+              <a:rPr lang="en-US" sz="1400" b="1" dirty="0"/>
+              <a:t>	</a:t>
+            </a:r>
+            <a:r>
+              <a:rPr lang="en-US" sz="1400" b="1" dirty="0" smtClean="0"/>
+              <a:t>            </a:t>
+            </a:r>
+            <a:r>
+              <a:rPr lang="en-US" sz="1400" b="1" dirty="0" smtClean="0">
+                <a:solidFill>
+                  <a:schemeClr val="accent1"/>
+                </a:solidFill>
+              </a:rPr>
+              <a:t>63a108…</a:t>
+            </a:r>
+          </a:p>
+          <a:p>
+            <a:r>
+              <a:rPr lang="en-US" sz="1400" b="1" dirty="0" smtClean="0"/>
+              <a:t>Proof-of-DDoS:       </a:t>
+            </a:r>
+            <a:r>
+              <a:rPr lang="en-US" sz="1400" b="1" dirty="0" smtClean="0">
+                <a:solidFill>
+                  <a:schemeClr val="accent6"/>
+                </a:solidFill>
+              </a:rPr>
+              <a:t>8b2761…</a:t>
+            </a:r>
+          </a:p>
+          <a:p>
+            <a:r>
+              <a:rPr lang="en-US" sz="1400" b="1" dirty="0" smtClean="0"/>
+              <a:t>Transactions:</a:t>
+            </a:r>
+          </a:p>
+        </p:txBody>
+      </p:sp>
+      <p:sp>
+        <p:nvSpPr>
+          <p:cNvPr id="26" name="TextBox 25"/>
+          <p:cNvSpPr txBox="1"/>
+          <p:nvPr/>
+        </p:nvSpPr>
+        <p:spPr>
+          <a:xfrm>
+            <a:off x="3401716" y="3420856"/>
+            <a:ext cx="2081147" cy="307777"/>
+          </a:xfrm>
+          <a:prstGeom prst="rect">
+            <a:avLst/>
+          </a:prstGeom>
+          <a:noFill/>
+          <a:ln>
+            <a:solidFill>
+              <a:schemeClr val="tx1"/>
+            </a:solidFill>
+          </a:ln>
+        </p:spPr>
+        <p:txBody>
+          <a:bodyPr wrap="none" rtlCol="0">
+            <a:spAutoFit/>
+          </a:bodyPr>
+          <a:lstStyle/>
+          <a:p>
+            <a:r>
+              <a:rPr lang="en-US" sz="1400" b="1" dirty="0" smtClean="0"/>
+              <a:t>New </a:t>
+            </a:r>
+            <a:r>
+              <a:rPr lang="en-US" sz="1400" b="1" i="1" dirty="0" smtClean="0"/>
+              <a:t>Proof-of-DDoS</a:t>
+            </a:r>
+            <a:r>
+              <a:rPr lang="en-US" sz="1400" b="1" dirty="0" smtClean="0"/>
+              <a:t> block</a:t>
+            </a:r>
+            <a:endParaRPr lang="en-US" sz="1400" b="1" dirty="0"/>
+          </a:p>
+        </p:txBody>
+      </p:sp>
+      <p:cxnSp>
+        <p:nvCxnSpPr>
+          <p:cNvPr id="27" name="Elbow Connector 26"/>
+          <p:cNvCxnSpPr>
+            <a:stCxn id="25" idx="1"/>
+          </p:cNvCxnSpPr>
+          <p:nvPr/>
+        </p:nvCxnSpPr>
+        <p:spPr>
+          <a:xfrm rot="10800000" flipH="1" flipV="1">
+            <a:off x="3375784" y="3229839"/>
+            <a:ext cx="25931" cy="344905"/>
+          </a:xfrm>
+          <a:prstGeom prst="bentConnector3">
+            <a:avLst>
+              <a:gd name="adj1" fmla="val -881570"/>
+            </a:avLst>
+          </a:prstGeom>
+          <a:ln w="25400">
+            <a:solidFill>
+              <a:schemeClr val="tx1"/>
+            </a:solidFill>
+            <a:tailEnd type="triangle" w="lg" len="lg"/>
+          </a:ln>
+        </p:spPr>
+        <p:style>
+          <a:lnRef idx="1">
+            <a:schemeClr val="accent1"/>
+          </a:lnRef>
+          <a:fillRef idx="0">
+            <a:schemeClr val="accent1"/>
+          </a:fillRef>
+          <a:effectRef idx="0">
+            <a:schemeClr val="accent1"/>
+          </a:effectRef>
+          <a:fontRef idx="minor">
+            <a:schemeClr val="tx1"/>
+          </a:fontRef>
+        </p:style>
+      </p:cxnSp>
+      <p:sp>
+        <p:nvSpPr>
+          <p:cNvPr id="28" name="Rectangle 27"/>
+          <p:cNvSpPr/>
+          <p:nvPr/>
+        </p:nvSpPr>
+        <p:spPr>
+          <a:xfrm>
+            <a:off x="6462915" y="3725418"/>
+            <a:ext cx="2262158" cy="984488"/>
+          </a:xfrm>
+          <a:prstGeom prst="rect">
+            <a:avLst/>
+          </a:prstGeom>
+          <a:solidFill>
+            <a:schemeClr val="bg1">
+              <a:lumMod val="95000"/>
+            </a:schemeClr>
+          </a:solidFill>
+          <a:ln w="12700" cmpd="sng">
+            <a:solidFill>
+              <a:schemeClr val="tx1"/>
+            </a:solidFill>
+          </a:ln>
+        </p:spPr>
+        <p:style>
+          <a:lnRef idx="2">
+            <a:schemeClr val="accent1">
+              <a:shade val="50000"/>
+            </a:schemeClr>
+          </a:lnRef>
+          <a:fillRef idx="1">
+            <a:schemeClr val="accent1"/>
+          </a:fillRef>
+          <a:effectRef idx="0">
+            <a:schemeClr val="accent1"/>
+          </a:effectRef>
+          <a:fontRef idx="minor">
+            <a:schemeClr val="lt1"/>
+          </a:fontRef>
+        </p:style>
+        <p:txBody>
+          <a:bodyPr rtlCol="0" anchor="ctr"/>
+          <a:lstStyle/>
+          <a:p>
+            <a:endParaRPr lang="en-US" sz="2400" dirty="0" smtClean="0"/>
+          </a:p>
+          <a:p>
+            <a:endParaRPr lang="en-US" sz="2400" dirty="0" smtClean="0"/>
+          </a:p>
+          <a:p>
+            <a:endParaRPr lang="en-US" sz="2400" dirty="0"/>
+          </a:p>
+        </p:txBody>
+      </p:sp>
+      <p:sp>
+        <p:nvSpPr>
+          <p:cNvPr id="29" name="TextBox 28"/>
+          <p:cNvSpPr txBox="1"/>
+          <p:nvPr/>
+        </p:nvSpPr>
+        <p:spPr>
+          <a:xfrm>
+            <a:off x="6462914" y="3725417"/>
+            <a:ext cx="2307748" cy="954107"/>
+          </a:xfrm>
+          <a:prstGeom prst="rect">
+            <a:avLst/>
+          </a:prstGeom>
+          <a:noFill/>
+        </p:spPr>
+        <p:txBody>
+          <a:bodyPr wrap="none" rtlCol="0">
+            <a:spAutoFit/>
+          </a:bodyPr>
+          <a:lstStyle/>
+          <a:p>
+            <a:r>
+              <a:rPr lang="en-US" sz="1400" b="1" dirty="0" err="1" smtClean="0"/>
+              <a:t>Prev</a:t>
+            </a:r>
+            <a:r>
+              <a:rPr lang="en-US" sz="1400" b="1" dirty="0" smtClean="0"/>
+              <a:t> block hash:    cc2b1a…</a:t>
+            </a:r>
+            <a:endParaRPr lang="en-US" sz="1400" b="1" dirty="0"/>
+          </a:p>
+          <a:p>
+            <a:r>
+              <a:rPr lang="en-US" sz="1400" b="1" dirty="0" err="1" smtClean="0"/>
+              <a:t>Tx</a:t>
+            </a:r>
+            <a:r>
+              <a:rPr lang="en-US" sz="1400" b="1" dirty="0" smtClean="0"/>
+              <a:t> </a:t>
+            </a:r>
+            <a:r>
+              <a:rPr lang="en-US" sz="1400" b="1" dirty="0" err="1" smtClean="0"/>
+              <a:t>Merkle</a:t>
+            </a:r>
+            <a:r>
+              <a:rPr lang="en-US" sz="1400" b="1" dirty="0" smtClean="0"/>
+              <a:t> root:      839f2c…</a:t>
+            </a:r>
+          </a:p>
+          <a:p>
+            <a:r>
+              <a:rPr lang="en-US" sz="1400" b="1" dirty="0" smtClean="0"/>
+              <a:t>Diff:	          + </a:t>
+            </a:r>
+            <a:r>
+              <a:rPr lang="en-US" sz="1400" b="1" i="1" dirty="0" smtClean="0"/>
+              <a:t>vicX.com</a:t>
+            </a:r>
+          </a:p>
+          <a:p>
+            <a:r>
+              <a:rPr lang="en-US" sz="1400" b="1" dirty="0" smtClean="0"/>
+              <a:t>Transactions:</a:t>
+            </a:r>
+          </a:p>
+        </p:txBody>
+      </p:sp>
+      <p:sp>
+        <p:nvSpPr>
+          <p:cNvPr id="30" name="TextBox 29"/>
+          <p:cNvSpPr txBox="1"/>
+          <p:nvPr/>
+        </p:nvSpPr>
+        <p:spPr>
+          <a:xfrm>
+            <a:off x="6464819" y="3420856"/>
+            <a:ext cx="1695529" cy="307777"/>
+          </a:xfrm>
+          <a:prstGeom prst="rect">
+            <a:avLst/>
+          </a:prstGeom>
+          <a:noFill/>
+          <a:ln>
+            <a:solidFill>
+              <a:schemeClr val="tx1"/>
+            </a:solidFill>
+          </a:ln>
+        </p:spPr>
+        <p:txBody>
+          <a:bodyPr wrap="none" rtlCol="0">
+            <a:spAutoFit/>
+          </a:bodyPr>
+          <a:lstStyle/>
+          <a:p>
+            <a:r>
+              <a:rPr lang="en-US" sz="1400" b="1" i="1" dirty="0" smtClean="0"/>
+              <a:t>Proof-of-Stake </a:t>
+            </a:r>
+            <a:r>
+              <a:rPr lang="en-US" sz="1400" b="1" dirty="0" smtClean="0"/>
+              <a:t>block</a:t>
+            </a:r>
+            <a:endParaRPr lang="en-US" sz="1400" b="1" dirty="0"/>
+          </a:p>
+        </p:txBody>
+      </p:sp>
+      <p:sp>
+        <p:nvSpPr>
+          <p:cNvPr id="31" name="TextBox 30"/>
+          <p:cNvSpPr txBox="1"/>
+          <p:nvPr/>
+        </p:nvSpPr>
+        <p:spPr>
+          <a:xfrm>
+            <a:off x="3409259" y="4845557"/>
+            <a:ext cx="2259061" cy="830997"/>
+          </a:xfrm>
+          <a:prstGeom prst="rect">
+            <a:avLst/>
+          </a:prstGeom>
+          <a:solidFill>
+            <a:schemeClr val="bg1"/>
+          </a:solidFill>
+          <a:ln w="9525">
+            <a:solidFill>
+              <a:schemeClr val="tx1"/>
+            </a:solidFill>
+          </a:ln>
+        </p:spPr>
+        <p:txBody>
+          <a:bodyPr wrap="square" rtlCol="0">
+            <a:spAutoFit/>
+          </a:bodyPr>
+          <a:lstStyle/>
+          <a:p>
+            <a:r>
+              <a:rPr lang="en-US" sz="1200" i="1" dirty="0" smtClean="0">
+                <a:latin typeface="Consolas" panose="020B0609020204030204" pitchFamily="49" charset="0"/>
+                <a:cs typeface="Consolas" panose="020B0609020204030204" pitchFamily="49" charset="0"/>
+              </a:rPr>
+              <a:t>*     -&gt; Miner</a:t>
+            </a:r>
+          </a:p>
+          <a:p>
+            <a:r>
+              <a:rPr lang="en-US" sz="1200" i="1" dirty="0" smtClean="0">
+                <a:latin typeface="Consolas" panose="020B0609020204030204" pitchFamily="49" charset="0"/>
+                <a:cs typeface="Consolas" panose="020B0609020204030204" pitchFamily="49" charset="0"/>
+              </a:rPr>
+              <a:t>Alice -&gt; Bob</a:t>
+            </a:r>
+          </a:p>
+          <a:p>
+            <a:r>
+              <a:rPr lang="en-US" sz="1200" i="1" dirty="0" smtClean="0">
+                <a:latin typeface="Consolas" panose="020B0609020204030204" pitchFamily="49" charset="0"/>
+                <a:cs typeface="Consolas" panose="020B0609020204030204" pitchFamily="49" charset="0"/>
+              </a:rPr>
+              <a:t>Dave  -&gt; </a:t>
+            </a:r>
+            <a:r>
+              <a:rPr lang="en-US" sz="1200" i="1" dirty="0">
+                <a:solidFill>
+                  <a:srgbClr val="C00000"/>
+                </a:solidFill>
+                <a:latin typeface="Consolas" panose="020B0609020204030204" pitchFamily="49" charset="0"/>
+                <a:cs typeface="Consolas" panose="020B0609020204030204" pitchFamily="49" charset="0"/>
+              </a:rPr>
+              <a:t>[</a:t>
+            </a:r>
+            <a:r>
+              <a:rPr lang="en-US" sz="1200" i="1" dirty="0" smtClean="0">
+                <a:solidFill>
+                  <a:srgbClr val="C00000"/>
+                </a:solidFill>
+                <a:latin typeface="Consolas" panose="020B0609020204030204" pitchFamily="49" charset="0"/>
+                <a:cs typeface="Consolas" panose="020B0609020204030204" pitchFamily="49" charset="0"/>
+              </a:rPr>
+              <a:t>DDoS vic2.com]</a:t>
+            </a:r>
+          </a:p>
+          <a:p>
+            <a:r>
+              <a:rPr lang="en-US" sz="1200" i="1" dirty="0" smtClean="0">
+                <a:latin typeface="Consolas" panose="020B0609020204030204" pitchFamily="49" charset="0"/>
+                <a:cs typeface="Consolas" panose="020B0609020204030204" pitchFamily="49" charset="0"/>
+              </a:rPr>
+              <a:t>         (PAY_TO_DDOS)    </a:t>
+            </a:r>
+          </a:p>
+        </p:txBody>
+      </p:sp>
+      <p:cxnSp>
+        <p:nvCxnSpPr>
+          <p:cNvPr id="32" name="Elbow Connector 31"/>
+          <p:cNvCxnSpPr/>
+          <p:nvPr/>
+        </p:nvCxnSpPr>
+        <p:spPr>
+          <a:xfrm flipV="1">
+            <a:off x="5668320" y="3871706"/>
+            <a:ext cx="794594" cy="413782"/>
+          </a:xfrm>
+          <a:prstGeom prst="bentConnector3">
+            <a:avLst/>
+          </a:prstGeom>
+          <a:ln w="25400">
+            <a:solidFill>
+              <a:schemeClr val="tx1"/>
+            </a:solidFill>
+            <a:tailEnd type="triangle" w="lg" len="lg"/>
+          </a:ln>
+        </p:spPr>
+        <p:style>
+          <a:lnRef idx="1">
+            <a:schemeClr val="accent1"/>
+          </a:lnRef>
+          <a:fillRef idx="0">
+            <a:schemeClr val="accent1"/>
+          </a:fillRef>
+          <a:effectRef idx="0">
+            <a:schemeClr val="accent1"/>
+          </a:effectRef>
+          <a:fontRef idx="minor">
+            <a:schemeClr val="tx1"/>
+          </a:fontRef>
+        </p:style>
+      </p:cxnSp>
+      <p:sp>
+        <p:nvSpPr>
+          <p:cNvPr id="33" name="TextBox 32"/>
+          <p:cNvSpPr txBox="1"/>
+          <p:nvPr/>
+        </p:nvSpPr>
+        <p:spPr>
+          <a:xfrm>
+            <a:off x="6467200" y="4709906"/>
+            <a:ext cx="2259062" cy="646331"/>
+          </a:xfrm>
+          <a:prstGeom prst="rect">
+            <a:avLst/>
+          </a:prstGeom>
+          <a:solidFill>
+            <a:schemeClr val="bg1"/>
+          </a:solidFill>
+          <a:ln w="9525">
+            <a:solidFill>
+              <a:schemeClr val="tx1"/>
+            </a:solidFill>
+          </a:ln>
+        </p:spPr>
+        <p:txBody>
+          <a:bodyPr wrap="square" rtlCol="0">
+            <a:spAutoFit/>
+          </a:bodyPr>
+          <a:lstStyle/>
+          <a:p>
+            <a:r>
+              <a:rPr lang="en-US" sz="1200" i="1" dirty="0" smtClean="0">
+                <a:latin typeface="Consolas" panose="020B0609020204030204" pitchFamily="49" charset="0"/>
+                <a:cs typeface="Consolas" panose="020B0609020204030204" pitchFamily="49" charset="0"/>
+              </a:rPr>
+              <a:t>Bob -&gt; Bob (</a:t>
+            </a:r>
+            <a:r>
+              <a:rPr lang="en-US" sz="1200" i="1" dirty="0" err="1" smtClean="0">
+                <a:latin typeface="Consolas" panose="020B0609020204030204" pitchFamily="49" charset="0"/>
+                <a:cs typeface="Consolas" panose="020B0609020204030204" pitchFamily="49" charset="0"/>
+              </a:rPr>
+              <a:t>coinstake</a:t>
+            </a:r>
+            <a:r>
+              <a:rPr lang="en-US" sz="1200" i="1" dirty="0" smtClean="0">
+                <a:latin typeface="Consolas" panose="020B0609020204030204" pitchFamily="49" charset="0"/>
+                <a:cs typeface="Consolas" panose="020B0609020204030204" pitchFamily="49" charset="0"/>
+              </a:rPr>
+              <a:t>)</a:t>
+            </a:r>
+          </a:p>
+          <a:p>
+            <a:r>
+              <a:rPr lang="en-US" sz="1200" i="1" dirty="0" smtClean="0">
+                <a:solidFill>
+                  <a:srgbClr val="C00000"/>
+                </a:solidFill>
+                <a:latin typeface="Consolas" panose="020B0609020204030204" pitchFamily="49" charset="0"/>
+                <a:cs typeface="Consolas" panose="020B0609020204030204" pitchFamily="49" charset="0"/>
+              </a:rPr>
+              <a:t>[DDoS vic2.com] </a:t>
+            </a:r>
+            <a:r>
+              <a:rPr lang="en-US" sz="1200" i="1" dirty="0" smtClean="0">
+                <a:latin typeface="Consolas" panose="020B0609020204030204" pitchFamily="49" charset="0"/>
+                <a:cs typeface="Consolas" panose="020B0609020204030204" pitchFamily="49" charset="0"/>
+              </a:rPr>
+              <a:t>-&gt; Eve</a:t>
+            </a:r>
+          </a:p>
+          <a:p>
+            <a:r>
+              <a:rPr lang="en-US" sz="1200" i="1" dirty="0" smtClean="0">
+                <a:latin typeface="Consolas" panose="020B0609020204030204" pitchFamily="49" charset="0"/>
+                <a:cs typeface="Consolas" panose="020B0609020204030204" pitchFamily="49" charset="0"/>
+              </a:rPr>
+              <a:t>(PAY_TO_DDOS)    {proof}</a:t>
+            </a:r>
+          </a:p>
+        </p:txBody>
+      </p:sp>
+      <p:sp>
+        <p:nvSpPr>
+          <p:cNvPr id="34" name="Rectangle 33"/>
+          <p:cNvSpPr/>
+          <p:nvPr/>
+        </p:nvSpPr>
+        <p:spPr>
+          <a:xfrm>
+            <a:off x="5872382" y="4002397"/>
+            <a:ext cx="424934" cy="174109"/>
+          </a:xfrm>
+          <a:prstGeom prst="rect">
+            <a:avLst/>
+          </a:prstGeom>
+          <a:solidFill>
+            <a:schemeClr val="bg1"/>
+          </a:solidFill>
+          <a:ln>
+            <a:solidFill>
+              <a:schemeClr val="bg1"/>
+            </a:solidFill>
+          </a:ln>
+        </p:spPr>
+        <p:style>
+          <a:lnRef idx="2">
+            <a:schemeClr val="accent1">
+              <a:shade val="50000"/>
+            </a:schemeClr>
+          </a:lnRef>
+          <a:fillRef idx="1">
+            <a:schemeClr val="accent1"/>
+          </a:fillRef>
+          <a:effectRef idx="0">
+            <a:schemeClr val="accent1"/>
+          </a:effectRef>
+          <a:fontRef idx="minor">
+            <a:schemeClr val="lt1"/>
+          </a:fontRef>
+        </p:style>
+        <p:txBody>
+          <a:bodyPr rtlCol="0" anchor="ctr"/>
+          <a:lstStyle/>
+          <a:p>
+            <a:pPr algn="ctr"/>
+            <a:endParaRPr lang="en-US" dirty="0">
+              <a:solidFill>
+                <a:schemeClr val="tx1"/>
+              </a:solidFill>
+            </a:endParaRPr>
+          </a:p>
+        </p:txBody>
+      </p:sp>
+      <p:sp>
+        <p:nvSpPr>
+          <p:cNvPr id="35" name="TextBox 34"/>
+          <p:cNvSpPr txBox="1"/>
+          <p:nvPr/>
+        </p:nvSpPr>
+        <p:spPr>
+          <a:xfrm>
+            <a:off x="5903616" y="3826224"/>
+            <a:ext cx="343364" cy="369332"/>
+          </a:xfrm>
+          <a:prstGeom prst="rect">
+            <a:avLst/>
+          </a:prstGeom>
+          <a:noFill/>
+        </p:spPr>
+        <p:txBody>
+          <a:bodyPr wrap="none" rtlCol="0">
+            <a:spAutoFit/>
+          </a:bodyPr>
+          <a:lstStyle/>
+          <a:p>
+            <a:r>
+              <a:rPr lang="en-US" dirty="0" smtClean="0"/>
+              <a:t>…</a:t>
+            </a:r>
+            <a:endParaRPr lang="en-US" dirty="0"/>
+          </a:p>
+        </p:txBody>
+      </p:sp>
     </p:spTree>
+    <p:custDataLst>
+      <p:tags r:id="rId1"/>
+    </p:custDataLst>
     <p:extLst>
       <p:ext uri="{BB962C8B-B14F-4D97-AF65-F5344CB8AC3E}">
-        <p14:creationId xmlns:p14="http://schemas.microsoft.com/office/powerpoint/2010/main" val="779625435"/>
+        <p14:creationId xmlns:p14="http://schemas.microsoft.com/office/powerpoint/2010/main" val="90264216"/>
       </p:ext>
     </p:extLst>
   </p:cSld>
@@ -6061,18 +7390,810 @@
   </p:clrMapOvr>
   <mc:AlternateContent xmlns:mc="http://schemas.openxmlformats.org/markup-compatibility/2006">
     <mc:Choice xmlns:p14="http://schemas.microsoft.com/office/powerpoint/2010/main" Requires="p14">
-      <p:transition spd="slow" p14:dur="2000" advTm="156465"/>
+      <p:transition spd="slow" p14:dur="2000" advTm="145226"/>
     </mc:Choice>
     <mc:Fallback>
-      <p:transition spd="slow" advTm="156465"/>
+      <p:transition spd="slow" advTm="145226"/>
     </mc:Fallback>
   </mc:AlternateContent>
   <p:timing>
     <p:tnLst>
       <p:par>
-        <p:cTn id="1" dur="indefinite" restart="never" nodeType="tmRoot"/>
+        <p:cTn id="1" dur="indefinite" restart="never" nodeType="tmRoot">
+          <p:childTnLst>
+            <p:seq concurrent="1" nextAc="seek">
+              <p:cTn id="2" dur="indefinite" nodeType="mainSeq">
+                <p:childTnLst>
+                  <p:par>
+                    <p:cTn id="3" fill="hold">
+                      <p:stCondLst>
+                        <p:cond delay="indefinite"/>
+                      </p:stCondLst>
+                      <p:childTnLst>
+                        <p:par>
+                          <p:cTn id="4" fill="hold">
+                            <p:stCondLst>
+                              <p:cond delay="0"/>
+                            </p:stCondLst>
+                            <p:childTnLst>
+                              <p:par>
+                                <p:cTn id="5" presetID="1" presetClass="entr" presetSubtype="0" fill="hold" grpId="0" nodeType="clickEffect">
+                                  <p:stCondLst>
+                                    <p:cond delay="0"/>
+                                  </p:stCondLst>
+                                  <p:childTnLst>
+                                    <p:set>
+                                      <p:cBhvr>
+                                        <p:cTn id="6" dur="1" fill="hold">
+                                          <p:stCondLst>
+                                            <p:cond delay="0"/>
+                                          </p:stCondLst>
+                                        </p:cTn>
+                                        <p:tgtEl>
+                                          <p:spTgt spid="24"/>
+                                        </p:tgtEl>
+                                        <p:attrNameLst>
+                                          <p:attrName>style.visibility</p:attrName>
+                                        </p:attrNameLst>
+                                      </p:cBhvr>
+                                      <p:to>
+                                        <p:strVal val="visible"/>
+                                      </p:to>
+                                    </p:set>
+                                  </p:childTnLst>
+                                </p:cTn>
+                              </p:par>
+                              <p:par>
+                                <p:cTn id="7" presetID="1" presetClass="entr" presetSubtype="0" fill="hold" grpId="0" nodeType="withEffect">
+                                  <p:stCondLst>
+                                    <p:cond delay="0"/>
+                                  </p:stCondLst>
+                                  <p:childTnLst>
+                                    <p:set>
+                                      <p:cBhvr>
+                                        <p:cTn id="8" dur="1" fill="hold">
+                                          <p:stCondLst>
+                                            <p:cond delay="0"/>
+                                          </p:stCondLst>
+                                        </p:cTn>
+                                        <p:tgtEl>
+                                          <p:spTgt spid="25"/>
+                                        </p:tgtEl>
+                                        <p:attrNameLst>
+                                          <p:attrName>style.visibility</p:attrName>
+                                        </p:attrNameLst>
+                                      </p:cBhvr>
+                                      <p:to>
+                                        <p:strVal val="visible"/>
+                                      </p:to>
+                                    </p:set>
+                                  </p:childTnLst>
+                                </p:cTn>
+                              </p:par>
+                              <p:par>
+                                <p:cTn id="9" presetID="1" presetClass="entr" presetSubtype="0" fill="hold" grpId="0" nodeType="withEffect">
+                                  <p:stCondLst>
+                                    <p:cond delay="0"/>
+                                  </p:stCondLst>
+                                  <p:childTnLst>
+                                    <p:set>
+                                      <p:cBhvr>
+                                        <p:cTn id="10" dur="1" fill="hold">
+                                          <p:stCondLst>
+                                            <p:cond delay="0"/>
+                                          </p:stCondLst>
+                                        </p:cTn>
+                                        <p:tgtEl>
+                                          <p:spTgt spid="26"/>
+                                        </p:tgtEl>
+                                        <p:attrNameLst>
+                                          <p:attrName>style.visibility</p:attrName>
+                                        </p:attrNameLst>
+                                      </p:cBhvr>
+                                      <p:to>
+                                        <p:strVal val="visible"/>
+                                      </p:to>
+                                    </p:set>
+                                  </p:childTnLst>
+                                </p:cTn>
+                              </p:par>
+                              <p:par>
+                                <p:cTn id="11" presetID="1" presetClass="entr" presetSubtype="0" fill="hold" grpId="0" nodeType="withEffect">
+                                  <p:stCondLst>
+                                    <p:cond delay="0"/>
+                                  </p:stCondLst>
+                                  <p:childTnLst>
+                                    <p:set>
+                                      <p:cBhvr>
+                                        <p:cTn id="12" dur="1" fill="hold">
+                                          <p:stCondLst>
+                                            <p:cond delay="0"/>
+                                          </p:stCondLst>
+                                        </p:cTn>
+                                        <p:tgtEl>
+                                          <p:spTgt spid="31"/>
+                                        </p:tgtEl>
+                                        <p:attrNameLst>
+                                          <p:attrName>style.visibility</p:attrName>
+                                        </p:attrNameLst>
+                                      </p:cBhvr>
+                                      <p:to>
+                                        <p:strVal val="visible"/>
+                                      </p:to>
+                                    </p:set>
+                                  </p:childTnLst>
+                                </p:cTn>
+                              </p:par>
+                            </p:childTnLst>
+                          </p:cTn>
+                        </p:par>
+                      </p:childTnLst>
+                    </p:cTn>
+                  </p:par>
+                  <p:par>
+                    <p:cTn id="13" fill="hold">
+                      <p:stCondLst>
+                        <p:cond delay="indefinite"/>
+                      </p:stCondLst>
+                      <p:childTnLst>
+                        <p:par>
+                          <p:cTn id="14" fill="hold">
+                            <p:stCondLst>
+                              <p:cond delay="0"/>
+                            </p:stCondLst>
+                            <p:childTnLst>
+                              <p:par>
+                                <p:cTn id="15" presetID="1" presetClass="entr" presetSubtype="0" fill="hold" grpId="0" nodeType="clickEffect">
+                                  <p:stCondLst>
+                                    <p:cond delay="0"/>
+                                  </p:stCondLst>
+                                  <p:childTnLst>
+                                    <p:set>
+                                      <p:cBhvr>
+                                        <p:cTn id="16" dur="1" fill="hold">
+                                          <p:stCondLst>
+                                            <p:cond delay="0"/>
+                                          </p:stCondLst>
+                                        </p:cTn>
+                                        <p:tgtEl>
+                                          <p:spTgt spid="28"/>
+                                        </p:tgtEl>
+                                        <p:attrNameLst>
+                                          <p:attrName>style.visibility</p:attrName>
+                                        </p:attrNameLst>
+                                      </p:cBhvr>
+                                      <p:to>
+                                        <p:strVal val="visible"/>
+                                      </p:to>
+                                    </p:set>
+                                  </p:childTnLst>
+                                </p:cTn>
+                              </p:par>
+                              <p:par>
+                                <p:cTn id="17" presetID="1" presetClass="entr" presetSubtype="0" fill="hold" grpId="0" nodeType="withEffect">
+                                  <p:stCondLst>
+                                    <p:cond delay="0"/>
+                                  </p:stCondLst>
+                                  <p:childTnLst>
+                                    <p:set>
+                                      <p:cBhvr>
+                                        <p:cTn id="18" dur="1" fill="hold">
+                                          <p:stCondLst>
+                                            <p:cond delay="0"/>
+                                          </p:stCondLst>
+                                        </p:cTn>
+                                        <p:tgtEl>
+                                          <p:spTgt spid="29"/>
+                                        </p:tgtEl>
+                                        <p:attrNameLst>
+                                          <p:attrName>style.visibility</p:attrName>
+                                        </p:attrNameLst>
+                                      </p:cBhvr>
+                                      <p:to>
+                                        <p:strVal val="visible"/>
+                                      </p:to>
+                                    </p:set>
+                                  </p:childTnLst>
+                                </p:cTn>
+                              </p:par>
+                              <p:par>
+                                <p:cTn id="19" presetID="1" presetClass="entr" presetSubtype="0" fill="hold" grpId="0" nodeType="withEffect">
+                                  <p:stCondLst>
+                                    <p:cond delay="0"/>
+                                  </p:stCondLst>
+                                  <p:childTnLst>
+                                    <p:set>
+                                      <p:cBhvr>
+                                        <p:cTn id="20" dur="1" fill="hold">
+                                          <p:stCondLst>
+                                            <p:cond delay="0"/>
+                                          </p:stCondLst>
+                                        </p:cTn>
+                                        <p:tgtEl>
+                                          <p:spTgt spid="30"/>
+                                        </p:tgtEl>
+                                        <p:attrNameLst>
+                                          <p:attrName>style.visibility</p:attrName>
+                                        </p:attrNameLst>
+                                      </p:cBhvr>
+                                      <p:to>
+                                        <p:strVal val="visible"/>
+                                      </p:to>
+                                    </p:set>
+                                  </p:childTnLst>
+                                </p:cTn>
+                              </p:par>
+                              <p:par>
+                                <p:cTn id="21" presetID="1" presetClass="entr" presetSubtype="0" fill="hold" nodeType="withEffect">
+                                  <p:stCondLst>
+                                    <p:cond delay="0"/>
+                                  </p:stCondLst>
+                                  <p:childTnLst>
+                                    <p:set>
+                                      <p:cBhvr>
+                                        <p:cTn id="22" dur="1" fill="hold">
+                                          <p:stCondLst>
+                                            <p:cond delay="0"/>
+                                          </p:stCondLst>
+                                        </p:cTn>
+                                        <p:tgtEl>
+                                          <p:spTgt spid="32"/>
+                                        </p:tgtEl>
+                                        <p:attrNameLst>
+                                          <p:attrName>style.visibility</p:attrName>
+                                        </p:attrNameLst>
+                                      </p:cBhvr>
+                                      <p:to>
+                                        <p:strVal val="visible"/>
+                                      </p:to>
+                                    </p:set>
+                                  </p:childTnLst>
+                                </p:cTn>
+                              </p:par>
+                              <p:par>
+                                <p:cTn id="23" presetID="1" presetClass="entr" presetSubtype="0" fill="hold" grpId="0" nodeType="withEffect">
+                                  <p:stCondLst>
+                                    <p:cond delay="0"/>
+                                  </p:stCondLst>
+                                  <p:childTnLst>
+                                    <p:set>
+                                      <p:cBhvr>
+                                        <p:cTn id="24" dur="1" fill="hold">
+                                          <p:stCondLst>
+                                            <p:cond delay="0"/>
+                                          </p:stCondLst>
+                                        </p:cTn>
+                                        <p:tgtEl>
+                                          <p:spTgt spid="33"/>
+                                        </p:tgtEl>
+                                        <p:attrNameLst>
+                                          <p:attrName>style.visibility</p:attrName>
+                                        </p:attrNameLst>
+                                      </p:cBhvr>
+                                      <p:to>
+                                        <p:strVal val="visible"/>
+                                      </p:to>
+                                    </p:set>
+                                  </p:childTnLst>
+                                </p:cTn>
+                              </p:par>
+                              <p:par>
+                                <p:cTn id="25" presetID="1" presetClass="entr" presetSubtype="0" fill="hold" grpId="0" nodeType="withEffect">
+                                  <p:stCondLst>
+                                    <p:cond delay="0"/>
+                                  </p:stCondLst>
+                                  <p:childTnLst>
+                                    <p:set>
+                                      <p:cBhvr>
+                                        <p:cTn id="26" dur="1" fill="hold">
+                                          <p:stCondLst>
+                                            <p:cond delay="0"/>
+                                          </p:stCondLst>
+                                        </p:cTn>
+                                        <p:tgtEl>
+                                          <p:spTgt spid="34"/>
+                                        </p:tgtEl>
+                                        <p:attrNameLst>
+                                          <p:attrName>style.visibility</p:attrName>
+                                        </p:attrNameLst>
+                                      </p:cBhvr>
+                                      <p:to>
+                                        <p:strVal val="visible"/>
+                                      </p:to>
+                                    </p:set>
+                                  </p:childTnLst>
+                                </p:cTn>
+                              </p:par>
+                              <p:par>
+                                <p:cTn id="27" presetID="1" presetClass="entr" presetSubtype="0" fill="hold" grpId="0" nodeType="withEffect">
+                                  <p:stCondLst>
+                                    <p:cond delay="0"/>
+                                  </p:stCondLst>
+                                  <p:childTnLst>
+                                    <p:set>
+                                      <p:cBhvr>
+                                        <p:cTn id="28" dur="1" fill="hold">
+                                          <p:stCondLst>
+                                            <p:cond delay="0"/>
+                                          </p:stCondLst>
+                                        </p:cTn>
+                                        <p:tgtEl>
+                                          <p:spTgt spid="35"/>
+                                        </p:tgtEl>
+                                        <p:attrNameLst>
+                                          <p:attrName>style.visibility</p:attrName>
+                                        </p:attrNameLst>
+                                      </p:cBhvr>
+                                      <p:to>
+                                        <p:strVal val="visible"/>
+                                      </p:to>
+                                    </p:set>
+                                  </p:childTnLst>
+                                </p:cTn>
+                              </p:par>
+                            </p:childTnLst>
+                          </p:cTn>
+                        </p:par>
+                      </p:childTnLst>
+                    </p:cTn>
+                  </p:par>
+                  <p:par>
+                    <p:cTn id="29" fill="hold">
+                      <p:stCondLst>
+                        <p:cond delay="indefinite"/>
+                      </p:stCondLst>
+                      <p:childTnLst>
+                        <p:par>
+                          <p:cTn id="30" fill="hold">
+                            <p:stCondLst>
+                              <p:cond delay="0"/>
+                            </p:stCondLst>
+                            <p:childTnLst>
+                              <p:par>
+                                <p:cTn id="31" presetID="1" presetClass="entr" presetSubtype="0" fill="hold" grpId="0" nodeType="clickEffect">
+                                  <p:stCondLst>
+                                    <p:cond delay="0"/>
+                                  </p:stCondLst>
+                                  <p:childTnLst>
+                                    <p:set>
+                                      <p:cBhvr>
+                                        <p:cTn id="32" dur="1" fill="hold">
+                                          <p:stCondLst>
+                                            <p:cond delay="0"/>
+                                          </p:stCondLst>
+                                        </p:cTn>
+                                        <p:tgtEl>
+                                          <p:spTgt spid="11"/>
+                                        </p:tgtEl>
+                                        <p:attrNameLst>
+                                          <p:attrName>style.visibility</p:attrName>
+                                        </p:attrNameLst>
+                                      </p:cBhvr>
+                                      <p:to>
+                                        <p:strVal val="visible"/>
+                                      </p:to>
+                                    </p:set>
+                                  </p:childTnLst>
+                                </p:cTn>
+                              </p:par>
+                            </p:childTnLst>
+                          </p:cTn>
+                        </p:par>
+                      </p:childTnLst>
+                    </p:cTn>
+                  </p:par>
+                  <p:par>
+                    <p:cTn id="33" fill="hold">
+                      <p:stCondLst>
+                        <p:cond delay="indefinite"/>
+                      </p:stCondLst>
+                      <p:childTnLst>
+                        <p:par>
+                          <p:cTn id="34" fill="hold">
+                            <p:stCondLst>
+                              <p:cond delay="0"/>
+                            </p:stCondLst>
+                            <p:childTnLst>
+                              <p:par>
+                                <p:cTn id="35" presetID="1" presetClass="entr" presetSubtype="0" fill="hold" grpId="0" nodeType="clickEffect">
+                                  <p:stCondLst>
+                                    <p:cond delay="0"/>
+                                  </p:stCondLst>
+                                  <p:childTnLst>
+                                    <p:set>
+                                      <p:cBhvr>
+                                        <p:cTn id="36" dur="1" fill="hold">
+                                          <p:stCondLst>
+                                            <p:cond delay="0"/>
+                                          </p:stCondLst>
+                                        </p:cTn>
+                                        <p:tgtEl>
+                                          <p:spTgt spid="9"/>
+                                        </p:tgtEl>
+                                        <p:attrNameLst>
+                                          <p:attrName>style.visibility</p:attrName>
+                                        </p:attrNameLst>
+                                      </p:cBhvr>
+                                      <p:to>
+                                        <p:strVal val="visible"/>
+                                      </p:to>
+                                    </p:set>
+                                  </p:childTnLst>
+                                </p:cTn>
+                              </p:par>
+                            </p:childTnLst>
+                          </p:cTn>
+                        </p:par>
+                      </p:childTnLst>
+                    </p:cTn>
+                  </p:par>
+                  <p:par>
+                    <p:cTn id="37" fill="hold">
+                      <p:stCondLst>
+                        <p:cond delay="indefinite"/>
+                      </p:stCondLst>
+                      <p:childTnLst>
+                        <p:par>
+                          <p:cTn id="38" fill="hold">
+                            <p:stCondLst>
+                              <p:cond delay="0"/>
+                            </p:stCondLst>
+                            <p:childTnLst>
+                              <p:par>
+                                <p:cTn id="39" presetID="1" presetClass="exit" presetSubtype="0" fill="hold" grpId="1" nodeType="clickEffect">
+                                  <p:stCondLst>
+                                    <p:cond delay="0"/>
+                                  </p:stCondLst>
+                                  <p:childTnLst>
+                                    <p:set>
+                                      <p:cBhvr>
+                                        <p:cTn id="40" dur="1" fill="hold">
+                                          <p:stCondLst>
+                                            <p:cond delay="0"/>
+                                          </p:stCondLst>
+                                        </p:cTn>
+                                        <p:tgtEl>
+                                          <p:spTgt spid="9"/>
+                                        </p:tgtEl>
+                                        <p:attrNameLst>
+                                          <p:attrName>style.visibility</p:attrName>
+                                        </p:attrNameLst>
+                                      </p:cBhvr>
+                                      <p:to>
+                                        <p:strVal val="hidden"/>
+                                      </p:to>
+                                    </p:set>
+                                  </p:childTnLst>
+                                </p:cTn>
+                              </p:par>
+                            </p:childTnLst>
+                          </p:cTn>
+                        </p:par>
+                      </p:childTnLst>
+                    </p:cTn>
+                  </p:par>
+                  <p:par>
+                    <p:cTn id="41" fill="hold">
+                      <p:stCondLst>
+                        <p:cond delay="indefinite"/>
+                      </p:stCondLst>
+                      <p:childTnLst>
+                        <p:par>
+                          <p:cTn id="42" fill="hold">
+                            <p:stCondLst>
+                              <p:cond delay="0"/>
+                            </p:stCondLst>
+                            <p:childTnLst>
+                              <p:par>
+                                <p:cTn id="43" presetID="1" presetClass="exit" presetSubtype="0" fill="hold" grpId="1" nodeType="clickEffect">
+                                  <p:stCondLst>
+                                    <p:cond delay="0"/>
+                                  </p:stCondLst>
+                                  <p:childTnLst>
+                                    <p:set>
+                                      <p:cBhvr>
+                                        <p:cTn id="44" dur="1" fill="hold">
+                                          <p:stCondLst>
+                                            <p:cond delay="0"/>
+                                          </p:stCondLst>
+                                        </p:cTn>
+                                        <p:tgtEl>
+                                          <p:spTgt spid="11"/>
+                                        </p:tgtEl>
+                                        <p:attrNameLst>
+                                          <p:attrName>style.visibility</p:attrName>
+                                        </p:attrNameLst>
+                                      </p:cBhvr>
+                                      <p:to>
+                                        <p:strVal val="hidden"/>
+                                      </p:to>
+                                    </p:set>
+                                  </p:childTnLst>
+                                </p:cTn>
+                              </p:par>
+                            </p:childTnLst>
+                          </p:cTn>
+                        </p:par>
+                      </p:childTnLst>
+                    </p:cTn>
+                  </p:par>
+                  <p:par>
+                    <p:cTn id="45" fill="hold">
+                      <p:stCondLst>
+                        <p:cond delay="indefinite"/>
+                      </p:stCondLst>
+                      <p:childTnLst>
+                        <p:par>
+                          <p:cTn id="46" fill="hold">
+                            <p:stCondLst>
+                              <p:cond delay="0"/>
+                            </p:stCondLst>
+                            <p:childTnLst>
+                              <p:par>
+                                <p:cTn id="47" presetID="1" presetClass="entr" presetSubtype="0" fill="hold" grpId="0" nodeType="clickEffect">
+                                  <p:stCondLst>
+                                    <p:cond delay="0"/>
+                                  </p:stCondLst>
+                                  <p:childTnLst>
+                                    <p:set>
+                                      <p:cBhvr>
+                                        <p:cTn id="48" dur="1" fill="hold">
+                                          <p:stCondLst>
+                                            <p:cond delay="0"/>
+                                          </p:stCondLst>
+                                        </p:cTn>
+                                        <p:tgtEl>
+                                          <p:spTgt spid="10"/>
+                                        </p:tgtEl>
+                                        <p:attrNameLst>
+                                          <p:attrName>style.visibility</p:attrName>
+                                        </p:attrNameLst>
+                                      </p:cBhvr>
+                                      <p:to>
+                                        <p:strVal val="visible"/>
+                                      </p:to>
+                                    </p:set>
+                                  </p:childTnLst>
+                                </p:cTn>
+                              </p:par>
+                            </p:childTnLst>
+                          </p:cTn>
+                        </p:par>
+                      </p:childTnLst>
+                    </p:cTn>
+                  </p:par>
+                  <p:par>
+                    <p:cTn id="49" fill="hold">
+                      <p:stCondLst>
+                        <p:cond delay="indefinite"/>
+                      </p:stCondLst>
+                      <p:childTnLst>
+                        <p:par>
+                          <p:cTn id="50" fill="hold">
+                            <p:stCondLst>
+                              <p:cond delay="0"/>
+                            </p:stCondLst>
+                            <p:childTnLst>
+                              <p:par>
+                                <p:cTn id="51" presetID="1" presetClass="entr" presetSubtype="0" fill="hold" grpId="0" nodeType="clickEffect">
+                                  <p:stCondLst>
+                                    <p:cond delay="0"/>
+                                  </p:stCondLst>
+                                  <p:childTnLst>
+                                    <p:set>
+                                      <p:cBhvr>
+                                        <p:cTn id="52" dur="1" fill="hold">
+                                          <p:stCondLst>
+                                            <p:cond delay="0"/>
+                                          </p:stCondLst>
+                                        </p:cTn>
+                                        <p:tgtEl>
+                                          <p:spTgt spid="7"/>
+                                        </p:tgtEl>
+                                        <p:attrNameLst>
+                                          <p:attrName>style.visibility</p:attrName>
+                                        </p:attrNameLst>
+                                      </p:cBhvr>
+                                      <p:to>
+                                        <p:strVal val="visible"/>
+                                      </p:to>
+                                    </p:set>
+                                  </p:childTnLst>
+                                </p:cTn>
+                              </p:par>
+                              <p:par>
+                                <p:cTn id="53" presetID="1" presetClass="entr" presetSubtype="0" fill="hold" grpId="0" nodeType="withEffect">
+                                  <p:stCondLst>
+                                    <p:cond delay="0"/>
+                                  </p:stCondLst>
+                                  <p:childTnLst>
+                                    <p:set>
+                                      <p:cBhvr>
+                                        <p:cTn id="54" dur="1" fill="hold">
+                                          <p:stCondLst>
+                                            <p:cond delay="0"/>
+                                          </p:stCondLst>
+                                        </p:cTn>
+                                        <p:tgtEl>
+                                          <p:spTgt spid="8"/>
+                                        </p:tgtEl>
+                                        <p:attrNameLst>
+                                          <p:attrName>style.visibility</p:attrName>
+                                        </p:attrNameLst>
+                                      </p:cBhvr>
+                                      <p:to>
+                                        <p:strVal val="visible"/>
+                                      </p:to>
+                                    </p:set>
+                                  </p:childTnLst>
+                                </p:cTn>
+                              </p:par>
+                            </p:childTnLst>
+                          </p:cTn>
+                        </p:par>
+                      </p:childTnLst>
+                    </p:cTn>
+                  </p:par>
+                  <p:par>
+                    <p:cTn id="55" fill="hold">
+                      <p:stCondLst>
+                        <p:cond delay="indefinite"/>
+                      </p:stCondLst>
+                      <p:childTnLst>
+                        <p:par>
+                          <p:cTn id="56" fill="hold">
+                            <p:stCondLst>
+                              <p:cond delay="0"/>
+                            </p:stCondLst>
+                            <p:childTnLst>
+                              <p:par>
+                                <p:cTn id="57" presetID="1" presetClass="exit" presetSubtype="0" fill="hold" grpId="1" nodeType="clickEffect">
+                                  <p:stCondLst>
+                                    <p:cond delay="0"/>
+                                  </p:stCondLst>
+                                  <p:childTnLst>
+                                    <p:set>
+                                      <p:cBhvr>
+                                        <p:cTn id="58" dur="1" fill="hold">
+                                          <p:stCondLst>
+                                            <p:cond delay="0"/>
+                                          </p:stCondLst>
+                                        </p:cTn>
+                                        <p:tgtEl>
+                                          <p:spTgt spid="8"/>
+                                        </p:tgtEl>
+                                        <p:attrNameLst>
+                                          <p:attrName>style.visibility</p:attrName>
+                                        </p:attrNameLst>
+                                      </p:cBhvr>
+                                      <p:to>
+                                        <p:strVal val="hidden"/>
+                                      </p:to>
+                                    </p:set>
+                                  </p:childTnLst>
+                                </p:cTn>
+                              </p:par>
+                              <p:par>
+                                <p:cTn id="59" presetID="1" presetClass="exit" presetSubtype="0" fill="hold" grpId="1" nodeType="withEffect">
+                                  <p:stCondLst>
+                                    <p:cond delay="0"/>
+                                  </p:stCondLst>
+                                  <p:childTnLst>
+                                    <p:set>
+                                      <p:cBhvr>
+                                        <p:cTn id="60" dur="1" fill="hold">
+                                          <p:stCondLst>
+                                            <p:cond delay="0"/>
+                                          </p:stCondLst>
+                                        </p:cTn>
+                                        <p:tgtEl>
+                                          <p:spTgt spid="7"/>
+                                        </p:tgtEl>
+                                        <p:attrNameLst>
+                                          <p:attrName>style.visibility</p:attrName>
+                                        </p:attrNameLst>
+                                      </p:cBhvr>
+                                      <p:to>
+                                        <p:strVal val="hidden"/>
+                                      </p:to>
+                                    </p:set>
+                                  </p:childTnLst>
+                                </p:cTn>
+                              </p:par>
+                            </p:childTnLst>
+                          </p:cTn>
+                        </p:par>
+                      </p:childTnLst>
+                    </p:cTn>
+                  </p:par>
+                  <p:par>
+                    <p:cTn id="61" fill="hold">
+                      <p:stCondLst>
+                        <p:cond delay="indefinite"/>
+                      </p:stCondLst>
+                      <p:childTnLst>
+                        <p:par>
+                          <p:cTn id="62" fill="hold">
+                            <p:stCondLst>
+                              <p:cond delay="0"/>
+                            </p:stCondLst>
+                            <p:childTnLst>
+                              <p:par>
+                                <p:cTn id="63" presetID="1" presetClass="exit" presetSubtype="0" fill="hold" grpId="1" nodeType="clickEffect">
+                                  <p:stCondLst>
+                                    <p:cond delay="0"/>
+                                  </p:stCondLst>
+                                  <p:childTnLst>
+                                    <p:set>
+                                      <p:cBhvr>
+                                        <p:cTn id="64" dur="1" fill="hold">
+                                          <p:stCondLst>
+                                            <p:cond delay="0"/>
+                                          </p:stCondLst>
+                                        </p:cTn>
+                                        <p:tgtEl>
+                                          <p:spTgt spid="10"/>
+                                        </p:tgtEl>
+                                        <p:attrNameLst>
+                                          <p:attrName>style.visibility</p:attrName>
+                                        </p:attrNameLst>
+                                      </p:cBhvr>
+                                      <p:to>
+                                        <p:strVal val="hidden"/>
+                                      </p:to>
+                                    </p:set>
+                                  </p:childTnLst>
+                                </p:cTn>
+                              </p:par>
+                            </p:childTnLst>
+                          </p:cTn>
+                        </p:par>
+                      </p:childTnLst>
+                    </p:cTn>
+                  </p:par>
+                </p:childTnLst>
+              </p:cTn>
+              <p:prevCondLst>
+                <p:cond evt="onPrev" delay="0">
+                  <p:tgtEl>
+                    <p:sldTgt/>
+                  </p:tgtEl>
+                </p:cond>
+              </p:prevCondLst>
+              <p:nextCondLst>
+                <p:cond evt="onNext" delay="0">
+                  <p:tgtEl>
+                    <p:sldTgt/>
+                  </p:tgtEl>
+                </p:cond>
+              </p:nextCondLst>
+            </p:seq>
+          </p:childTnLst>
+        </p:cTn>
       </p:par>
     </p:tnLst>
+    <p:bldLst>
+      <p:bldP spid="7" grpId="0" animBg="1"/>
+      <p:bldP spid="7" grpId="1" animBg="1"/>
+      <p:bldP spid="8" grpId="0" animBg="1"/>
+      <p:bldP spid="8" grpId="1" animBg="1"/>
+      <p:bldP spid="9" grpId="0" animBg="1"/>
+      <p:bldP spid="9" grpId="1" animBg="1"/>
+      <p:bldP spid="10" grpId="0"/>
+      <p:bldP spid="10" grpId="1"/>
+      <p:bldP spid="11" grpId="0"/>
+      <p:bldP spid="11" grpId="1"/>
+      <p:bldP spid="24" grpId="0" animBg="1"/>
+      <p:bldP spid="25" grpId="0"/>
+      <p:bldP spid="26" grpId="0" animBg="1"/>
+      <p:bldP spid="28" grpId="0" animBg="1"/>
+      <p:bldP spid="29" grpId="0"/>
+      <p:bldP spid="30" grpId="0" animBg="1"/>
+      <p:bldP spid="31" grpId="0" animBg="1"/>
+      <p:bldP spid="33" grpId="0" animBg="1"/>
+      <p:bldP spid="34" grpId="0" animBg="1"/>
+      <p:bldP spid="35" grpId="0"/>
+    </p:bldLst>
   </p:timing>
 </p:sld>
 </file>
@@ -6111,7 +8232,7 @@
           <a:p>
             <a:r>
               <a:rPr lang="en-US" dirty="0" smtClean="0"/>
-              <a:t>Proof-of-Work Implementation</a:t>
+              <a:t>Target Difficulty </a:t>
             </a:r>
             <a:endParaRPr lang="en-US" dirty="0"/>
           </a:p>
@@ -6124,61 +8245,59 @@
             <a:spLocks noGrp="1"/>
           </p:cNvSpPr>
           <p:nvPr>
-            <p:ph sz="half" idx="1"/>
-          </p:nvPr>
-        </p:nvSpPr>
-        <p:spPr>
-          <a:xfrm>
-            <a:off x="838200" y="1825625"/>
-            <a:ext cx="5368636" cy="4351338"/>
-          </a:xfrm>
-        </p:spPr>
-        <p:txBody>
-          <a:bodyPr/>
-          <a:lstStyle/>
-          <a:p>
-            <a:pPr marL="0" indent="0">
-              <a:buNone/>
-            </a:pPr>
-            <a:endParaRPr lang="en-US" dirty="0" smtClean="0"/>
-          </a:p>
-          <a:p>
-            <a:endParaRPr lang="tr-TR" dirty="0" smtClean="0"/>
-          </a:p>
-        </p:txBody>
-      </p:sp>
-      <p:pic>
-        <p:nvPicPr>
-          <p:cNvPr id="5" name="Content Placeholder 3"/>
-          <p:cNvPicPr>
-            <a:picLocks noGrp="1" noChangeAspect="1"/>
-          </p:cNvPicPr>
-          <p:nvPr>
-            <p:ph sz="half" idx="2"/>
-          </p:nvPr>
-        </p:nvPicPr>
-        <p:blipFill>
-          <a:blip r:embed="rId3">
-            <a:extLst>
-              <a:ext uri="{28A0092B-C50C-407E-A947-70E740481C1C}">
-                <a14:useLocalDpi xmlns:a14="http://schemas.microsoft.com/office/drawing/2010/main" val="0"/>
-              </a:ext>
-            </a:extLst>
-          </a:blip>
-          <a:stretch>
-            <a:fillRect/>
-          </a:stretch>
-        </p:blipFill>
-        <p:spPr>
-          <a:xfrm>
-            <a:off x="1801783" y="1704940"/>
-            <a:ext cx="8588433" cy="5153060"/>
-          </a:xfrm>
-        </p:spPr>
-      </p:pic>
-      <p:sp>
-        <p:nvSpPr>
-          <p:cNvPr id="6" name="Slide Number Placeholder 5"/>
+            <p:ph idx="1"/>
+          </p:nvPr>
+        </p:nvSpPr>
+        <p:spPr/>
+        <p:txBody>
+          <a:bodyPr/>
+          <a:lstStyle/>
+          <a:p>
+            <a:r>
+              <a:rPr lang="en-US" dirty="0" smtClean="0"/>
+              <a:t>Global difficulty parameter</a:t>
+            </a:r>
+          </a:p>
+          <a:p>
+            <a:pPr lvl="1"/>
+            <a:r>
+              <a:rPr lang="en-US" dirty="0" smtClean="0"/>
+              <a:t>Adjust the rate at which transactions are processed</a:t>
+            </a:r>
+          </a:p>
+          <a:p>
+            <a:r>
+              <a:rPr lang="en-US" dirty="0" smtClean="0"/>
+              <a:t>Per-domain difficulty parameter</a:t>
+            </a:r>
+          </a:p>
+          <a:p>
+            <a:pPr lvl="1"/>
+            <a:r>
+              <a:rPr lang="en-US" dirty="0" smtClean="0"/>
+              <a:t>Allow all targets to be viable</a:t>
+            </a:r>
+          </a:p>
+          <a:p>
+            <a:r>
+              <a:rPr lang="en-US" dirty="0" smtClean="0"/>
+              <a:t>Constant time intervals</a:t>
+            </a:r>
+          </a:p>
+          <a:p>
+            <a:r>
+              <a:rPr lang="en-US" dirty="0" smtClean="0"/>
+              <a:t>Initial difficulty set by user</a:t>
+            </a:r>
+          </a:p>
+          <a:p>
+            <a:endParaRPr lang="en-US" dirty="0"/>
+          </a:p>
+        </p:txBody>
+      </p:sp>
+      <p:sp>
+        <p:nvSpPr>
+          <p:cNvPr id="4" name="Slide Number Placeholder 3"/>
           <p:cNvSpPr>
             <a:spLocks noGrp="1"/>
           </p:cNvSpPr>
@@ -6202,19 +8321,19 @@
     </p:spTree>
     <p:extLst>
       <p:ext uri="{BB962C8B-B14F-4D97-AF65-F5344CB8AC3E}">
-        <p14:creationId xmlns:p14="http://schemas.microsoft.com/office/powerpoint/2010/main" val="477621593"/>
+        <p14:creationId xmlns:p14="http://schemas.microsoft.com/office/powerpoint/2010/main" val="779625435"/>
       </p:ext>
     </p:extLst>
   </p:cSld>
   <p:clrMapOvr>
     <a:masterClrMapping/>
   </p:clrMapOvr>
-  <mc:AlternateContent xmlns:mc="http://schemas.openxmlformats.org/markup-compatibility/2006">
-    <mc:Choice xmlns:p14="http://schemas.microsoft.com/office/powerpoint/2010/main" Requires="p14">
-      <p:transition spd="slow" p14:dur="2000" advTm="52361"/>
+  <mc:AlternateContent xmlns:mc="http://schemas.openxmlformats.org/markup-compatibility/2006" xmlns:p14="http://schemas.microsoft.com/office/powerpoint/2010/main">
+    <mc:Choice Requires="p14">
+      <p:transition spd="slow" p14:dur="2000" advTm="156465"/>
     </mc:Choice>
-    <mc:Fallback>
-      <p:transition spd="slow" advTm="52361"/>
+    <mc:Fallback xmlns="">
+      <p:transition spd="slow" advTm="156465"/>
     </mc:Fallback>
   </mc:AlternateContent>
   <p:timing>
@@ -6261,7 +8380,7 @@
           <a:p>
             <a:r>
               <a:rPr lang="en-US" dirty="0" smtClean="0"/>
-              <a:t>Outline</a:t>
+              <a:t>Proof-of-Work Implementation</a:t>
             </a:r>
             <a:endParaRPr lang="en-US" dirty="0"/>
           </a:p>
@@ -6274,41 +8393,61 @@
             <a:spLocks noGrp="1"/>
           </p:cNvSpPr>
           <p:nvPr>
-            <p:ph idx="1"/>
-          </p:nvPr>
-        </p:nvSpPr>
-        <p:spPr/>
-        <p:txBody>
-          <a:bodyPr/>
-          <a:lstStyle/>
-          <a:p>
-            <a:r>
-              <a:rPr lang="en-US" dirty="0" smtClean="0"/>
-              <a:t>Background</a:t>
-            </a:r>
-          </a:p>
-          <a:p>
-            <a:r>
-              <a:rPr lang="en-US" dirty="0" err="1" smtClean="0"/>
-              <a:t>DDoSCoin</a:t>
-            </a:r>
-            <a:r>
-              <a:rPr lang="en-US" dirty="0" smtClean="0"/>
-              <a:t> Design</a:t>
-            </a:r>
-          </a:p>
-          <a:p>
-            <a:r>
-              <a:rPr lang="en-US" b="1" dirty="0" smtClean="0"/>
-              <a:t>Discussion</a:t>
-            </a:r>
-            <a:endParaRPr lang="en-US" b="1" dirty="0"/>
-          </a:p>
-        </p:txBody>
-      </p:sp>
-      <p:sp>
-        <p:nvSpPr>
-          <p:cNvPr id="4" name="Slide Number Placeholder 3"/>
+            <p:ph sz="half" idx="1"/>
+          </p:nvPr>
+        </p:nvSpPr>
+        <p:spPr>
+          <a:xfrm>
+            <a:off x="838200" y="1825625"/>
+            <a:ext cx="5368636" cy="4351338"/>
+          </a:xfrm>
+        </p:spPr>
+        <p:txBody>
+          <a:bodyPr/>
+          <a:lstStyle/>
+          <a:p>
+            <a:pPr marL="0" indent="0">
+              <a:buNone/>
+            </a:pPr>
+            <a:endParaRPr lang="en-US" dirty="0" smtClean="0"/>
+          </a:p>
+          <a:p>
+            <a:endParaRPr lang="tr-TR" dirty="0" smtClean="0"/>
+          </a:p>
+        </p:txBody>
+      </p:sp>
+      <p:pic>
+        <p:nvPicPr>
+          <p:cNvPr id="5" name="Content Placeholder 3"/>
+          <p:cNvPicPr>
+            <a:picLocks noGrp="1" noChangeAspect="1"/>
+          </p:cNvPicPr>
+          <p:nvPr>
+            <p:ph sz="half" idx="2"/>
+          </p:nvPr>
+        </p:nvPicPr>
+        <p:blipFill>
+          <a:blip r:embed="rId3">
+            <a:extLst>
+              <a:ext uri="{28A0092B-C50C-407E-A947-70E740481C1C}">
+                <a14:useLocalDpi xmlns:a14="http://schemas.microsoft.com/office/drawing/2010/main" val="0"/>
+              </a:ext>
+            </a:extLst>
+          </a:blip>
+          <a:stretch>
+            <a:fillRect/>
+          </a:stretch>
+        </p:blipFill>
+        <p:spPr>
+          <a:xfrm>
+            <a:off x="1801783" y="1704940"/>
+            <a:ext cx="8588433" cy="5153060"/>
+          </a:xfrm>
+        </p:spPr>
+      </p:pic>
+      <p:sp>
+        <p:nvSpPr>
+          <p:cNvPr id="6" name="Slide Number Placeholder 5"/>
           <p:cNvSpPr>
             <a:spLocks noGrp="1"/>
           </p:cNvSpPr>
@@ -6332,19 +8471,19 @@
     </p:spTree>
     <p:extLst>
       <p:ext uri="{BB962C8B-B14F-4D97-AF65-F5344CB8AC3E}">
-        <p14:creationId xmlns:p14="http://schemas.microsoft.com/office/powerpoint/2010/main" val="376000784"/>
+        <p14:creationId xmlns:p14="http://schemas.microsoft.com/office/powerpoint/2010/main" val="477621593"/>
       </p:ext>
     </p:extLst>
   </p:cSld>
   <p:clrMapOvr>
     <a:masterClrMapping/>
   </p:clrMapOvr>
-  <mc:AlternateContent xmlns:mc="http://schemas.openxmlformats.org/markup-compatibility/2006">
-    <mc:Choice xmlns:p14="http://schemas.microsoft.com/office/powerpoint/2010/main" Requires="p14">
-      <p:transition spd="slow" p14:dur="2000" advTm="1487"/>
+  <mc:AlternateContent xmlns:mc="http://schemas.openxmlformats.org/markup-compatibility/2006" xmlns:p14="http://schemas.microsoft.com/office/powerpoint/2010/main">
+    <mc:Choice Requires="p14">
+      <p:transition spd="slow" p14:dur="2000" advTm="52361"/>
     </mc:Choice>
-    <mc:Fallback>
-      <p:transition spd="slow" advTm="1487"/>
+    <mc:Fallback xmlns="">
+      <p:transition spd="slow" advTm="52361"/>
     </mc:Fallback>
   </mc:AlternateContent>
   <p:timing>
@@ -6391,64 +8530,48 @@
           <a:p>
             <a:r>
               <a:rPr lang="en-US" dirty="0" smtClean="0"/>
+              <a:t>Outline</a:t>
+            </a:r>
+            <a:endParaRPr lang="en-US" dirty="0"/>
+          </a:p>
+        </p:txBody>
+      </p:sp>
+      <p:sp>
+        <p:nvSpPr>
+          <p:cNvPr id="3" name="Content Placeholder 2"/>
+          <p:cNvSpPr>
+            <a:spLocks noGrp="1"/>
+          </p:cNvSpPr>
+          <p:nvPr>
+            <p:ph idx="1"/>
+          </p:nvPr>
+        </p:nvSpPr>
+        <p:spPr/>
+        <p:txBody>
+          <a:bodyPr/>
+          <a:lstStyle/>
+          <a:p>
+            <a:r>
+              <a:rPr lang="en-US" dirty="0" smtClean="0"/>
+              <a:t>Background</a:t>
+            </a:r>
+          </a:p>
+          <a:p>
+            <a:r>
+              <a:rPr lang="en-US" dirty="0" err="1" smtClean="0"/>
+              <a:t>DDoSCoin</a:t>
+            </a:r>
+            <a:r>
+              <a:rPr lang="en-US" dirty="0" smtClean="0"/>
+              <a:t> Design</a:t>
+            </a:r>
+          </a:p>
+          <a:p>
+            <a:r>
+              <a:rPr lang="en-US" b="1" dirty="0" smtClean="0"/>
               <a:t>Discussion</a:t>
             </a:r>
-            <a:endParaRPr lang="en-US" dirty="0"/>
-          </a:p>
-        </p:txBody>
-      </p:sp>
-      <p:sp>
-        <p:nvSpPr>
-          <p:cNvPr id="3" name="Content Placeholder 2"/>
-          <p:cNvSpPr>
-            <a:spLocks noGrp="1"/>
-          </p:cNvSpPr>
-          <p:nvPr>
-            <p:ph idx="1"/>
-          </p:nvPr>
-        </p:nvSpPr>
-        <p:spPr/>
-        <p:txBody>
-          <a:bodyPr/>
-          <a:lstStyle/>
-          <a:p>
-            <a:r>
-              <a:rPr lang="en-US" dirty="0" err="1" smtClean="0"/>
-              <a:t>Malicous</a:t>
-            </a:r>
-            <a:r>
-              <a:rPr lang="en-US" dirty="0" smtClean="0"/>
-              <a:t> “useful” proof-of-work</a:t>
-            </a:r>
-          </a:p>
-          <a:p>
-            <a:r>
-              <a:rPr lang="en-US" dirty="0" smtClean="0"/>
-              <a:t>Challenges regarding bandwidth</a:t>
-            </a:r>
-          </a:p>
-          <a:p>
-            <a:r>
-              <a:rPr lang="en-US" dirty="0" smtClean="0"/>
-              <a:t>Forking to deny a target designation</a:t>
-            </a:r>
-          </a:p>
-          <a:p>
-            <a:r>
-              <a:rPr lang="en-US" dirty="0" smtClean="0"/>
-              <a:t>TLS 1.2, 1.3 </a:t>
-            </a:r>
-          </a:p>
-          <a:p>
-            <a:r>
-              <a:rPr lang="en-US" dirty="0" err="1" smtClean="0"/>
-              <a:t>Etherium</a:t>
-            </a:r>
-            <a:r>
-              <a:rPr lang="en-US" dirty="0" smtClean="0"/>
-              <a:t> smart contract PAY_TO_DDOS</a:t>
-            </a:r>
-            <a:endParaRPr lang="en-US" dirty="0"/>
+            <a:endParaRPr lang="en-US" b="1" dirty="0"/>
           </a:p>
         </p:txBody>
       </p:sp>
@@ -6478,19 +8601,19 @@
     </p:spTree>
     <p:extLst>
       <p:ext uri="{BB962C8B-B14F-4D97-AF65-F5344CB8AC3E}">
-        <p14:creationId xmlns:p14="http://schemas.microsoft.com/office/powerpoint/2010/main" val="785918018"/>
+        <p14:creationId xmlns:p14="http://schemas.microsoft.com/office/powerpoint/2010/main" val="376000784"/>
       </p:ext>
     </p:extLst>
   </p:cSld>
   <p:clrMapOvr>
     <a:masterClrMapping/>
   </p:clrMapOvr>
-  <mc:AlternateContent xmlns:mc="http://schemas.openxmlformats.org/markup-compatibility/2006">
-    <mc:Choice xmlns:p14="http://schemas.microsoft.com/office/powerpoint/2010/main" Requires="p14">
-      <p:transition spd="slow" p14:dur="2000" advTm="241739"/>
+  <mc:AlternateContent xmlns:mc="http://schemas.openxmlformats.org/markup-compatibility/2006" xmlns:p14="http://schemas.microsoft.com/office/powerpoint/2010/main">
+    <mc:Choice Requires="p14">
+      <p:transition spd="slow" p14:dur="2000" advTm="1487"/>
     </mc:Choice>
-    <mc:Fallback>
-      <p:transition spd="slow" advTm="241739"/>
+    <mc:Fallback xmlns="">
+      <p:transition spd="slow" advTm="1487"/>
     </mc:Fallback>
   </mc:AlternateContent>
   <p:timing>
@@ -6537,7 +8660,7 @@
           <a:p>
             <a:r>
               <a:rPr lang="en-US" dirty="0" smtClean="0"/>
-              <a:t>Defenses</a:t>
+              <a:t>Discussion</a:t>
             </a:r>
             <a:endParaRPr lang="en-US" dirty="0"/>
           </a:p>
@@ -6560,22 +8683,40 @@
           <a:p>
             <a:r>
               <a:rPr lang="en-US" dirty="0" smtClean="0"/>
-              <a:t>Version or cipher suite changes</a:t>
-            </a:r>
-          </a:p>
-          <a:p>
+              <a:t>Malicious </a:t>
+            </a:r>
             <a:r>
               <a:rPr lang="en-US" dirty="0" smtClean="0"/>
-              <a:t>Claiming rewards</a:t>
+              <a:t>“useful” proof-of-work</a:t>
             </a:r>
           </a:p>
           <a:p>
             <a:r>
               <a:rPr lang="en-US" dirty="0" smtClean="0"/>
-              <a:t>Legal action</a:t>
-            </a:r>
-          </a:p>
-          <a:p>
+              <a:t>Challenges regarding bandwidth</a:t>
+            </a:r>
+          </a:p>
+          <a:p>
+            <a:r>
+              <a:rPr lang="en-US" dirty="0" smtClean="0"/>
+              <a:t>Forking to deny a target designation</a:t>
+            </a:r>
+          </a:p>
+          <a:p>
+            <a:r>
+              <a:rPr lang="en-US" dirty="0" smtClean="0"/>
+              <a:t>TLS 1.2, 1.3 </a:t>
+            </a:r>
+          </a:p>
+          <a:p>
+            <a:r>
+              <a:rPr lang="en-US" dirty="0" err="1" smtClean="0"/>
+              <a:t>Ethereum</a:t>
+            </a:r>
+            <a:r>
+              <a:rPr lang="en-US" dirty="0" smtClean="0"/>
+              <a:t> smart contract PAY_TO_DDOS</a:t>
+            </a:r>
             <a:endParaRPr lang="en-US" dirty="0"/>
           </a:p>
         </p:txBody>
@@ -6606,13 +8747,21 @@
     </p:spTree>
     <p:extLst>
       <p:ext uri="{BB962C8B-B14F-4D97-AF65-F5344CB8AC3E}">
-        <p14:creationId xmlns:p14="http://schemas.microsoft.com/office/powerpoint/2010/main" val="867785764"/>
+        <p14:creationId xmlns:p14="http://schemas.microsoft.com/office/powerpoint/2010/main" val="785918018"/>
       </p:ext>
     </p:extLst>
   </p:cSld>
   <p:clrMapOvr>
     <a:masterClrMapping/>
   </p:clrMapOvr>
+  <mc:AlternateContent xmlns:mc="http://schemas.openxmlformats.org/markup-compatibility/2006" xmlns:p14="http://schemas.microsoft.com/office/powerpoint/2010/main">
+    <mc:Choice Requires="p14">
+      <p:transition spd="slow" p14:dur="2000" advTm="241739"/>
+    </mc:Choice>
+    <mc:Fallback xmlns="">
+      <p:transition spd="slow" advTm="241739"/>
+    </mc:Fallback>
+  </mc:AlternateContent>
   <p:timing>
     <p:tnLst>
       <p:par>
@@ -6657,6 +8806,126 @@
           <a:p>
             <a:r>
               <a:rPr lang="en-US" dirty="0" smtClean="0"/>
+              <a:t>Defenses</a:t>
+            </a:r>
+            <a:endParaRPr lang="en-US" dirty="0"/>
+          </a:p>
+        </p:txBody>
+      </p:sp>
+      <p:sp>
+        <p:nvSpPr>
+          <p:cNvPr id="3" name="Content Placeholder 2"/>
+          <p:cNvSpPr>
+            <a:spLocks noGrp="1"/>
+          </p:cNvSpPr>
+          <p:nvPr>
+            <p:ph idx="1"/>
+          </p:nvPr>
+        </p:nvSpPr>
+        <p:spPr/>
+        <p:txBody>
+          <a:bodyPr/>
+          <a:lstStyle/>
+          <a:p>
+            <a:r>
+              <a:rPr lang="en-US" dirty="0" smtClean="0"/>
+              <a:t>Version or cipher suite changes</a:t>
+            </a:r>
+          </a:p>
+          <a:p>
+            <a:r>
+              <a:rPr lang="en-US" dirty="0" smtClean="0"/>
+              <a:t>Claiming rewards</a:t>
+            </a:r>
+          </a:p>
+          <a:p>
+            <a:r>
+              <a:rPr lang="en-US" dirty="0" smtClean="0"/>
+              <a:t>Legal action</a:t>
+            </a:r>
+          </a:p>
+          <a:p>
+            <a:endParaRPr lang="en-US" dirty="0"/>
+          </a:p>
+        </p:txBody>
+      </p:sp>
+      <p:sp>
+        <p:nvSpPr>
+          <p:cNvPr id="4" name="Slide Number Placeholder 3"/>
+          <p:cNvSpPr>
+            <a:spLocks noGrp="1"/>
+          </p:cNvSpPr>
+          <p:nvPr>
+            <p:ph type="sldNum" sz="quarter" idx="12"/>
+          </p:nvPr>
+        </p:nvSpPr>
+        <p:spPr/>
+        <p:txBody>
+          <a:bodyPr/>
+          <a:lstStyle/>
+          <a:p>
+            <a:fld id="{9C2C2163-EE3B-6D4D-A313-F6946E2C16A1}" type="slidenum">
+              <a:rPr lang="en-US" smtClean="0"/>
+              <a:t>17</a:t>
+            </a:fld>
+            <a:endParaRPr lang="en-US"/>
+          </a:p>
+        </p:txBody>
+      </p:sp>
+    </p:spTree>
+    <p:extLst>
+      <p:ext uri="{BB962C8B-B14F-4D97-AF65-F5344CB8AC3E}">
+        <p14:creationId xmlns:p14="http://schemas.microsoft.com/office/powerpoint/2010/main" val="867785764"/>
+      </p:ext>
+    </p:extLst>
+  </p:cSld>
+  <p:clrMapOvr>
+    <a:masterClrMapping/>
+  </p:clrMapOvr>
+  <p:timing>
+    <p:tnLst>
+      <p:par>
+        <p:cTn id="1" dur="indefinite" restart="never" nodeType="tmRoot"/>
+      </p:par>
+    </p:tnLst>
+  </p:timing>
+</p:sld>
+</file>
+
+<file path=ppt/slides/slide18.xml><?xml version="1.0" encoding="utf-8"?>
+<p:sld xmlns:a="http://schemas.openxmlformats.org/drawingml/2006/main" xmlns:r="http://schemas.openxmlformats.org/officeDocument/2006/relationships" xmlns:p="http://schemas.openxmlformats.org/presentationml/2006/main">
+  <p:cSld>
+    <p:spTree>
+      <p:nvGrpSpPr>
+        <p:cNvPr id="1" name=""/>
+        <p:cNvGrpSpPr/>
+        <p:nvPr/>
+      </p:nvGrpSpPr>
+      <p:grpSpPr>
+        <a:xfrm>
+          <a:off x="0" y="0"/>
+          <a:ext cx="0" cy="0"/>
+          <a:chOff x="0" y="0"/>
+          <a:chExt cx="0" cy="0"/>
+        </a:xfrm>
+      </p:grpSpPr>
+      <p:sp>
+        <p:nvSpPr>
+          <p:cNvPr id="2" name="Title 1"/>
+          <p:cNvSpPr>
+            <a:spLocks noGrp="1"/>
+          </p:cNvSpPr>
+          <p:nvPr>
+            <p:ph type="title"/>
+          </p:nvPr>
+        </p:nvSpPr>
+        <p:spPr/>
+        <p:txBody>
+          <a:bodyPr/>
+          <a:lstStyle/>
+          <a:p>
+            <a:r>
+              <a:rPr lang="en-US" dirty="0" smtClean="0"/>
               <a:t>Ethics</a:t>
             </a:r>
             <a:endParaRPr lang="en-US" dirty="0"/>
@@ -6717,7 +8986,7 @@
           <a:p>
             <a:fld id="{9C2C2163-EE3B-6D4D-A313-F6946E2C16A1}" type="slidenum">
               <a:rPr lang="en-US" smtClean="0"/>
-              <a:t>17</a:t>
+              <a:t>18</a:t>
             </a:fld>
             <a:endParaRPr lang="en-US"/>
           </a:p>
@@ -6733,11 +9002,11 @@
   <p:clrMapOvr>
     <a:masterClrMapping/>
   </p:clrMapOvr>
-  <mc:AlternateContent xmlns:mc="http://schemas.openxmlformats.org/markup-compatibility/2006">
-    <mc:Choice xmlns:p14="http://schemas.microsoft.com/office/powerpoint/2010/main" Requires="p14">
+  <mc:AlternateContent xmlns:mc="http://schemas.openxmlformats.org/markup-compatibility/2006" xmlns:p14="http://schemas.microsoft.com/office/powerpoint/2010/main">
+    <mc:Choice Requires="p14">
       <p:transition spd="slow" p14:dur="2000" advTm="44082"/>
     </mc:Choice>
-    <mc:Fallback>
+    <mc:Fallback xmlns="">
       <p:transition spd="slow" advTm="44082"/>
     </mc:Fallback>
   </mc:AlternateContent>
@@ -6751,7 +9020,7 @@
 </p:sld>
 </file>
 
-<file path=ppt/slides/slide18.xml><?xml version="1.0" encoding="utf-8"?>
+<file path=ppt/slides/slide19.xml><?xml version="1.0" encoding="utf-8"?>
 <p:sld xmlns:a="http://schemas.openxmlformats.org/drawingml/2006/main" xmlns:r="http://schemas.openxmlformats.org/officeDocument/2006/relationships" xmlns:p="http://schemas.openxmlformats.org/presentationml/2006/main">
   <p:cSld>
     <p:spTree>
@@ -7093,7 +9362,7 @@
           <a:p>
             <a:fld id="{9C2C2163-EE3B-6D4D-A313-F6946E2C16A1}" type="slidenum">
               <a:rPr lang="en-US" smtClean="0"/>
-              <a:t>18</a:t>
+              <a:t>19</a:t>
             </a:fld>
             <a:endParaRPr lang="en-US"/>
           </a:p>
@@ -7163,11 +9432,11 @@
   <p:clrMapOvr>
     <a:masterClrMapping/>
   </p:clrMapOvr>
-  <mc:AlternateContent xmlns:mc="http://schemas.openxmlformats.org/markup-compatibility/2006">
-    <mc:Choice xmlns:p14="http://schemas.microsoft.com/office/powerpoint/2010/main" Requires="p14">
+  <mc:AlternateContent xmlns:mc="http://schemas.openxmlformats.org/markup-compatibility/2006" xmlns:p14="http://schemas.microsoft.com/office/powerpoint/2010/main">
+    <mc:Choice Requires="p14">
       <p:transition spd="slow" p14:dur="2000" advTm="11224"/>
     </mc:Choice>
-    <mc:Fallback>
+    <mc:Fallback xmlns="">
       <p:transition spd="slow" advTm="11224"/>
     </mc:Fallback>
   </mc:AlternateContent>
@@ -7293,11 +9562,11 @@
   <p:clrMapOvr>
     <a:masterClrMapping/>
   </p:clrMapOvr>
-  <mc:AlternateContent xmlns:mc="http://schemas.openxmlformats.org/markup-compatibility/2006">
-    <mc:Choice xmlns:p14="http://schemas.microsoft.com/office/powerpoint/2010/main" Requires="p14">
+  <mc:AlternateContent xmlns:mc="http://schemas.openxmlformats.org/markup-compatibility/2006" xmlns:p14="http://schemas.microsoft.com/office/powerpoint/2010/main">
+    <mc:Choice Requires="p14">
       <p:transition spd="slow" p14:dur="2000" advTm="3949"/>
     </mc:Choice>
-    <mc:Fallback>
+    <mc:Fallback xmlns="">
       <p:transition spd="slow" advTm="3949"/>
     </mc:Fallback>
   </mc:AlternateContent>
@@ -7488,11 +9757,11 @@
   <p:clrMapOvr>
     <a:masterClrMapping/>
   </p:clrMapOvr>
-  <mc:AlternateContent xmlns:mc="http://schemas.openxmlformats.org/markup-compatibility/2006">
-    <mc:Choice xmlns:p14="http://schemas.microsoft.com/office/powerpoint/2010/main" Requires="p14">
+  <mc:AlternateContent xmlns:mc="http://schemas.openxmlformats.org/markup-compatibility/2006" xmlns:p14="http://schemas.microsoft.com/office/powerpoint/2010/main">
+    <mc:Choice Requires="p14">
       <p:transition spd="slow" p14:dur="2000" advTm="104196"/>
     </mc:Choice>
-    <mc:Fallback>
+    <mc:Fallback xmlns="">
       <p:transition spd="slow" advTm="104196"/>
     </mc:Fallback>
   </mc:AlternateContent>
@@ -7693,11 +9962,11 @@
   <p:clrMapOvr>
     <a:masterClrMapping/>
   </p:clrMapOvr>
-  <mc:AlternateContent xmlns:mc="http://schemas.openxmlformats.org/markup-compatibility/2006">
-    <mc:Choice xmlns:p14="http://schemas.microsoft.com/office/powerpoint/2010/main" Requires="p14">
+  <mc:AlternateContent xmlns:mc="http://schemas.openxmlformats.org/markup-compatibility/2006" xmlns:p14="http://schemas.microsoft.com/office/powerpoint/2010/main">
+    <mc:Choice Requires="p14">
       <p:transition spd="slow" p14:dur="2000" advTm="117196"/>
     </mc:Choice>
-    <mc:Fallback>
+    <mc:Fallback xmlns="">
       <p:transition spd="slow" advTm="117196"/>
     </mc:Fallback>
   </mc:AlternateContent>
@@ -7956,11 +10225,11 @@
   <p:clrMapOvr>
     <a:masterClrMapping/>
   </p:clrMapOvr>
-  <mc:AlternateContent xmlns:mc="http://schemas.openxmlformats.org/markup-compatibility/2006">
-    <mc:Choice xmlns:p14="http://schemas.microsoft.com/office/powerpoint/2010/main" Requires="p14">
+  <mc:AlternateContent xmlns:mc="http://schemas.openxmlformats.org/markup-compatibility/2006" xmlns:p14="http://schemas.microsoft.com/office/powerpoint/2010/main">
+    <mc:Choice Requires="p14">
       <p:transition spd="slow" p14:dur="2000" advTm="1703"/>
     </mc:Choice>
-    <mc:Fallback>
+    <mc:Fallback xmlns="">
       <p:transition spd="slow" advTm="1703"/>
     </mc:Fallback>
   </mc:AlternateContent>
@@ -8272,11 +10541,11 @@
   <p:clrMapOvr>
     <a:masterClrMapping/>
   </p:clrMapOvr>
-  <mc:AlternateContent xmlns:mc="http://schemas.openxmlformats.org/markup-compatibility/2006">
-    <mc:Choice xmlns:p14="http://schemas.microsoft.com/office/powerpoint/2010/main" Requires="p14">
+  <mc:AlternateContent xmlns:mc="http://schemas.openxmlformats.org/markup-compatibility/2006" xmlns:p14="http://schemas.microsoft.com/office/powerpoint/2010/main">
+    <mc:Choice Requires="p14">
       <p:transition spd="slow" p14:dur="2000" advTm="123644"/>
     </mc:Choice>
-    <mc:Fallback>
+    <mc:Fallback xmlns="">
       <p:transition spd="slow" advTm="123644"/>
     </mc:Fallback>
   </mc:AlternateContent>
@@ -8801,11 +11070,11 @@
   <p:clrMapOvr>
     <a:masterClrMapping/>
   </p:clrMapOvr>
-  <mc:AlternateContent xmlns:mc="http://schemas.openxmlformats.org/markup-compatibility/2006">
-    <mc:Choice xmlns:p14="http://schemas.microsoft.com/office/powerpoint/2010/main" Requires="p14">
+  <mc:AlternateContent xmlns:mc="http://schemas.openxmlformats.org/markup-compatibility/2006" xmlns:p14="http://schemas.microsoft.com/office/powerpoint/2010/main">
+    <mc:Choice Requires="p14">
       <p:transition spd="slow" p14:dur="2000" advTm="86466"/>
     </mc:Choice>
-    <mc:Fallback>
+    <mc:Fallback xmlns="">
       <p:transition spd="slow" advTm="86466"/>
     </mc:Fallback>
   </mc:AlternateContent>
@@ -8826,6 +11095,12 @@
 </file>
 
 <file path=ppt/tags/tag2.xml><?xml version="1.0" encoding="utf-8"?>
+<p:tagLst xmlns:a="http://schemas.openxmlformats.org/drawingml/2006/main" xmlns:r="http://schemas.openxmlformats.org/officeDocument/2006/relationships" xmlns:p="http://schemas.openxmlformats.org/presentationml/2006/main">
+  <p:tag name="TIMING" val="|24.8|20.1|27.4|1|1.6|38.1|29.4|0.6"/>
+</p:tagLst>
+</file>
+
+<file path=ppt/tags/tag3.xml><?xml version="1.0" encoding="utf-8"?>
 <p:tagLst xmlns:a="http://schemas.openxmlformats.org/drawingml/2006/main" xmlns:r="http://schemas.openxmlformats.org/officeDocument/2006/relationships" xmlns:p="http://schemas.openxmlformats.org/presentationml/2006/main">
   <p:tag name="TIMING" val="|24.8|20.1|27.4|1|1.6|38.1|29.4|0.6"/>
 </p:tagLst>

--- a/presentation/DDoSCoin.pptx
+++ b/presentation/DDoSCoin.pptx
@@ -20,13 +20,13 @@
     <p:sldId id="264" r:id="rId11"/>
     <p:sldId id="266" r:id="rId12"/>
     <p:sldId id="278" r:id="rId13"/>
-    <p:sldId id="265" r:id="rId14"/>
-    <p:sldId id="269" r:id="rId15"/>
-    <p:sldId id="274" r:id="rId16"/>
-    <p:sldId id="268" r:id="rId17"/>
-    <p:sldId id="275" r:id="rId18"/>
-    <p:sldId id="270" r:id="rId19"/>
-    <p:sldId id="276" r:id="rId20"/>
+    <p:sldId id="269" r:id="rId14"/>
+    <p:sldId id="274" r:id="rId15"/>
+    <p:sldId id="268" r:id="rId16"/>
+    <p:sldId id="275" r:id="rId17"/>
+    <p:sldId id="270" r:id="rId18"/>
+    <p:sldId id="276" r:id="rId19"/>
+    <p:sldId id="265" r:id="rId20"/>
   </p:sldIdLst>
   <p:sldSz cx="12192000" cy="6858000"/>
   <p:notesSz cx="6858000" cy="9144000"/>
@@ -215,7 +215,7 @@
           <a:p>
             <a:fld id="{F9B7CD50-858C-8C48-A6FC-64864525D826}" type="datetimeFigureOut">
               <a:rPr lang="en-US" smtClean="0"/>
-              <a:t>7/21/16</a:t>
+              <a:t>7/31/16</a:t>
             </a:fld>
             <a:endParaRPr lang="en-US"/>
           </a:p>
@@ -527,7 +527,7 @@
           <a:bodyPr/>
           <a:lstStyle/>
           <a:p>
-            <a:endParaRPr lang="en-US"/>
+            <a:endParaRPr lang="en-US" dirty="0"/>
           </a:p>
         </p:txBody>
       </p:sp>
@@ -671,7 +671,7 @@
           <a:p>
             <a:fld id="{A606CBFA-088E-D14B-8B69-347D3259A44F}" type="slidenum">
               <a:rPr lang="en-US" smtClean="0"/>
-              <a:t>14</a:t>
+              <a:t>13</a:t>
             </a:fld>
             <a:endParaRPr lang="en-US"/>
           </a:p>
@@ -755,7 +755,7 @@
           <a:p>
             <a:fld id="{A606CBFA-088E-D14B-8B69-347D3259A44F}" type="slidenum">
               <a:rPr lang="en-US" smtClean="0"/>
-              <a:t>19</a:t>
+              <a:t>18</a:t>
             </a:fld>
             <a:endParaRPr lang="en-US"/>
           </a:p>
@@ -1754,7 +1754,7 @@
           <a:p>
             <a:fld id="{732676CE-5617-E445-B369-FFF23505C939}" type="datetime1">
               <a:rPr lang="en-US" smtClean="0"/>
-              <a:t>7/21/16</a:t>
+              <a:t>7/31/16</a:t>
             </a:fld>
             <a:endParaRPr lang="en-US"/>
           </a:p>
@@ -1924,7 +1924,7 @@
           <a:p>
             <a:fld id="{EF16CD09-4EC6-AF4C-B6AE-49417ED404CE}" type="datetime1">
               <a:rPr lang="en-US" smtClean="0"/>
-              <a:t>7/21/16</a:t>
+              <a:t>7/31/16</a:t>
             </a:fld>
             <a:endParaRPr lang="en-US"/>
           </a:p>
@@ -2104,7 +2104,7 @@
           <a:p>
             <a:fld id="{8C2EF671-3A6D-FD4E-9D04-779EC7A31340}" type="datetime1">
               <a:rPr lang="en-US" smtClean="0"/>
-              <a:t>7/21/16</a:t>
+              <a:t>7/31/16</a:t>
             </a:fld>
             <a:endParaRPr lang="en-US"/>
           </a:p>
@@ -2274,7 +2274,7 @@
           <a:p>
             <a:fld id="{8CFCD5D5-19FC-A64F-8A7F-FCBD8BE27807}" type="datetime1">
               <a:rPr lang="en-US" smtClean="0"/>
-              <a:t>7/21/16</a:t>
+              <a:t>7/31/16</a:t>
             </a:fld>
             <a:endParaRPr lang="en-US"/>
           </a:p>
@@ -2520,7 +2520,7 @@
           <a:p>
             <a:fld id="{5EC29CC5-B218-5D4C-8A63-42CE2E9D27C9}" type="datetime1">
               <a:rPr lang="en-US" smtClean="0"/>
-              <a:t>7/21/16</a:t>
+              <a:t>7/31/16</a:t>
             </a:fld>
             <a:endParaRPr lang="en-US"/>
           </a:p>
@@ -2752,7 +2752,7 @@
           <a:p>
             <a:fld id="{64148D4B-E9A7-4348-B81D-CF8CA6EE6634}" type="datetime1">
               <a:rPr lang="en-US" smtClean="0"/>
-              <a:t>7/21/16</a:t>
+              <a:t>7/31/16</a:t>
             </a:fld>
             <a:endParaRPr lang="en-US"/>
           </a:p>
@@ -3119,7 +3119,7 @@
           <a:p>
             <a:fld id="{1E86A385-1EBC-3945-B3D0-B75C2F9193CA}" type="datetime1">
               <a:rPr lang="en-US" smtClean="0"/>
-              <a:t>7/21/16</a:t>
+              <a:t>7/31/16</a:t>
             </a:fld>
             <a:endParaRPr lang="en-US"/>
           </a:p>
@@ -3237,7 +3237,7 @@
           <a:p>
             <a:fld id="{9A9AC606-AA40-7A4A-A9B7-1C8CDE894609}" type="datetime1">
               <a:rPr lang="en-US" smtClean="0"/>
-              <a:t>7/21/16</a:t>
+              <a:t>7/31/16</a:t>
             </a:fld>
             <a:endParaRPr lang="en-US"/>
           </a:p>
@@ -3332,7 +3332,7 @@
           <a:p>
             <a:fld id="{93E6BE46-D322-2040-9204-875AEE2EB4FF}" type="datetime1">
               <a:rPr lang="en-US" smtClean="0"/>
-              <a:t>7/21/16</a:t>
+              <a:t>7/31/16</a:t>
             </a:fld>
             <a:endParaRPr lang="en-US"/>
           </a:p>
@@ -3609,7 +3609,7 @@
           <a:p>
             <a:fld id="{508E2A82-0395-7A42-9E6F-6BDE5A1505A2}" type="datetime1">
               <a:rPr lang="en-US" smtClean="0"/>
-              <a:t>7/21/16</a:t>
+              <a:t>7/31/16</a:t>
             </a:fld>
             <a:endParaRPr lang="en-US"/>
           </a:p>
@@ -3862,7 +3862,7 @@
           <a:p>
             <a:fld id="{BE76D2A4-BB56-C849-B575-3549344F3817}" type="datetime1">
               <a:rPr lang="en-US" smtClean="0"/>
-              <a:t>7/21/16</a:t>
+              <a:t>7/31/16</a:t>
             </a:fld>
             <a:endParaRPr lang="en-US"/>
           </a:p>
@@ -4075,7 +4075,7 @@
           <a:p>
             <a:fld id="{C9261D75-58F4-0848-8663-9DBBFAE7804E}" type="datetime1">
               <a:rPr lang="en-US" smtClean="0"/>
-              <a:t>7/21/16</a:t>
+              <a:t>7/31/16</a:t>
             </a:fld>
             <a:endParaRPr lang="en-US"/>
           </a:p>
@@ -4786,29 +4786,6 @@
               <a:t>benvds@umich.edu</a:t>
             </a:r>
             <a:endParaRPr lang="en-US" b="1" i="1" dirty="0"/>
-          </a:p>
-        </p:txBody>
-      </p:sp>
-      <p:sp>
-        <p:nvSpPr>
-          <p:cNvPr id="5" name="Slide Number Placeholder 4"/>
-          <p:cNvSpPr>
-            <a:spLocks noGrp="1"/>
-          </p:cNvSpPr>
-          <p:nvPr>
-            <p:ph type="sldNum" sz="quarter" idx="12"/>
-          </p:nvPr>
-        </p:nvSpPr>
-        <p:spPr/>
-        <p:txBody>
-          <a:bodyPr/>
-          <a:lstStyle/>
-          <a:p>
-            <a:fld id="{9C2C2163-EE3B-6D4D-A313-F6946E2C16A1}" type="slidenum">
-              <a:rPr lang="en-US" smtClean="0"/>
-              <a:t>1</a:t>
-            </a:fld>
-            <a:endParaRPr lang="en-US"/>
           </a:p>
         </p:txBody>
       </p:sp>
@@ -7388,11 +7365,11 @@
   <p:clrMapOvr>
     <a:masterClrMapping/>
   </p:clrMapOvr>
-  <mc:AlternateContent xmlns:mc="http://schemas.openxmlformats.org/markup-compatibility/2006">
-    <mc:Choice xmlns:p14="http://schemas.microsoft.com/office/powerpoint/2010/main" Requires="p14">
+  <mc:AlternateContent xmlns:mc="http://schemas.openxmlformats.org/markup-compatibility/2006" xmlns:p14="http://schemas.microsoft.com/office/powerpoint/2010/main">
+    <mc:Choice Requires="p14">
       <p:transition spd="slow" p14:dur="2000" advTm="145226"/>
     </mc:Choice>
-    <mc:Fallback>
+    <mc:Fallback xmlns="">
       <p:transition spd="slow" advTm="145226"/>
     </mc:Fallback>
   </mc:AlternateContent>
@@ -8232,154 +8209,6 @@
           <a:p>
             <a:r>
               <a:rPr lang="en-US" dirty="0" smtClean="0"/>
-              <a:t>Target Difficulty </a:t>
-            </a:r>
-            <a:endParaRPr lang="en-US" dirty="0"/>
-          </a:p>
-        </p:txBody>
-      </p:sp>
-      <p:sp>
-        <p:nvSpPr>
-          <p:cNvPr id="3" name="Content Placeholder 2"/>
-          <p:cNvSpPr>
-            <a:spLocks noGrp="1"/>
-          </p:cNvSpPr>
-          <p:nvPr>
-            <p:ph idx="1"/>
-          </p:nvPr>
-        </p:nvSpPr>
-        <p:spPr/>
-        <p:txBody>
-          <a:bodyPr/>
-          <a:lstStyle/>
-          <a:p>
-            <a:r>
-              <a:rPr lang="en-US" dirty="0" smtClean="0"/>
-              <a:t>Global difficulty parameter</a:t>
-            </a:r>
-          </a:p>
-          <a:p>
-            <a:pPr lvl="1"/>
-            <a:r>
-              <a:rPr lang="en-US" dirty="0" smtClean="0"/>
-              <a:t>Adjust the rate at which transactions are processed</a:t>
-            </a:r>
-          </a:p>
-          <a:p>
-            <a:r>
-              <a:rPr lang="en-US" dirty="0" smtClean="0"/>
-              <a:t>Per-domain difficulty parameter</a:t>
-            </a:r>
-          </a:p>
-          <a:p>
-            <a:pPr lvl="1"/>
-            <a:r>
-              <a:rPr lang="en-US" dirty="0" smtClean="0"/>
-              <a:t>Allow all targets to be viable</a:t>
-            </a:r>
-          </a:p>
-          <a:p>
-            <a:r>
-              <a:rPr lang="en-US" dirty="0" smtClean="0"/>
-              <a:t>Constant time intervals</a:t>
-            </a:r>
-          </a:p>
-          <a:p>
-            <a:r>
-              <a:rPr lang="en-US" dirty="0" smtClean="0"/>
-              <a:t>Initial difficulty set by user</a:t>
-            </a:r>
-          </a:p>
-          <a:p>
-            <a:endParaRPr lang="en-US" dirty="0"/>
-          </a:p>
-        </p:txBody>
-      </p:sp>
-      <p:sp>
-        <p:nvSpPr>
-          <p:cNvPr id="4" name="Slide Number Placeholder 3"/>
-          <p:cNvSpPr>
-            <a:spLocks noGrp="1"/>
-          </p:cNvSpPr>
-          <p:nvPr>
-            <p:ph type="sldNum" sz="quarter" idx="12"/>
-          </p:nvPr>
-        </p:nvSpPr>
-        <p:spPr/>
-        <p:txBody>
-          <a:bodyPr/>
-          <a:lstStyle/>
-          <a:p>
-            <a:fld id="{9C2C2163-EE3B-6D4D-A313-F6946E2C16A1}" type="slidenum">
-              <a:rPr lang="en-US" smtClean="0"/>
-              <a:t>13</a:t>
-            </a:fld>
-            <a:endParaRPr lang="en-US"/>
-          </a:p>
-        </p:txBody>
-      </p:sp>
-    </p:spTree>
-    <p:extLst>
-      <p:ext uri="{BB962C8B-B14F-4D97-AF65-F5344CB8AC3E}">
-        <p14:creationId xmlns:p14="http://schemas.microsoft.com/office/powerpoint/2010/main" val="779625435"/>
-      </p:ext>
-    </p:extLst>
-  </p:cSld>
-  <p:clrMapOvr>
-    <a:masterClrMapping/>
-  </p:clrMapOvr>
-  <mc:AlternateContent xmlns:mc="http://schemas.openxmlformats.org/markup-compatibility/2006" xmlns:p14="http://schemas.microsoft.com/office/powerpoint/2010/main">
-    <mc:Choice Requires="p14">
-      <p:transition spd="slow" p14:dur="2000" advTm="156465"/>
-    </mc:Choice>
-    <mc:Fallback xmlns="">
-      <p:transition spd="slow" advTm="156465"/>
-    </mc:Fallback>
-  </mc:AlternateContent>
-  <p:timing>
-    <p:tnLst>
-      <p:par>
-        <p:cTn id="1" dur="indefinite" restart="never" nodeType="tmRoot"/>
-      </p:par>
-    </p:tnLst>
-  </p:timing>
-</p:sld>
-</file>
-
-<file path=ppt/slides/slide14.xml><?xml version="1.0" encoding="utf-8"?>
-<p:sld xmlns:a="http://schemas.openxmlformats.org/drawingml/2006/main" xmlns:r="http://schemas.openxmlformats.org/officeDocument/2006/relationships" xmlns:p="http://schemas.openxmlformats.org/presentationml/2006/main">
-  <p:cSld>
-    <p:spTree>
-      <p:nvGrpSpPr>
-        <p:cNvPr id="1" name=""/>
-        <p:cNvGrpSpPr/>
-        <p:nvPr/>
-      </p:nvGrpSpPr>
-      <p:grpSpPr>
-        <a:xfrm>
-          <a:off x="0" y="0"/>
-          <a:ext cx="0" cy="0"/>
-          <a:chOff x="0" y="0"/>
-          <a:chExt cx="0" cy="0"/>
-        </a:xfrm>
-      </p:grpSpPr>
-      <p:sp>
-        <p:nvSpPr>
-          <p:cNvPr id="2" name="Title 1"/>
-          <p:cNvSpPr>
-            <a:spLocks noGrp="1"/>
-          </p:cNvSpPr>
-          <p:nvPr>
-            <p:ph type="title"/>
-          </p:nvPr>
-        </p:nvSpPr>
-        <p:spPr/>
-        <p:txBody>
-          <a:bodyPr/>
-          <a:lstStyle/>
-          <a:p>
-            <a:r>
-              <a:rPr lang="en-US" dirty="0" smtClean="0"/>
               <a:t>Proof-of-Work Implementation</a:t>
             </a:r>
             <a:endParaRPr lang="en-US" dirty="0"/>
@@ -8462,7 +8291,7 @@
           <a:p>
             <a:fld id="{9C2C2163-EE3B-6D4D-A313-F6946E2C16A1}" type="slidenum">
               <a:rPr lang="en-US" smtClean="0"/>
-              <a:t>14</a:t>
+              <a:t>13</a:t>
             </a:fld>
             <a:endParaRPr lang="en-US"/>
           </a:p>
@@ -8484,6 +8313,136 @@
     </mc:Choice>
     <mc:Fallback xmlns="">
       <p:transition spd="slow" advTm="52361"/>
+    </mc:Fallback>
+  </mc:AlternateContent>
+  <p:timing>
+    <p:tnLst>
+      <p:par>
+        <p:cTn id="1" dur="indefinite" restart="never" nodeType="tmRoot"/>
+      </p:par>
+    </p:tnLst>
+  </p:timing>
+</p:sld>
+</file>
+
+<file path=ppt/slides/slide14.xml><?xml version="1.0" encoding="utf-8"?>
+<p:sld xmlns:a="http://schemas.openxmlformats.org/drawingml/2006/main" xmlns:r="http://schemas.openxmlformats.org/officeDocument/2006/relationships" xmlns:p="http://schemas.openxmlformats.org/presentationml/2006/main" show="0">
+  <p:cSld>
+    <p:spTree>
+      <p:nvGrpSpPr>
+        <p:cNvPr id="1" name=""/>
+        <p:cNvGrpSpPr/>
+        <p:nvPr/>
+      </p:nvGrpSpPr>
+      <p:grpSpPr>
+        <a:xfrm>
+          <a:off x="0" y="0"/>
+          <a:ext cx="0" cy="0"/>
+          <a:chOff x="0" y="0"/>
+          <a:chExt cx="0" cy="0"/>
+        </a:xfrm>
+      </p:grpSpPr>
+      <p:sp>
+        <p:nvSpPr>
+          <p:cNvPr id="2" name="Title 1"/>
+          <p:cNvSpPr>
+            <a:spLocks noGrp="1"/>
+          </p:cNvSpPr>
+          <p:nvPr>
+            <p:ph type="title"/>
+          </p:nvPr>
+        </p:nvSpPr>
+        <p:spPr/>
+        <p:txBody>
+          <a:bodyPr/>
+          <a:lstStyle/>
+          <a:p>
+            <a:r>
+              <a:rPr lang="en-US" dirty="0" smtClean="0"/>
+              <a:t>Outline</a:t>
+            </a:r>
+            <a:endParaRPr lang="en-US" dirty="0"/>
+          </a:p>
+        </p:txBody>
+      </p:sp>
+      <p:sp>
+        <p:nvSpPr>
+          <p:cNvPr id="3" name="Content Placeholder 2"/>
+          <p:cNvSpPr>
+            <a:spLocks noGrp="1"/>
+          </p:cNvSpPr>
+          <p:nvPr>
+            <p:ph idx="1"/>
+          </p:nvPr>
+        </p:nvSpPr>
+        <p:spPr/>
+        <p:txBody>
+          <a:bodyPr/>
+          <a:lstStyle/>
+          <a:p>
+            <a:r>
+              <a:rPr lang="en-US" dirty="0" smtClean="0"/>
+              <a:t>Background</a:t>
+            </a:r>
+          </a:p>
+          <a:p>
+            <a:r>
+              <a:rPr lang="en-US" dirty="0" err="1" smtClean="0"/>
+              <a:t>DDoSCoin</a:t>
+            </a:r>
+            <a:r>
+              <a:rPr lang="en-US" dirty="0" smtClean="0"/>
+              <a:t> Design</a:t>
+            </a:r>
+          </a:p>
+          <a:p>
+            <a:r>
+              <a:rPr lang="en-US" b="1" dirty="0" smtClean="0"/>
+              <a:t>Discussion</a:t>
+            </a:r>
+            <a:endParaRPr lang="en-US" b="1" dirty="0"/>
+          </a:p>
+        </p:txBody>
+      </p:sp>
+      <p:sp>
+        <p:nvSpPr>
+          <p:cNvPr id="4" name="Slide Number Placeholder 3"/>
+          <p:cNvSpPr>
+            <a:spLocks noGrp="1"/>
+          </p:cNvSpPr>
+          <p:nvPr>
+            <p:ph type="sldNum" sz="quarter" idx="12"/>
+          </p:nvPr>
+        </p:nvSpPr>
+        <p:spPr/>
+        <p:txBody>
+          <a:bodyPr/>
+          <a:lstStyle/>
+          <a:p>
+            <a:fld id="{9C2C2163-EE3B-6D4D-A313-F6946E2C16A1}" type="slidenum">
+              <a:rPr lang="en-US" smtClean="0"/>
+              <a:t>14</a:t>
+            </a:fld>
+            <a:endParaRPr lang="en-US"/>
+          </a:p>
+        </p:txBody>
+      </p:sp>
+    </p:spTree>
+    <p:extLst>
+      <p:ext uri="{BB962C8B-B14F-4D97-AF65-F5344CB8AC3E}">
+        <p14:creationId xmlns:p14="http://schemas.microsoft.com/office/powerpoint/2010/main" val="376000784"/>
+      </p:ext>
+    </p:extLst>
+  </p:cSld>
+  <p:clrMapOvr>
+    <a:masterClrMapping/>
+  </p:clrMapOvr>
+  <mc:AlternateContent xmlns:mc="http://schemas.openxmlformats.org/markup-compatibility/2006">
+    <mc:Choice xmlns:p14="http://schemas.microsoft.com/office/powerpoint/2010/main" Requires="p14">
+      <p:transition spd="slow" p14:dur="2000" advTm="1487"/>
+    </mc:Choice>
+    <mc:Fallback>
+      <p:transition spd="slow" advTm="1487"/>
     </mc:Fallback>
   </mc:AlternateContent>
   <p:timing>
@@ -8530,7 +8489,7 @@
           <a:p>
             <a:r>
               <a:rPr lang="en-US" dirty="0" smtClean="0"/>
-              <a:t>Outline</a:t>
+              <a:t>Discussion</a:t>
             </a:r>
             <a:endParaRPr lang="en-US" dirty="0"/>
           </a:p>
@@ -8553,25 +8512,47 @@
           <a:p>
             <a:r>
               <a:rPr lang="en-US" dirty="0" smtClean="0"/>
-              <a:t>Background</a:t>
+              <a:t>Malicious “useful” proof-of-work</a:t>
+            </a:r>
+          </a:p>
+          <a:p>
+            <a:r>
+              <a:rPr lang="en-US" dirty="0" smtClean="0"/>
+              <a:t>Challenges regarding bandwidth</a:t>
+            </a:r>
+          </a:p>
+          <a:p>
+            <a:r>
+              <a:rPr lang="en-US" dirty="0" smtClean="0"/>
+              <a:t>Forking to deny a target designation</a:t>
+            </a:r>
+          </a:p>
+          <a:p>
+            <a:r>
+              <a:rPr lang="en-US" dirty="0" smtClean="0"/>
+              <a:t>TLS 1.2, 1.3 </a:t>
             </a:r>
           </a:p>
           <a:p>
             <a:r>
               <a:rPr lang="en-US" dirty="0" err="1" smtClean="0"/>
-              <a:t>DDoSCoin</a:t>
+              <a:t>Ethereum</a:t>
             </a:r>
             <a:r>
               <a:rPr lang="en-US" dirty="0" smtClean="0"/>
-              <a:t> Design</a:t>
-            </a:r>
-          </a:p>
-          <a:p>
-            <a:r>
-              <a:rPr lang="en-US" b="1" dirty="0" smtClean="0"/>
-              <a:t>Discussion</a:t>
-            </a:r>
-            <a:endParaRPr lang="en-US" b="1" dirty="0"/>
+              <a:t> smart contract </a:t>
+            </a:r>
+            <a:r>
+              <a:rPr lang="en-US" dirty="0" smtClean="0"/>
+              <a:t>PAY_TO_DDOS</a:t>
+            </a:r>
+          </a:p>
+          <a:p>
+            <a:r>
+              <a:rPr lang="en-US" smtClean="0"/>
+              <a:t>Adoption </a:t>
+            </a:r>
+            <a:endParaRPr lang="en-US" dirty="0" smtClean="0"/>
           </a:p>
         </p:txBody>
       </p:sp>
@@ -8601,7 +8582,7 @@
     </p:spTree>
     <p:extLst>
       <p:ext uri="{BB962C8B-B14F-4D97-AF65-F5344CB8AC3E}">
-        <p14:creationId xmlns:p14="http://schemas.microsoft.com/office/powerpoint/2010/main" val="376000784"/>
+        <p14:creationId xmlns:p14="http://schemas.microsoft.com/office/powerpoint/2010/main" val="785918018"/>
       </p:ext>
     </p:extLst>
   </p:cSld>
@@ -8610,10 +8591,10 @@
   </p:clrMapOvr>
   <mc:AlternateContent xmlns:mc="http://schemas.openxmlformats.org/markup-compatibility/2006" xmlns:p14="http://schemas.microsoft.com/office/powerpoint/2010/main">
     <mc:Choice Requires="p14">
-      <p:transition spd="slow" p14:dur="2000" advTm="1487"/>
+      <p:transition spd="slow" p14:dur="2000" advTm="241739"/>
     </mc:Choice>
     <mc:Fallback xmlns="">
-      <p:transition spd="slow" advTm="1487"/>
+      <p:transition spd="slow" advTm="241739"/>
     </mc:Fallback>
   </mc:AlternateContent>
   <p:timing>
@@ -8660,7 +8641,7 @@
           <a:p>
             <a:r>
               <a:rPr lang="en-US" dirty="0" smtClean="0"/>
-              <a:t>Discussion</a:t>
+              <a:t>Defenses</a:t>
             </a:r>
             <a:endParaRPr lang="en-US" dirty="0"/>
           </a:p>
@@ -8683,40 +8664,33 @@
           <a:p>
             <a:r>
               <a:rPr lang="en-US" dirty="0" smtClean="0"/>
-              <a:t>Malicious </a:t>
-            </a:r>
+              <a:t>Version or cipher suite changes</a:t>
+            </a:r>
+          </a:p>
+          <a:p>
             <a:r>
               <a:rPr lang="en-US" dirty="0" smtClean="0"/>
-              <a:t>“useful” proof-of-work</a:t>
+              <a:t>Claiming rewards</a:t>
             </a:r>
           </a:p>
           <a:p>
             <a:r>
               <a:rPr lang="en-US" dirty="0" smtClean="0"/>
-              <a:t>Challenges regarding bandwidth</a:t>
-            </a:r>
-          </a:p>
-          <a:p>
+              <a:t>Legal </a:t>
+            </a:r>
             <a:r>
               <a:rPr lang="en-US" dirty="0" smtClean="0"/>
-              <a:t>Forking to deny a target designation</a:t>
-            </a:r>
-          </a:p>
-          <a:p>
-            <a:r>
-              <a:rPr lang="en-US" dirty="0" smtClean="0"/>
-              <a:t>TLS 1.2, 1.3 </a:t>
+              <a:t>action</a:t>
             </a:r>
           </a:p>
           <a:p>
             <a:r>
               <a:rPr lang="en-US" dirty="0" err="1" smtClean="0"/>
-              <a:t>Ethereum</a:t>
-            </a:r>
-            <a:r>
-              <a:rPr lang="en-US" dirty="0" smtClean="0"/>
-              <a:t> smart contract PAY_TO_DDOS</a:t>
-            </a:r>
+              <a:t>Stakeholding</a:t>
+            </a:r>
+            <a:endParaRPr lang="en-US" dirty="0" smtClean="0"/>
+          </a:p>
+          <a:p>
             <a:endParaRPr lang="en-US" dirty="0"/>
           </a:p>
         </p:txBody>
@@ -8747,21 +8721,13 @@
     </p:spTree>
     <p:extLst>
       <p:ext uri="{BB962C8B-B14F-4D97-AF65-F5344CB8AC3E}">
-        <p14:creationId xmlns:p14="http://schemas.microsoft.com/office/powerpoint/2010/main" val="785918018"/>
+        <p14:creationId xmlns:p14="http://schemas.microsoft.com/office/powerpoint/2010/main" val="867785764"/>
       </p:ext>
     </p:extLst>
   </p:cSld>
   <p:clrMapOvr>
     <a:masterClrMapping/>
   </p:clrMapOvr>
-  <mc:AlternateContent xmlns:mc="http://schemas.openxmlformats.org/markup-compatibility/2006" xmlns:p14="http://schemas.microsoft.com/office/powerpoint/2010/main">
-    <mc:Choice Requires="p14">
-      <p:transition spd="slow" p14:dur="2000" advTm="241739"/>
-    </mc:Choice>
-    <mc:Fallback xmlns="">
-      <p:transition spd="slow" advTm="241739"/>
-    </mc:Fallback>
-  </mc:AlternateContent>
   <p:timing>
     <p:tnLst>
       <p:par>
@@ -8806,126 +8772,6 @@
           <a:p>
             <a:r>
               <a:rPr lang="en-US" dirty="0" smtClean="0"/>
-              <a:t>Defenses</a:t>
-            </a:r>
-            <a:endParaRPr lang="en-US" dirty="0"/>
-          </a:p>
-        </p:txBody>
-      </p:sp>
-      <p:sp>
-        <p:nvSpPr>
-          <p:cNvPr id="3" name="Content Placeholder 2"/>
-          <p:cNvSpPr>
-            <a:spLocks noGrp="1"/>
-          </p:cNvSpPr>
-          <p:nvPr>
-            <p:ph idx="1"/>
-          </p:nvPr>
-        </p:nvSpPr>
-        <p:spPr/>
-        <p:txBody>
-          <a:bodyPr/>
-          <a:lstStyle/>
-          <a:p>
-            <a:r>
-              <a:rPr lang="en-US" dirty="0" smtClean="0"/>
-              <a:t>Version or cipher suite changes</a:t>
-            </a:r>
-          </a:p>
-          <a:p>
-            <a:r>
-              <a:rPr lang="en-US" dirty="0" smtClean="0"/>
-              <a:t>Claiming rewards</a:t>
-            </a:r>
-          </a:p>
-          <a:p>
-            <a:r>
-              <a:rPr lang="en-US" dirty="0" smtClean="0"/>
-              <a:t>Legal action</a:t>
-            </a:r>
-          </a:p>
-          <a:p>
-            <a:endParaRPr lang="en-US" dirty="0"/>
-          </a:p>
-        </p:txBody>
-      </p:sp>
-      <p:sp>
-        <p:nvSpPr>
-          <p:cNvPr id="4" name="Slide Number Placeholder 3"/>
-          <p:cNvSpPr>
-            <a:spLocks noGrp="1"/>
-          </p:cNvSpPr>
-          <p:nvPr>
-            <p:ph type="sldNum" sz="quarter" idx="12"/>
-          </p:nvPr>
-        </p:nvSpPr>
-        <p:spPr/>
-        <p:txBody>
-          <a:bodyPr/>
-          <a:lstStyle/>
-          <a:p>
-            <a:fld id="{9C2C2163-EE3B-6D4D-A313-F6946E2C16A1}" type="slidenum">
-              <a:rPr lang="en-US" smtClean="0"/>
-              <a:t>17</a:t>
-            </a:fld>
-            <a:endParaRPr lang="en-US"/>
-          </a:p>
-        </p:txBody>
-      </p:sp>
-    </p:spTree>
-    <p:extLst>
-      <p:ext uri="{BB962C8B-B14F-4D97-AF65-F5344CB8AC3E}">
-        <p14:creationId xmlns:p14="http://schemas.microsoft.com/office/powerpoint/2010/main" val="867785764"/>
-      </p:ext>
-    </p:extLst>
-  </p:cSld>
-  <p:clrMapOvr>
-    <a:masterClrMapping/>
-  </p:clrMapOvr>
-  <p:timing>
-    <p:tnLst>
-      <p:par>
-        <p:cTn id="1" dur="indefinite" restart="never" nodeType="tmRoot"/>
-      </p:par>
-    </p:tnLst>
-  </p:timing>
-</p:sld>
-</file>
-
-<file path=ppt/slides/slide18.xml><?xml version="1.0" encoding="utf-8"?>
-<p:sld xmlns:a="http://schemas.openxmlformats.org/drawingml/2006/main" xmlns:r="http://schemas.openxmlformats.org/officeDocument/2006/relationships" xmlns:p="http://schemas.openxmlformats.org/presentationml/2006/main">
-  <p:cSld>
-    <p:spTree>
-      <p:nvGrpSpPr>
-        <p:cNvPr id="1" name=""/>
-        <p:cNvGrpSpPr/>
-        <p:nvPr/>
-      </p:nvGrpSpPr>
-      <p:grpSpPr>
-        <a:xfrm>
-          <a:off x="0" y="0"/>
-          <a:ext cx="0" cy="0"/>
-          <a:chOff x="0" y="0"/>
-          <a:chExt cx="0" cy="0"/>
-        </a:xfrm>
-      </p:grpSpPr>
-      <p:sp>
-        <p:nvSpPr>
-          <p:cNvPr id="2" name="Title 1"/>
-          <p:cNvSpPr>
-            <a:spLocks noGrp="1"/>
-          </p:cNvSpPr>
-          <p:nvPr>
-            <p:ph type="title"/>
-          </p:nvPr>
-        </p:nvSpPr>
-        <p:spPr/>
-        <p:txBody>
-          <a:bodyPr/>
-          <a:lstStyle/>
-          <a:p>
-            <a:r>
-              <a:rPr lang="en-US" dirty="0" smtClean="0"/>
               <a:t>Ethics</a:t>
             </a:r>
             <a:endParaRPr lang="en-US" dirty="0"/>
@@ -8986,7 +8832,7 @@
           <a:p>
             <a:fld id="{9C2C2163-EE3B-6D4D-A313-F6946E2C16A1}" type="slidenum">
               <a:rPr lang="en-US" smtClean="0"/>
-              <a:t>18</a:t>
+              <a:t>17</a:t>
             </a:fld>
             <a:endParaRPr lang="en-US"/>
           </a:p>
@@ -9020,7 +8866,7 @@
 </p:sld>
 </file>
 
-<file path=ppt/slides/slide19.xml><?xml version="1.0" encoding="utf-8"?>
+<file path=ppt/slides/slide18.xml><?xml version="1.0" encoding="utf-8"?>
 <p:sld xmlns:a="http://schemas.openxmlformats.org/drawingml/2006/main" xmlns:r="http://schemas.openxmlformats.org/officeDocument/2006/relationships" xmlns:p="http://schemas.openxmlformats.org/presentationml/2006/main">
   <p:cSld>
     <p:spTree>
@@ -9345,29 +9191,6 @@
           </a:p>
         </p:txBody>
       </p:sp>
-      <p:sp>
-        <p:nvSpPr>
-          <p:cNvPr id="5" name="Slide Number Placeholder 4"/>
-          <p:cNvSpPr>
-            <a:spLocks noGrp="1"/>
-          </p:cNvSpPr>
-          <p:nvPr>
-            <p:ph type="sldNum" sz="quarter" idx="12"/>
-          </p:nvPr>
-        </p:nvSpPr>
-        <p:spPr/>
-        <p:txBody>
-          <a:bodyPr/>
-          <a:lstStyle/>
-          <a:p>
-            <a:fld id="{9C2C2163-EE3B-6D4D-A313-F6946E2C16A1}" type="slidenum">
-              <a:rPr lang="en-US" smtClean="0"/>
-              <a:t>19</a:t>
-            </a:fld>
-            <a:endParaRPr lang="en-US"/>
-          </a:p>
-        </p:txBody>
-      </p:sp>
       <p:pic>
         <p:nvPicPr>
           <p:cNvPr id="6" name="Picture 5"/>
@@ -9450,7 +9273,7 @@
 </p:sld>
 </file>
 
-<file path=ppt/slides/slide2.xml><?xml version="1.0" encoding="utf-8"?>
+<file path=ppt/slides/slide19.xml><?xml version="1.0" encoding="utf-8"?>
 <p:sld xmlns:a="http://schemas.openxmlformats.org/drawingml/2006/main" xmlns:r="http://schemas.openxmlformats.org/officeDocument/2006/relationships" xmlns:p="http://schemas.openxmlformats.org/presentationml/2006/main">
   <p:cSld>
     <p:spTree>
@@ -9484,6 +9307,154 @@
           <a:p>
             <a:r>
               <a:rPr lang="en-US" dirty="0" smtClean="0"/>
+              <a:t>Target Difficulty </a:t>
+            </a:r>
+            <a:endParaRPr lang="en-US" dirty="0"/>
+          </a:p>
+        </p:txBody>
+      </p:sp>
+      <p:sp>
+        <p:nvSpPr>
+          <p:cNvPr id="3" name="Content Placeholder 2"/>
+          <p:cNvSpPr>
+            <a:spLocks noGrp="1"/>
+          </p:cNvSpPr>
+          <p:nvPr>
+            <p:ph idx="1"/>
+          </p:nvPr>
+        </p:nvSpPr>
+        <p:spPr/>
+        <p:txBody>
+          <a:bodyPr/>
+          <a:lstStyle/>
+          <a:p>
+            <a:r>
+              <a:rPr lang="en-US" dirty="0" smtClean="0"/>
+              <a:t>Global difficulty parameter</a:t>
+            </a:r>
+          </a:p>
+          <a:p>
+            <a:pPr lvl="1"/>
+            <a:r>
+              <a:rPr lang="en-US" dirty="0" smtClean="0"/>
+              <a:t>Adjust the rate at which transactions are processed</a:t>
+            </a:r>
+          </a:p>
+          <a:p>
+            <a:r>
+              <a:rPr lang="en-US" dirty="0" smtClean="0"/>
+              <a:t>Per-domain difficulty parameter</a:t>
+            </a:r>
+          </a:p>
+          <a:p>
+            <a:pPr lvl="1"/>
+            <a:r>
+              <a:rPr lang="en-US" dirty="0" smtClean="0"/>
+              <a:t>Allow all targets to be viable</a:t>
+            </a:r>
+          </a:p>
+          <a:p>
+            <a:r>
+              <a:rPr lang="en-US" dirty="0" smtClean="0"/>
+              <a:t>Constant time intervals</a:t>
+            </a:r>
+          </a:p>
+          <a:p>
+            <a:r>
+              <a:rPr lang="en-US" dirty="0" smtClean="0"/>
+              <a:t>Initial difficulty set by user</a:t>
+            </a:r>
+          </a:p>
+          <a:p>
+            <a:endParaRPr lang="en-US" dirty="0"/>
+          </a:p>
+        </p:txBody>
+      </p:sp>
+      <p:sp>
+        <p:nvSpPr>
+          <p:cNvPr id="4" name="Slide Number Placeholder 3"/>
+          <p:cNvSpPr>
+            <a:spLocks noGrp="1"/>
+          </p:cNvSpPr>
+          <p:nvPr>
+            <p:ph type="sldNum" sz="quarter" idx="12"/>
+          </p:nvPr>
+        </p:nvSpPr>
+        <p:spPr/>
+        <p:txBody>
+          <a:bodyPr/>
+          <a:lstStyle/>
+          <a:p>
+            <a:fld id="{9C2C2163-EE3B-6D4D-A313-F6946E2C16A1}" type="slidenum">
+              <a:rPr lang="en-US" smtClean="0"/>
+              <a:t>19</a:t>
+            </a:fld>
+            <a:endParaRPr lang="en-US"/>
+          </a:p>
+        </p:txBody>
+      </p:sp>
+    </p:spTree>
+    <p:extLst>
+      <p:ext uri="{BB962C8B-B14F-4D97-AF65-F5344CB8AC3E}">
+        <p14:creationId xmlns:p14="http://schemas.microsoft.com/office/powerpoint/2010/main" val="779625435"/>
+      </p:ext>
+    </p:extLst>
+  </p:cSld>
+  <p:clrMapOvr>
+    <a:masterClrMapping/>
+  </p:clrMapOvr>
+  <mc:AlternateContent xmlns:mc="http://schemas.openxmlformats.org/markup-compatibility/2006" xmlns:p14="http://schemas.microsoft.com/office/powerpoint/2010/main">
+    <mc:Choice Requires="p14">
+      <p:transition spd="slow" p14:dur="2000" advTm="156465"/>
+    </mc:Choice>
+    <mc:Fallback xmlns="">
+      <p:transition spd="slow" advTm="156465"/>
+    </mc:Fallback>
+  </mc:AlternateContent>
+  <p:timing>
+    <p:tnLst>
+      <p:par>
+        <p:cTn id="1" dur="indefinite" restart="never" nodeType="tmRoot"/>
+      </p:par>
+    </p:tnLst>
+  </p:timing>
+</p:sld>
+</file>
+
+<file path=ppt/slides/slide2.xml><?xml version="1.0" encoding="utf-8"?>
+<p:sld xmlns:a="http://schemas.openxmlformats.org/drawingml/2006/main" xmlns:r="http://schemas.openxmlformats.org/officeDocument/2006/relationships" xmlns:p="http://schemas.openxmlformats.org/presentationml/2006/main" show="0">
+  <p:cSld>
+    <p:spTree>
+      <p:nvGrpSpPr>
+        <p:cNvPr id="1" name=""/>
+        <p:cNvGrpSpPr/>
+        <p:nvPr/>
+      </p:nvGrpSpPr>
+      <p:grpSpPr>
+        <a:xfrm>
+          <a:off x="0" y="0"/>
+          <a:ext cx="0" cy="0"/>
+          <a:chOff x="0" y="0"/>
+          <a:chExt cx="0" cy="0"/>
+        </a:xfrm>
+      </p:grpSpPr>
+      <p:sp>
+        <p:nvSpPr>
+          <p:cNvPr id="2" name="Title 1"/>
+          <p:cNvSpPr>
+            <a:spLocks noGrp="1"/>
+          </p:cNvSpPr>
+          <p:nvPr>
+            <p:ph type="title"/>
+          </p:nvPr>
+        </p:nvSpPr>
+        <p:spPr/>
+        <p:txBody>
+          <a:bodyPr/>
+          <a:lstStyle/>
+          <a:p>
+            <a:r>
+              <a:rPr lang="en-US" dirty="0" smtClean="0"/>
               <a:t>Outline</a:t>
             </a:r>
             <a:endParaRPr lang="en-US" dirty="0"/>
@@ -9562,11 +9533,11 @@
   <p:clrMapOvr>
     <a:masterClrMapping/>
   </p:clrMapOvr>
-  <mc:AlternateContent xmlns:mc="http://schemas.openxmlformats.org/markup-compatibility/2006" xmlns:p14="http://schemas.microsoft.com/office/powerpoint/2010/main">
-    <mc:Choice Requires="p14">
+  <mc:AlternateContent xmlns:mc="http://schemas.openxmlformats.org/markup-compatibility/2006">
+    <mc:Choice xmlns:p14="http://schemas.microsoft.com/office/powerpoint/2010/main" Requires="p14">
       <p:transition spd="slow" p14:dur="2000" advTm="3949"/>
     </mc:Choice>
-    <mc:Fallback xmlns="">
+    <mc:Fallback>
       <p:transition spd="slow" advTm="3949"/>
     </mc:Fallback>
   </mc:AlternateContent>
@@ -9685,8 +9656,8 @@
         </p:blipFill>
         <p:spPr>
           <a:xfrm>
-            <a:off x="5074951" y="2310937"/>
-            <a:ext cx="6912002" cy="3168001"/>
+            <a:off x="5367867" y="2417293"/>
+            <a:ext cx="6698734" cy="3168001"/>
           </a:xfrm>
         </p:spPr>
       </p:pic>
@@ -9838,6 +9809,13 @@
           <a:p>
             <a:r>
               <a:rPr lang="en-US" dirty="0" err="1" smtClean="0"/>
+              <a:t>Peercoin</a:t>
+            </a:r>
+            <a:endParaRPr lang="en-US" dirty="0" smtClean="0"/>
+          </a:p>
+          <a:p>
+            <a:r>
+              <a:rPr lang="en-US" dirty="0" err="1" smtClean="0"/>
               <a:t>Permacoin</a:t>
             </a:r>
             <a:endParaRPr lang="en-US" dirty="0" smtClean="0"/>
@@ -9846,13 +9824,6 @@
             <a:r>
               <a:rPr lang="en-US" dirty="0" err="1" smtClean="0"/>
               <a:t>TorPath</a:t>
-            </a:r>
-            <a:endParaRPr lang="en-US" dirty="0" smtClean="0"/>
-          </a:p>
-          <a:p>
-            <a:r>
-              <a:rPr lang="en-US" dirty="0" err="1" smtClean="0"/>
-              <a:t>Peercoin</a:t>
             </a:r>
             <a:endParaRPr lang="en-US" dirty="0" smtClean="0"/>
           </a:p>
@@ -10114,7 +10085,7 @@
 </file>
 
 <file path=ppt/slides/slide6.xml><?xml version="1.0" encoding="utf-8"?>
-<p:sld xmlns:a="http://schemas.openxmlformats.org/drawingml/2006/main" xmlns:r="http://schemas.openxmlformats.org/officeDocument/2006/relationships" xmlns:p="http://schemas.openxmlformats.org/presentationml/2006/main">
+<p:sld xmlns:a="http://schemas.openxmlformats.org/drawingml/2006/main" xmlns:r="http://schemas.openxmlformats.org/officeDocument/2006/relationships" xmlns:p="http://schemas.openxmlformats.org/presentationml/2006/main" show="0">
   <p:cSld>
     <p:spTree>
       <p:nvGrpSpPr>
@@ -10225,11 +10196,11 @@
   <p:clrMapOvr>
     <a:masterClrMapping/>
   </p:clrMapOvr>
-  <mc:AlternateContent xmlns:mc="http://schemas.openxmlformats.org/markup-compatibility/2006" xmlns:p14="http://schemas.microsoft.com/office/powerpoint/2010/main">
-    <mc:Choice Requires="p14">
+  <mc:AlternateContent xmlns:mc="http://schemas.openxmlformats.org/markup-compatibility/2006">
+    <mc:Choice xmlns:p14="http://schemas.microsoft.com/office/powerpoint/2010/main" Requires="p14">
       <p:transition spd="slow" p14:dur="2000" advTm="1703"/>
     </mc:Choice>
-    <mc:Fallback xmlns="">
+    <mc:Fallback>
       <p:transition spd="slow" advTm="1703"/>
     </mc:Fallback>
   </mc:AlternateContent>
@@ -10967,7 +10938,12 @@
             <p:ph sz="half" idx="1"/>
           </p:nvPr>
         </p:nvSpPr>
-        <p:spPr/>
+        <p:spPr>
+          <a:xfrm>
+            <a:off x="838200" y="1825625"/>
+            <a:ext cx="10642600" cy="4351338"/>
+          </a:xfrm>
+        </p:spPr>
         <p:txBody>
           <a:bodyPr/>
           <a:lstStyle/>
@@ -11000,11 +10976,30 @@
             </a:r>
           </a:p>
           <a:p>
+            <a:endParaRPr lang="en-US" dirty="0" smtClean="0"/>
+          </a:p>
+          <a:p>
+            <a:endParaRPr lang="en-US" dirty="0"/>
+          </a:p>
+          <a:p>
             <a:r>
               <a:rPr lang="en-US" dirty="0" smtClean="0"/>
               <a:t>Target difficulty</a:t>
             </a:r>
-            <a:endParaRPr lang="en-US" dirty="0"/>
+          </a:p>
+          <a:p>
+            <a:pPr lvl="1"/>
+            <a:r>
+              <a:rPr lang="en-US" dirty="0" smtClean="0">
+                <a:ea typeface="American Typewriter" charset="0"/>
+                <a:cs typeface="American Typewriter" charset="0"/>
+              </a:rPr>
+              <a:t>SHA256(DH Parameters || signature || N)</a:t>
+            </a:r>
+            <a:endParaRPr lang="en-US" dirty="0">
+              <a:ea typeface="American Typewriter" charset="0"/>
+              <a:cs typeface="American Typewriter" charset="0"/>
+            </a:endParaRPr>
           </a:p>
         </p:txBody>
       </p:sp>
